--- a/schemas.pptx
+++ b/schemas.pptx
@@ -4922,6 +4922,295 @@
           <a:chExt cx="0" cy="0"/>
         </a:xfrm>
       </p:grpSpPr>
+      <p:sp>
+        <p:nvSpPr>
+          <p:cNvPr id="2" name="Rectangle 1"/>
+          <p:cNvSpPr/>
+          <p:nvPr/>
+        </p:nvSpPr>
+        <p:spPr>
+          <a:xfrm>
+            <a:off x="3518115" y="914401"/>
+            <a:ext cx="3301139" cy="1410345"/>
+          </a:xfrm>
+          <a:prstGeom prst="rect">
+            <a:avLst/>
+          </a:prstGeom>
+          <a:ln>
+            <a:noFill/>
+          </a:ln>
+        </p:spPr>
+        <p:style>
+          <a:lnRef idx="2">
+            <a:schemeClr val="accent4">
+              <a:shade val="50000"/>
+            </a:schemeClr>
+          </a:lnRef>
+          <a:fillRef idx="1">
+            <a:schemeClr val="accent4"/>
+          </a:fillRef>
+          <a:effectRef idx="0">
+            <a:schemeClr val="accent4"/>
+          </a:effectRef>
+          <a:fontRef idx="minor">
+            <a:schemeClr val="lt1"/>
+          </a:fontRef>
+        </p:style>
+        <p:txBody>
+          <a:bodyPr rtlCol="0" anchor="ctr"/>
+          <a:lstStyle/>
+          <a:p>
+            <a:pPr algn="ctr"/>
+            <a:r>
+              <a:rPr lang="en-US" sz="3200" dirty="0" smtClean="0"/>
+              <a:t>Parent</a:t>
+            </a:r>
+            <a:endParaRPr lang="en-US" sz="3200" dirty="0"/>
+          </a:p>
+        </p:txBody>
+      </p:sp>
+      <p:sp>
+        <p:nvSpPr>
+          <p:cNvPr id="12" name="Rectangle 11"/>
+          <p:cNvSpPr/>
+          <p:nvPr/>
+        </p:nvSpPr>
+        <p:spPr>
+          <a:xfrm>
+            <a:off x="3518115" y="3360550"/>
+            <a:ext cx="3301139" cy="1410345"/>
+          </a:xfrm>
+          <a:prstGeom prst="rect">
+            <a:avLst/>
+          </a:prstGeom>
+          <a:solidFill>
+            <a:srgbClr val="00A44D"/>
+          </a:solidFill>
+          <a:ln>
+            <a:noFill/>
+          </a:ln>
+        </p:spPr>
+        <p:style>
+          <a:lnRef idx="2">
+            <a:schemeClr val="accent4">
+              <a:shade val="50000"/>
+            </a:schemeClr>
+          </a:lnRef>
+          <a:fillRef idx="1">
+            <a:schemeClr val="accent4"/>
+          </a:fillRef>
+          <a:effectRef idx="0">
+            <a:schemeClr val="accent4"/>
+          </a:effectRef>
+          <a:fontRef idx="minor">
+            <a:schemeClr val="lt1"/>
+          </a:fontRef>
+        </p:style>
+        <p:txBody>
+          <a:bodyPr rtlCol="0" anchor="ctr"/>
+          <a:lstStyle/>
+          <a:p>
+            <a:pPr algn="ctr"/>
+            <a:r>
+              <a:rPr lang="en-US" sz="3200" dirty="0" smtClean="0"/>
+              <a:t>Child</a:t>
+            </a:r>
+            <a:endParaRPr lang="en-US" sz="3200" dirty="0"/>
+          </a:p>
+        </p:txBody>
+      </p:sp>
+      <p:cxnSp>
+        <p:nvCxnSpPr>
+          <p:cNvPr id="6" name="Elbow Connector 5"/>
+          <p:cNvCxnSpPr>
+            <a:stCxn id="2" idx="3"/>
+            <a:endCxn id="12" idx="3"/>
+          </p:cNvCxnSpPr>
+          <p:nvPr/>
+        </p:nvCxnSpPr>
+        <p:spPr>
+          <a:xfrm>
+            <a:off x="6819254" y="1619574"/>
+            <a:ext cx="12700" cy="2446149"/>
+          </a:xfrm>
+          <a:prstGeom prst="bentConnector3">
+            <a:avLst>
+              <a:gd name="adj1" fmla="val 4972882"/>
+            </a:avLst>
+          </a:prstGeom>
+          <a:ln w="38100">
+            <a:solidFill>
+              <a:schemeClr val="bg1"/>
+            </a:solidFill>
+            <a:prstDash val="dash"/>
+            <a:headEnd type="none" w="med" len="med"/>
+            <a:tailEnd type="arrow" w="med" len="med"/>
+          </a:ln>
+        </p:spPr>
+        <p:style>
+          <a:lnRef idx="1">
+            <a:schemeClr val="accent1"/>
+          </a:lnRef>
+          <a:fillRef idx="0">
+            <a:schemeClr val="accent1"/>
+          </a:fillRef>
+          <a:effectRef idx="0">
+            <a:schemeClr val="accent1"/>
+          </a:effectRef>
+          <a:fontRef idx="minor">
+            <a:schemeClr val="tx1"/>
+          </a:fontRef>
+        </p:style>
+      </p:cxnSp>
+      <p:cxnSp>
+        <p:nvCxnSpPr>
+          <p:cNvPr id="15" name="Elbow Connector 14"/>
+          <p:cNvCxnSpPr>
+            <a:stCxn id="12" idx="1"/>
+            <a:endCxn id="2" idx="1"/>
+          </p:cNvCxnSpPr>
+          <p:nvPr/>
+        </p:nvCxnSpPr>
+        <p:spPr>
+          <a:xfrm rot="10800000">
+            <a:off x="3518115" y="1619575"/>
+            <a:ext cx="12700" cy="2446149"/>
+          </a:xfrm>
+          <a:prstGeom prst="bentConnector3">
+            <a:avLst>
+              <a:gd name="adj1" fmla="val 5216945"/>
+            </a:avLst>
+          </a:prstGeom>
+          <a:ln w="38100">
+            <a:solidFill>
+              <a:schemeClr val="bg1"/>
+            </a:solidFill>
+            <a:prstDash val="dash"/>
+            <a:headEnd type="none" w="med" len="med"/>
+            <a:tailEnd type="arrow" w="med" len="med"/>
+          </a:ln>
+        </p:spPr>
+        <p:style>
+          <a:lnRef idx="1">
+            <a:schemeClr val="accent1"/>
+          </a:lnRef>
+          <a:fillRef idx="0">
+            <a:schemeClr val="accent1"/>
+          </a:fillRef>
+          <a:effectRef idx="0">
+            <a:schemeClr val="accent1"/>
+          </a:effectRef>
+          <a:fontRef idx="minor">
+            <a:schemeClr val="tx1"/>
+          </a:fontRef>
+        </p:style>
+      </p:cxnSp>
+      <p:sp>
+        <p:nvSpPr>
+          <p:cNvPr id="21" name="TextBox 20"/>
+          <p:cNvSpPr txBox="1"/>
+          <p:nvPr/>
+        </p:nvSpPr>
+        <p:spPr>
+          <a:xfrm>
+            <a:off x="7501180" y="2427149"/>
+            <a:ext cx="888641" cy="830997"/>
+          </a:xfrm>
+          <a:prstGeom prst="rect">
+            <a:avLst/>
+          </a:prstGeom>
+          <a:noFill/>
+        </p:spPr>
+        <p:txBody>
+          <a:bodyPr wrap="none" rtlCol="0">
+            <a:spAutoFit/>
+          </a:bodyPr>
+          <a:lstStyle/>
+          <a:p>
+            <a:r>
+              <a:rPr lang="en-US" sz="2400" dirty="0" smtClean="0">
+                <a:solidFill>
+                  <a:schemeClr val="bg1"/>
+                </a:solidFill>
+              </a:rPr>
+              <a:t>Pass</a:t>
+            </a:r>
+            <a:br>
+              <a:rPr lang="en-US" sz="2400" dirty="0" smtClean="0">
+                <a:solidFill>
+                  <a:schemeClr val="bg1"/>
+                </a:solidFill>
+              </a:rPr>
+            </a:br>
+            <a:r>
+              <a:rPr lang="en-US" sz="2400" dirty="0" smtClean="0">
+                <a:solidFill>
+                  <a:schemeClr val="bg1"/>
+                </a:solidFill>
+              </a:rPr>
+              <a:t>Props</a:t>
+            </a:r>
+            <a:endParaRPr lang="en-US" sz="2400" dirty="0">
+              <a:solidFill>
+                <a:schemeClr val="bg1"/>
+              </a:solidFill>
+            </a:endParaRPr>
+          </a:p>
+        </p:txBody>
+      </p:sp>
+      <p:sp>
+        <p:nvSpPr>
+          <p:cNvPr id="22" name="TextBox 21"/>
+          <p:cNvSpPr txBox="1"/>
+          <p:nvPr/>
+        </p:nvSpPr>
+        <p:spPr>
+          <a:xfrm>
+            <a:off x="1682225" y="2427148"/>
+            <a:ext cx="1000851" cy="830997"/>
+          </a:xfrm>
+          <a:prstGeom prst="rect">
+            <a:avLst/>
+          </a:prstGeom>
+          <a:noFill/>
+        </p:spPr>
+        <p:txBody>
+          <a:bodyPr wrap="none" rtlCol="0">
+            <a:spAutoFit/>
+          </a:bodyPr>
+          <a:lstStyle/>
+          <a:p>
+            <a:r>
+              <a:rPr lang="en-US" sz="2400" smtClean="0">
+                <a:solidFill>
+                  <a:schemeClr val="bg1"/>
+                </a:solidFill>
+              </a:rPr>
+              <a:t>Emit</a:t>
+            </a:r>
+            <a:br>
+              <a:rPr lang="en-US" sz="2400" smtClean="0">
+                <a:solidFill>
+                  <a:schemeClr val="bg1"/>
+                </a:solidFill>
+              </a:rPr>
+            </a:br>
+            <a:r>
+              <a:rPr lang="en-US" sz="2400" smtClean="0">
+                <a:solidFill>
+                  <a:schemeClr val="bg1"/>
+                </a:solidFill>
+              </a:rPr>
+              <a:t>Events</a:t>
+            </a:r>
+            <a:endParaRPr lang="en-US" sz="2400" dirty="0">
+              <a:solidFill>
+                <a:schemeClr val="bg1"/>
+              </a:solidFill>
+            </a:endParaRPr>
+          </a:p>
+        </p:txBody>
+      </p:sp>
     </p:spTree>
     <p:extLst>
       <p:ext uri="{BB962C8B-B14F-4D97-AF65-F5344CB8AC3E}">

--- a/schemas.pptx
+++ b/schemas.pptx
@@ -5,17 +5,18 @@
     <p:sldMasterId id="2147483648" r:id="rId1"/>
   </p:sldMasterIdLst>
   <p:notesMasterIdLst>
-    <p:notesMasterId r:id="rId10"/>
+    <p:notesMasterId r:id="rId11"/>
   </p:notesMasterIdLst>
   <p:sldIdLst>
     <p:sldId id="256" r:id="rId2"/>
     <p:sldId id="257" r:id="rId3"/>
     <p:sldId id="264" r:id="rId4"/>
-    <p:sldId id="258" r:id="rId5"/>
-    <p:sldId id="260" r:id="rId6"/>
-    <p:sldId id="261" r:id="rId7"/>
-    <p:sldId id="262" r:id="rId8"/>
-    <p:sldId id="263" r:id="rId9"/>
+    <p:sldId id="265" r:id="rId5"/>
+    <p:sldId id="258" r:id="rId6"/>
+    <p:sldId id="260" r:id="rId7"/>
+    <p:sldId id="261" r:id="rId8"/>
+    <p:sldId id="262" r:id="rId9"/>
+    <p:sldId id="263" r:id="rId10"/>
   </p:sldIdLst>
   <p:sldSz cx="12192000" cy="6858000"/>
   <p:notesSz cx="6858000" cy="9144000"/>
@@ -122,6 +123,7 @@
             <p14:sldId id="256"/>
             <p14:sldId id="257"/>
             <p14:sldId id="264"/>
+            <p14:sldId id="265"/>
           </p14:sldIdLst>
         </p14:section>
         <p14:section name="virtualDom" id="{BAC17991-2C0F-6A4D-A4E3-317A1FEBCCFF}">
@@ -224,7 +226,7 @@
           <a:p>
             <a:fld id="{5C429396-FDB1-F04C-9A46-BA26E46C0344}" type="datetimeFigureOut">
               <a:rPr lang="en-US" smtClean="0"/>
-              <a:t>9/29/17</a:t>
+              <a:t>10/2/17</a:t>
             </a:fld>
             <a:endParaRPr lang="en-US"/>
           </a:p>
@@ -623,7 +625,7 @@
           <a:p>
             <a:fld id="{78C3FB43-EF33-7B42-BD59-CFA98E055764}" type="datetimeFigureOut">
               <a:rPr lang="en-US" smtClean="0"/>
-              <a:t>9/29/17</a:t>
+              <a:t>10/2/17</a:t>
             </a:fld>
             <a:endParaRPr lang="en-US"/>
           </a:p>
@@ -793,7 +795,7 @@
           <a:p>
             <a:fld id="{78C3FB43-EF33-7B42-BD59-CFA98E055764}" type="datetimeFigureOut">
               <a:rPr lang="en-US" smtClean="0"/>
-              <a:t>9/29/17</a:t>
+              <a:t>10/2/17</a:t>
             </a:fld>
             <a:endParaRPr lang="en-US"/>
           </a:p>
@@ -973,7 +975,7 @@
           <a:p>
             <a:fld id="{78C3FB43-EF33-7B42-BD59-CFA98E055764}" type="datetimeFigureOut">
               <a:rPr lang="en-US" smtClean="0"/>
-              <a:t>9/29/17</a:t>
+              <a:t>10/2/17</a:t>
             </a:fld>
             <a:endParaRPr lang="en-US"/>
           </a:p>
@@ -1143,7 +1145,7 @@
           <a:p>
             <a:fld id="{78C3FB43-EF33-7B42-BD59-CFA98E055764}" type="datetimeFigureOut">
               <a:rPr lang="en-US" smtClean="0"/>
-              <a:t>9/29/17</a:t>
+              <a:t>10/2/17</a:t>
             </a:fld>
             <a:endParaRPr lang="en-US"/>
           </a:p>
@@ -1389,7 +1391,7 @@
           <a:p>
             <a:fld id="{78C3FB43-EF33-7B42-BD59-CFA98E055764}" type="datetimeFigureOut">
               <a:rPr lang="en-US" smtClean="0"/>
-              <a:t>9/29/17</a:t>
+              <a:t>10/2/17</a:t>
             </a:fld>
             <a:endParaRPr lang="en-US"/>
           </a:p>
@@ -1621,7 +1623,7 @@
           <a:p>
             <a:fld id="{78C3FB43-EF33-7B42-BD59-CFA98E055764}" type="datetimeFigureOut">
               <a:rPr lang="en-US" smtClean="0"/>
-              <a:t>9/29/17</a:t>
+              <a:t>10/2/17</a:t>
             </a:fld>
             <a:endParaRPr lang="en-US"/>
           </a:p>
@@ -1988,7 +1990,7 @@
           <a:p>
             <a:fld id="{78C3FB43-EF33-7B42-BD59-CFA98E055764}" type="datetimeFigureOut">
               <a:rPr lang="en-US" smtClean="0"/>
-              <a:t>9/29/17</a:t>
+              <a:t>10/2/17</a:t>
             </a:fld>
             <a:endParaRPr lang="en-US"/>
           </a:p>
@@ -2106,7 +2108,7 @@
           <a:p>
             <a:fld id="{78C3FB43-EF33-7B42-BD59-CFA98E055764}" type="datetimeFigureOut">
               <a:rPr lang="en-US" smtClean="0"/>
-              <a:t>9/29/17</a:t>
+              <a:t>10/2/17</a:t>
             </a:fld>
             <a:endParaRPr lang="en-US"/>
           </a:p>
@@ -2201,7 +2203,7 @@
           <a:p>
             <a:fld id="{78C3FB43-EF33-7B42-BD59-CFA98E055764}" type="datetimeFigureOut">
               <a:rPr lang="en-US" smtClean="0"/>
-              <a:t>9/29/17</a:t>
+              <a:t>10/2/17</a:t>
             </a:fld>
             <a:endParaRPr lang="en-US"/>
           </a:p>
@@ -2478,7 +2480,7 @@
           <a:p>
             <a:fld id="{78C3FB43-EF33-7B42-BD59-CFA98E055764}" type="datetimeFigureOut">
               <a:rPr lang="en-US" smtClean="0"/>
-              <a:t>9/29/17</a:t>
+              <a:t>10/2/17</a:t>
             </a:fld>
             <a:endParaRPr lang="en-US"/>
           </a:p>
@@ -2731,7 +2733,7 @@
           <a:p>
             <a:fld id="{78C3FB43-EF33-7B42-BD59-CFA98E055764}" type="datetimeFigureOut">
               <a:rPr lang="en-US" smtClean="0"/>
-              <a:t>9/29/17</a:t>
+              <a:t>10/2/17</a:t>
             </a:fld>
             <a:endParaRPr lang="en-US"/>
           </a:p>
@@ -2944,7 +2946,7 @@
           <a:p>
             <a:fld id="{78C3FB43-EF33-7B42-BD59-CFA98E055764}" type="datetimeFigureOut">
               <a:rPr lang="en-US" smtClean="0"/>
-              <a:t>9/29/17</a:t>
+              <a:t>10/2/17</a:t>
             </a:fld>
             <a:endParaRPr lang="en-US"/>
           </a:p>
@@ -3495,10 +3497,18 @@
           <a:p>
             <a:pPr algn="r"/>
             <a:r>
-              <a:rPr lang="en-US" dirty="0" smtClean="0"/>
+              <a:rPr lang="en-US" dirty="0" smtClean="0">
+                <a:solidFill>
+                  <a:schemeClr val="bg1"/>
+                </a:solidFill>
+              </a:rPr>
               <a:t>JS</a:t>
             </a:r>
-            <a:endParaRPr lang="en-US" dirty="0"/>
+            <a:endParaRPr lang="en-US" dirty="0">
+              <a:solidFill>
+                <a:schemeClr val="bg1"/>
+              </a:solidFill>
+            </a:endParaRPr>
           </a:p>
         </p:txBody>
       </p:sp>
@@ -3525,10 +3535,18 @@
           <a:lstStyle/>
           <a:p>
             <a:r>
-              <a:rPr lang="en-US" smtClean="0"/>
+              <a:rPr lang="en-US" smtClean="0">
+                <a:solidFill>
+                  <a:schemeClr val="bg1"/>
+                </a:solidFill>
+              </a:rPr>
               <a:t>HTML</a:t>
             </a:r>
-            <a:endParaRPr lang="en-US" dirty="0"/>
+            <a:endParaRPr lang="en-US" dirty="0">
+              <a:solidFill>
+                <a:schemeClr val="bg1"/>
+              </a:solidFill>
+            </a:endParaRPr>
           </a:p>
         </p:txBody>
       </p:sp>
@@ -3555,10 +3573,18 @@
           <a:lstStyle/>
           <a:p>
             <a:r>
-              <a:rPr lang="en-US" smtClean="0"/>
+              <a:rPr lang="en-US" smtClean="0">
+                <a:solidFill>
+                  <a:schemeClr val="bg1"/>
+                </a:solidFill>
+              </a:rPr>
               <a:t>CSS</a:t>
             </a:r>
-            <a:endParaRPr lang="en-US" dirty="0"/>
+            <a:endParaRPr lang="en-US" dirty="0">
+              <a:solidFill>
+                <a:schemeClr val="bg1"/>
+              </a:solidFill>
+            </a:endParaRPr>
           </a:p>
         </p:txBody>
       </p:sp>
@@ -4100,10 +4126,18 @@
           <a:lstStyle/>
           <a:p>
             <a:r>
-              <a:rPr lang="en-US" dirty="0" smtClean="0"/>
+              <a:rPr lang="en-US" dirty="0" smtClean="0">
+                <a:solidFill>
+                  <a:schemeClr val="bg1"/>
+                </a:solidFill>
+              </a:rPr>
               <a:t>C3</a:t>
             </a:r>
-            <a:endParaRPr lang="en-US" dirty="0"/>
+            <a:endParaRPr lang="en-US" dirty="0">
+              <a:solidFill>
+                <a:schemeClr val="bg1"/>
+              </a:solidFill>
+            </a:endParaRPr>
           </a:p>
         </p:txBody>
       </p:sp>
@@ -4428,7 +4462,7 @@
             <a:pPr algn="ctr"/>
             <a:r>
               <a:rPr lang="en-US" dirty="0" smtClean="0"/>
-              <a:t>HTML</a:t>
+              <a:t>CSS</a:t>
             </a:r>
             <a:endParaRPr lang="en-US" dirty="0"/>
           </a:p>
@@ -4473,7 +4507,7 @@
             <a:pPr algn="ctr"/>
             <a:r>
               <a:rPr lang="en-US" dirty="0" smtClean="0"/>
-              <a:t>HTML</a:t>
+              <a:t>CSS</a:t>
             </a:r>
             <a:endParaRPr lang="en-US" dirty="0"/>
           </a:p>
@@ -4518,7 +4552,7 @@
             <a:pPr algn="ctr"/>
             <a:r>
               <a:rPr lang="en-US" dirty="0" smtClean="0"/>
-              <a:t>HTML</a:t>
+              <a:t>CSS</a:t>
             </a:r>
             <a:endParaRPr lang="en-US" dirty="0"/>
           </a:p>
@@ -4546,10 +4580,18 @@
           <a:lstStyle/>
           <a:p>
             <a:r>
-              <a:rPr lang="en-US" dirty="0" smtClean="0"/>
+              <a:rPr lang="en-US" dirty="0" smtClean="0">
+                <a:solidFill>
+                  <a:schemeClr val="bg1"/>
+                </a:solidFill>
+              </a:rPr>
               <a:t>C2</a:t>
             </a:r>
-            <a:endParaRPr lang="en-US" dirty="0"/>
+            <a:endParaRPr lang="en-US" dirty="0">
+              <a:solidFill>
+                <a:schemeClr val="bg1"/>
+              </a:solidFill>
+            </a:endParaRPr>
           </a:p>
         </p:txBody>
       </p:sp>
@@ -4575,10 +4617,18 @@
           <a:lstStyle/>
           <a:p>
             <a:r>
-              <a:rPr lang="en-US" dirty="0" smtClean="0"/>
+              <a:rPr lang="en-US" dirty="0" smtClean="0">
+                <a:solidFill>
+                  <a:schemeClr val="bg1"/>
+                </a:solidFill>
+              </a:rPr>
               <a:t>C1</a:t>
             </a:r>
-            <a:endParaRPr lang="en-US" dirty="0"/>
+            <a:endParaRPr lang="en-US" dirty="0">
+              <a:solidFill>
+                <a:schemeClr val="bg1"/>
+              </a:solidFill>
+            </a:endParaRPr>
           </a:p>
         </p:txBody>
       </p:sp>
@@ -5251,36 +5301,33 @@
       </p:grpSpPr>
       <p:sp>
         <p:nvSpPr>
-          <p:cNvPr id="4" name="Oval 3"/>
+          <p:cNvPr id="2" name="Rectangle 1"/>
           <p:cNvSpPr/>
           <p:nvPr/>
         </p:nvSpPr>
         <p:spPr>
           <a:xfrm>
-            <a:off x="701749" y="3346191"/>
-            <a:ext cx="552893" cy="552893"/>
-          </a:xfrm>
-          <a:prstGeom prst="ellipse">
-            <a:avLst/>
-          </a:prstGeom>
-          <a:solidFill>
-            <a:schemeClr val="accent4"/>
-          </a:solidFill>
-          <a:ln w="0">
+            <a:off x="3523285" y="728422"/>
+            <a:ext cx="3301139" cy="1410345"/>
+          </a:xfrm>
+          <a:prstGeom prst="rect">
+            <a:avLst/>
+          </a:prstGeom>
+          <a:ln>
             <a:noFill/>
           </a:ln>
         </p:spPr>
         <p:style>
           <a:lnRef idx="2">
-            <a:schemeClr val="accent1">
+            <a:schemeClr val="accent4">
               <a:shade val="50000"/>
             </a:schemeClr>
           </a:lnRef>
           <a:fillRef idx="1">
-            <a:schemeClr val="accent1"/>
-          </a:fillRef>
-          <a:effectRef idx="0">
-            <a:schemeClr val="accent1"/>
+            <a:schemeClr val="accent4"/>
+          </a:fillRef>
+          <a:effectRef idx="0">
+            <a:schemeClr val="accent4"/>
           </a:effectRef>
           <a:fontRef idx="minor">
             <a:schemeClr val="lt1"/>
@@ -5291,42 +5338,46 @@
           <a:lstStyle/>
           <a:p>
             <a:pPr algn="ctr"/>
-            <a:endParaRPr lang="en-US"/>
-          </a:p>
-        </p:txBody>
-      </p:sp>
-      <p:sp>
-        <p:nvSpPr>
-          <p:cNvPr id="5" name="Oval 4"/>
+            <a:r>
+              <a:rPr lang="en-US" sz="3200" smtClean="0"/>
+              <a:t>PropertyList</a:t>
+            </a:r>
+            <a:endParaRPr lang="en-US" sz="3200" dirty="0"/>
+          </a:p>
+        </p:txBody>
+      </p:sp>
+      <p:sp>
+        <p:nvSpPr>
+          <p:cNvPr id="12" name="Rectangle 11"/>
           <p:cNvSpPr/>
           <p:nvPr/>
         </p:nvSpPr>
         <p:spPr>
           <a:xfrm>
-            <a:off x="1599379" y="2346182"/>
-            <a:ext cx="552893" cy="552893"/>
-          </a:xfrm>
-          <a:prstGeom prst="ellipse">
+            <a:off x="2409986" y="3515532"/>
+            <a:ext cx="2216258" cy="1410345"/>
+          </a:xfrm>
+          <a:prstGeom prst="rect">
             <a:avLst/>
           </a:prstGeom>
           <a:solidFill>
-            <a:schemeClr val="accent4"/>
+            <a:srgbClr val="00A44D"/>
           </a:solidFill>
-          <a:ln w="0">
+          <a:ln>
             <a:noFill/>
           </a:ln>
         </p:spPr>
         <p:style>
           <a:lnRef idx="2">
-            <a:schemeClr val="accent1">
+            <a:schemeClr val="accent4">
               <a:shade val="50000"/>
             </a:schemeClr>
           </a:lnRef>
           <a:fillRef idx="1">
-            <a:schemeClr val="accent1"/>
-          </a:fillRef>
-          <a:effectRef idx="0">
-            <a:schemeClr val="accent1"/>
+            <a:schemeClr val="accent4"/>
+          </a:fillRef>
+          <a:effectRef idx="0">
+            <a:schemeClr val="accent4"/>
           </a:effectRef>
           <a:fontRef idx="minor">
             <a:schemeClr val="lt1"/>
@@ -5337,42 +5388,46 @@
           <a:lstStyle/>
           <a:p>
             <a:pPr algn="ctr"/>
-            <a:endParaRPr lang="en-US"/>
-          </a:p>
-        </p:txBody>
-      </p:sp>
-      <p:sp>
-        <p:nvSpPr>
-          <p:cNvPr id="6" name="Oval 5"/>
+            <a:r>
+              <a:rPr lang="en-US" sz="2000" dirty="0" err="1" smtClean="0"/>
+              <a:t>PropertyListItem</a:t>
+            </a:r>
+            <a:endParaRPr lang="en-US" sz="2000" dirty="0"/>
+          </a:p>
+        </p:txBody>
+      </p:sp>
+      <p:sp>
+        <p:nvSpPr>
+          <p:cNvPr id="13" name="Rectangle 12"/>
           <p:cNvSpPr/>
           <p:nvPr/>
         </p:nvSpPr>
         <p:spPr>
           <a:xfrm>
-            <a:off x="1518410" y="3951699"/>
-            <a:ext cx="552893" cy="552893"/>
-          </a:xfrm>
-          <a:prstGeom prst="ellipse">
+            <a:off x="5716295" y="3515532"/>
+            <a:ext cx="2216258" cy="1410345"/>
+          </a:xfrm>
+          <a:prstGeom prst="rect">
             <a:avLst/>
           </a:prstGeom>
           <a:solidFill>
-            <a:schemeClr val="accent4"/>
+            <a:srgbClr val="00A44D"/>
           </a:solidFill>
-          <a:ln w="0">
+          <a:ln>
             <a:noFill/>
           </a:ln>
         </p:spPr>
         <p:style>
           <a:lnRef idx="2">
-            <a:schemeClr val="accent1">
+            <a:schemeClr val="accent4">
               <a:shade val="50000"/>
             </a:schemeClr>
           </a:lnRef>
           <a:fillRef idx="1">
-            <a:schemeClr val="accent1"/>
-          </a:fillRef>
-          <a:effectRef idx="0">
-            <a:schemeClr val="accent1"/>
+            <a:schemeClr val="accent4"/>
+          </a:fillRef>
+          <a:effectRef idx="0">
+            <a:schemeClr val="accent4"/>
           </a:effectRef>
           <a:fontRef idx="minor">
             <a:schemeClr val="lt1"/>
@@ -5383,161 +5438,40 @@
           <a:lstStyle/>
           <a:p>
             <a:pPr algn="ctr"/>
-            <a:endParaRPr lang="en-US"/>
-          </a:p>
-        </p:txBody>
-      </p:sp>
-      <p:sp>
-        <p:nvSpPr>
-          <p:cNvPr id="7" name="Oval 6"/>
-          <p:cNvSpPr/>
-          <p:nvPr/>
-        </p:nvSpPr>
-        <p:spPr>
-          <a:xfrm>
-            <a:off x="874117" y="1793289"/>
-            <a:ext cx="552893" cy="552893"/>
-          </a:xfrm>
-          <a:prstGeom prst="ellipse">
-            <a:avLst/>
-          </a:prstGeom>
-          <a:solidFill>
-            <a:schemeClr val="accent4"/>
-          </a:solidFill>
-          <a:ln w="0">
-            <a:noFill/>
-          </a:ln>
-        </p:spPr>
-        <p:style>
-          <a:lnRef idx="2">
-            <a:schemeClr val="accent1">
-              <a:shade val="50000"/>
-            </a:schemeClr>
-          </a:lnRef>
-          <a:fillRef idx="1">
-            <a:schemeClr val="accent1"/>
-          </a:fillRef>
-          <a:effectRef idx="0">
-            <a:schemeClr val="accent1"/>
-          </a:effectRef>
-          <a:fontRef idx="minor">
-            <a:schemeClr val="lt1"/>
-          </a:fontRef>
-        </p:style>
-        <p:txBody>
-          <a:bodyPr rtlCol="0" anchor="ctr"/>
-          <a:lstStyle/>
-          <a:p>
-            <a:pPr algn="ctr"/>
-            <a:endParaRPr lang="en-US"/>
-          </a:p>
-        </p:txBody>
-      </p:sp>
-      <p:sp>
-        <p:nvSpPr>
-          <p:cNvPr id="8" name="Oval 7"/>
-          <p:cNvSpPr/>
-          <p:nvPr/>
-        </p:nvSpPr>
-        <p:spPr>
-          <a:xfrm>
-            <a:off x="2339566" y="3028986"/>
-            <a:ext cx="552893" cy="552893"/>
-          </a:xfrm>
-          <a:prstGeom prst="ellipse">
-            <a:avLst/>
-          </a:prstGeom>
-          <a:solidFill>
-            <a:schemeClr val="accent4"/>
-          </a:solidFill>
-          <a:ln w="0">
-            <a:noFill/>
-          </a:ln>
-        </p:spPr>
-        <p:style>
-          <a:lnRef idx="2">
-            <a:schemeClr val="accent1">
-              <a:shade val="50000"/>
-            </a:schemeClr>
-          </a:lnRef>
-          <a:fillRef idx="1">
-            <a:schemeClr val="accent1"/>
-          </a:fillRef>
-          <a:effectRef idx="0">
-            <a:schemeClr val="accent1"/>
-          </a:effectRef>
-          <a:fontRef idx="minor">
-            <a:schemeClr val="lt1"/>
-          </a:fontRef>
-        </p:style>
-        <p:txBody>
-          <a:bodyPr rtlCol="0" anchor="ctr"/>
-          <a:lstStyle/>
-          <a:p>
-            <a:pPr algn="ctr"/>
-            <a:endParaRPr lang="en-US"/>
-          </a:p>
-        </p:txBody>
-      </p:sp>
-      <p:sp>
-        <p:nvSpPr>
-          <p:cNvPr id="9" name="TextBox 8"/>
-          <p:cNvSpPr txBox="1"/>
-          <p:nvPr/>
-        </p:nvSpPr>
-        <p:spPr>
-          <a:xfrm>
-            <a:off x="1005019" y="4732115"/>
-            <a:ext cx="995785" cy="461665"/>
-          </a:xfrm>
-          <a:prstGeom prst="rect">
-            <a:avLst/>
-          </a:prstGeom>
-          <a:noFill/>
-        </p:spPr>
-        <p:txBody>
-          <a:bodyPr wrap="none" rtlCol="0">
-            <a:spAutoFit/>
-          </a:bodyPr>
-          <a:lstStyle/>
-          <a:p>
             <a:r>
-              <a:rPr lang="en-US" sz="2400" dirty="0" smtClean="0">
-                <a:solidFill>
-                  <a:schemeClr val="bg1"/>
-                </a:solidFill>
-              </a:rPr>
-              <a:t>Model</a:t>
+              <a:rPr lang="en-US" sz="2000" dirty="0" err="1"/>
+              <a:t>PropertyListItem</a:t>
             </a:r>
-            <a:endParaRPr lang="en-US" sz="2400" dirty="0">
-              <a:solidFill>
-                <a:schemeClr val="bg1"/>
-              </a:solidFill>
-            </a:endParaRPr>
+            <a:endParaRPr lang="en-US" sz="2000" dirty="0"/>
           </a:p>
         </p:txBody>
       </p:sp>
       <p:cxnSp>
         <p:nvCxnSpPr>
-          <p:cNvPr id="18" name="Straight Connector 17"/>
+          <p:cNvPr id="32" name="Elbow Connector 31"/>
           <p:cNvCxnSpPr>
-            <a:stCxn id="7" idx="5"/>
-            <a:endCxn id="5" idx="2"/>
+            <a:stCxn id="13" idx="3"/>
+            <a:endCxn id="2" idx="3"/>
           </p:cNvCxnSpPr>
           <p:nvPr/>
         </p:nvCxnSpPr>
         <p:spPr>
-          <a:xfrm>
-            <a:off x="1346041" y="2265213"/>
-            <a:ext cx="253338" cy="357416"/>
-          </a:xfrm>
-          <a:prstGeom prst="line">
-            <a:avLst/>
+          <a:xfrm flipH="1" flipV="1">
+            <a:off x="6824424" y="1433595"/>
+            <a:ext cx="1108129" cy="2787110"/>
+          </a:xfrm>
+          <a:prstGeom prst="bentConnector3">
+            <a:avLst>
+              <a:gd name="adj1" fmla="val -20629"/>
+            </a:avLst>
           </a:prstGeom>
           <a:ln w="38100">
             <a:solidFill>
               <a:schemeClr val="bg1"/>
             </a:solidFill>
+            <a:prstDash val="dash"/>
+            <a:headEnd type="none" w="med" len="med"/>
+            <a:tailEnd type="arrow" w="med" len="med"/>
           </a:ln>
         </p:spPr>
         <p:style>
@@ -5555,71 +5489,28 @@
           </a:fontRef>
         </p:style>
       </p:cxnSp>
-      <p:sp>
-        <p:nvSpPr>
-          <p:cNvPr id="77" name="Rounded Rectangle 76"/>
-          <p:cNvSpPr/>
-          <p:nvPr/>
-        </p:nvSpPr>
-        <p:spPr>
-          <a:xfrm>
-            <a:off x="3843580" y="1793289"/>
-            <a:ext cx="3502618" cy="2740204"/>
-          </a:xfrm>
-          <a:prstGeom prst="roundRect">
-            <a:avLst/>
-          </a:prstGeom>
-          <a:solidFill>
-            <a:schemeClr val="accent5">
-              <a:lumMod val="20000"/>
-              <a:lumOff val="80000"/>
-            </a:schemeClr>
-          </a:solidFill>
-        </p:spPr>
-        <p:style>
-          <a:lnRef idx="1">
-            <a:schemeClr val="accent6"/>
-          </a:lnRef>
-          <a:fillRef idx="2">
-            <a:schemeClr val="accent6"/>
-          </a:fillRef>
-          <a:effectRef idx="1">
-            <a:schemeClr val="accent6"/>
-          </a:effectRef>
-          <a:fontRef idx="minor">
-            <a:schemeClr val="dk1"/>
-          </a:fontRef>
-        </p:style>
-        <p:txBody>
-          <a:bodyPr rtlCol="0" anchor="ctr"/>
-          <a:lstStyle/>
-          <a:p>
-            <a:pPr algn="ctr"/>
-            <a:endParaRPr lang="en-US"/>
-          </a:p>
-        </p:txBody>
-      </p:sp>
       <p:cxnSp>
         <p:nvCxnSpPr>
-          <p:cNvPr id="21" name="Straight Connector 20"/>
+          <p:cNvPr id="34" name="Straight Arrow Connector 33"/>
           <p:cNvCxnSpPr>
-            <a:stCxn id="8" idx="1"/>
-            <a:endCxn id="5" idx="5"/>
+            <a:stCxn id="2" idx="2"/>
+            <a:endCxn id="13" idx="0"/>
           </p:cNvCxnSpPr>
           <p:nvPr/>
         </p:nvCxnSpPr>
         <p:spPr>
-          <a:xfrm flipH="1" flipV="1">
-            <a:off x="2071303" y="2818106"/>
-            <a:ext cx="349232" cy="291849"/>
-          </a:xfrm>
-          <a:prstGeom prst="line">
+          <a:xfrm>
+            <a:off x="5173855" y="2138767"/>
+            <a:ext cx="1650569" cy="1376765"/>
+          </a:xfrm>
+          <a:prstGeom prst="straightConnector1">
             <a:avLst/>
           </a:prstGeom>
           <a:ln w="38100">
             <a:solidFill>
               <a:schemeClr val="bg1"/>
             </a:solidFill>
+            <a:tailEnd type="triangle"/>
           </a:ln>
         </p:spPr>
         <p:style>
@@ -5639,25 +5530,26 @@
       </p:cxnSp>
       <p:cxnSp>
         <p:nvCxnSpPr>
-          <p:cNvPr id="24" name="Straight Connector 23"/>
+          <p:cNvPr id="35" name="Straight Arrow Connector 34"/>
           <p:cNvCxnSpPr>
-            <a:stCxn id="6" idx="1"/>
-            <a:endCxn id="4" idx="5"/>
+            <a:stCxn id="2" idx="2"/>
+            <a:endCxn id="12" idx="0"/>
           </p:cNvCxnSpPr>
           <p:nvPr/>
         </p:nvCxnSpPr>
         <p:spPr>
-          <a:xfrm flipH="1" flipV="1">
-            <a:off x="1173673" y="3818115"/>
-            <a:ext cx="425706" cy="214553"/>
-          </a:xfrm>
-          <a:prstGeom prst="line">
+          <a:xfrm flipH="1">
+            <a:off x="3518115" y="2138767"/>
+            <a:ext cx="1655740" cy="1376765"/>
+          </a:xfrm>
+          <a:prstGeom prst="straightConnector1">
             <a:avLst/>
           </a:prstGeom>
           <a:ln w="38100">
             <a:solidFill>
               <a:schemeClr val="bg1"/>
             </a:solidFill>
+            <a:tailEnd type="triangle"/>
           </a:ln>
         </p:spPr>
         <p:style>
@@ -5677,25 +5569,30 @@
       </p:cxnSp>
       <p:cxnSp>
         <p:nvCxnSpPr>
-          <p:cNvPr id="34" name="Straight Connector 33"/>
+          <p:cNvPr id="42" name="Elbow Connector 41"/>
           <p:cNvCxnSpPr>
-            <a:stCxn id="4" idx="7"/>
-            <a:endCxn id="5" idx="3"/>
+            <a:stCxn id="12" idx="1"/>
+            <a:endCxn id="2" idx="1"/>
           </p:cNvCxnSpPr>
           <p:nvPr/>
         </p:nvCxnSpPr>
         <p:spPr>
-          <a:xfrm flipV="1">
-            <a:off x="1173673" y="2818106"/>
-            <a:ext cx="506675" cy="609054"/>
-          </a:xfrm>
-          <a:prstGeom prst="line">
-            <a:avLst/>
+          <a:xfrm rot="10800000" flipH="1">
+            <a:off x="2409985" y="1433595"/>
+            <a:ext cx="1113299" cy="2787110"/>
+          </a:xfrm>
+          <a:prstGeom prst="bentConnector3">
+            <a:avLst>
+              <a:gd name="adj1" fmla="val -20534"/>
+            </a:avLst>
           </a:prstGeom>
           <a:ln w="38100">
             <a:solidFill>
               <a:schemeClr val="bg1"/>
             </a:solidFill>
+            <a:prstDash val="dash"/>
+            <a:headEnd type="none" w="med" len="med"/>
+            <a:tailEnd type="arrow" w="med" len="med"/>
           </a:ln>
         </p:spPr>
         <p:style>
@@ -5713,1058 +5610,10 @@
           </a:fontRef>
         </p:style>
       </p:cxnSp>
-      <p:cxnSp>
-        <p:nvCxnSpPr>
-          <p:cNvPr id="40" name="Straight Connector 39"/>
-          <p:cNvCxnSpPr>
-            <a:stCxn id="6" idx="7"/>
-            <a:endCxn id="8" idx="3"/>
-          </p:cNvCxnSpPr>
-          <p:nvPr/>
-        </p:nvCxnSpPr>
-        <p:spPr>
-          <a:xfrm flipV="1">
-            <a:off x="1990334" y="3500910"/>
-            <a:ext cx="430201" cy="531758"/>
-          </a:xfrm>
-          <a:prstGeom prst="line">
-            <a:avLst/>
-          </a:prstGeom>
-          <a:ln w="38100">
-            <a:solidFill>
-              <a:schemeClr val="bg1"/>
-            </a:solidFill>
-          </a:ln>
-        </p:spPr>
-        <p:style>
-          <a:lnRef idx="1">
-            <a:schemeClr val="accent1"/>
-          </a:lnRef>
-          <a:fillRef idx="0">
-            <a:schemeClr val="accent1"/>
-          </a:fillRef>
-          <a:effectRef idx="0">
-            <a:schemeClr val="accent1"/>
-          </a:effectRef>
-          <a:fontRef idx="minor">
-            <a:schemeClr val="tx1"/>
-          </a:fontRef>
-        </p:style>
-      </p:cxnSp>
-      <p:sp>
-        <p:nvSpPr>
-          <p:cNvPr id="55" name="Rectangle 54"/>
-          <p:cNvSpPr/>
-          <p:nvPr/>
-        </p:nvSpPr>
-        <p:spPr>
-          <a:xfrm>
-            <a:off x="4086467" y="3322958"/>
-            <a:ext cx="961293" cy="437717"/>
-          </a:xfrm>
-          <a:prstGeom prst="rect">
-            <a:avLst/>
-          </a:prstGeom>
-          <a:solidFill>
-            <a:schemeClr val="accent6"/>
-          </a:solidFill>
-          <a:ln>
-            <a:noFill/>
-          </a:ln>
-        </p:spPr>
-        <p:style>
-          <a:lnRef idx="2">
-            <a:schemeClr val="accent1">
-              <a:shade val="50000"/>
-            </a:schemeClr>
-          </a:lnRef>
-          <a:fillRef idx="1">
-            <a:schemeClr val="accent1"/>
-          </a:fillRef>
-          <a:effectRef idx="0">
-            <a:schemeClr val="accent1"/>
-          </a:effectRef>
-          <a:fontRef idx="minor">
-            <a:schemeClr val="lt1"/>
-          </a:fontRef>
-        </p:style>
-        <p:txBody>
-          <a:bodyPr rtlCol="0" anchor="ctr"/>
-          <a:lstStyle/>
-          <a:p>
-            <a:pPr algn="ctr"/>
-            <a:endParaRPr lang="en-US"/>
-          </a:p>
-        </p:txBody>
-      </p:sp>
-      <p:sp>
-        <p:nvSpPr>
-          <p:cNvPr id="56" name="Rectangle 55"/>
-          <p:cNvSpPr/>
-          <p:nvPr/>
-        </p:nvSpPr>
-        <p:spPr>
-          <a:xfrm>
-            <a:off x="5385742" y="3322958"/>
-            <a:ext cx="961293" cy="437717"/>
-          </a:xfrm>
-          <a:prstGeom prst="rect">
-            <a:avLst/>
-          </a:prstGeom>
-          <a:solidFill>
-            <a:schemeClr val="accent6"/>
-          </a:solidFill>
-          <a:ln>
-            <a:noFill/>
-          </a:ln>
-        </p:spPr>
-        <p:style>
-          <a:lnRef idx="2">
-            <a:schemeClr val="accent1">
-              <a:shade val="50000"/>
-            </a:schemeClr>
-          </a:lnRef>
-          <a:fillRef idx="1">
-            <a:schemeClr val="accent1"/>
-          </a:fillRef>
-          <a:effectRef idx="0">
-            <a:schemeClr val="accent1"/>
-          </a:effectRef>
-          <a:fontRef idx="minor">
-            <a:schemeClr val="lt1"/>
-          </a:fontRef>
-        </p:style>
-        <p:txBody>
-          <a:bodyPr rtlCol="0" anchor="ctr"/>
-          <a:lstStyle/>
-          <a:p>
-            <a:pPr algn="ctr"/>
-            <a:endParaRPr lang="en-US"/>
-          </a:p>
-        </p:txBody>
-      </p:sp>
-      <p:sp>
-        <p:nvSpPr>
-          <p:cNvPr id="57" name="Rectangle 56"/>
-          <p:cNvSpPr/>
-          <p:nvPr/>
-        </p:nvSpPr>
-        <p:spPr>
-          <a:xfrm>
-            <a:off x="4742445" y="2638697"/>
-            <a:ext cx="961293" cy="437717"/>
-          </a:xfrm>
-          <a:prstGeom prst="rect">
-            <a:avLst/>
-          </a:prstGeom>
-          <a:solidFill>
-            <a:schemeClr val="accent6"/>
-          </a:solidFill>
-          <a:ln>
-            <a:noFill/>
-          </a:ln>
-        </p:spPr>
-        <p:style>
-          <a:lnRef idx="2">
-            <a:schemeClr val="accent1">
-              <a:shade val="50000"/>
-            </a:schemeClr>
-          </a:lnRef>
-          <a:fillRef idx="1">
-            <a:schemeClr val="accent1"/>
-          </a:fillRef>
-          <a:effectRef idx="0">
-            <a:schemeClr val="accent1"/>
-          </a:effectRef>
-          <a:fontRef idx="minor">
-            <a:schemeClr val="lt1"/>
-          </a:fontRef>
-        </p:style>
-        <p:txBody>
-          <a:bodyPr rtlCol="0" anchor="ctr"/>
-          <a:lstStyle/>
-          <a:p>
-            <a:pPr algn="ctr"/>
-            <a:endParaRPr lang="en-US"/>
-          </a:p>
-        </p:txBody>
-      </p:sp>
-      <p:sp>
-        <p:nvSpPr>
-          <p:cNvPr id="58" name="Rectangle 57"/>
-          <p:cNvSpPr/>
-          <p:nvPr/>
-        </p:nvSpPr>
-        <p:spPr>
-          <a:xfrm>
-            <a:off x="5385740" y="1954436"/>
-            <a:ext cx="961293" cy="437717"/>
-          </a:xfrm>
-          <a:prstGeom prst="rect">
-            <a:avLst/>
-          </a:prstGeom>
-          <a:solidFill>
-            <a:schemeClr val="accent6"/>
-          </a:solidFill>
-          <a:ln>
-            <a:noFill/>
-          </a:ln>
-        </p:spPr>
-        <p:style>
-          <a:lnRef idx="2">
-            <a:schemeClr val="accent1">
-              <a:shade val="50000"/>
-            </a:schemeClr>
-          </a:lnRef>
-          <a:fillRef idx="1">
-            <a:schemeClr val="accent1"/>
-          </a:fillRef>
-          <a:effectRef idx="0">
-            <a:schemeClr val="accent1"/>
-          </a:effectRef>
-          <a:fontRef idx="minor">
-            <a:schemeClr val="lt1"/>
-          </a:fontRef>
-        </p:style>
-        <p:txBody>
-          <a:bodyPr rtlCol="0" anchor="ctr"/>
-          <a:lstStyle/>
-          <a:p>
-            <a:pPr algn="ctr"/>
-            <a:endParaRPr lang="en-US"/>
-          </a:p>
-        </p:txBody>
-      </p:sp>
-      <p:sp>
-        <p:nvSpPr>
-          <p:cNvPr id="59" name="Rectangle 58"/>
-          <p:cNvSpPr/>
-          <p:nvPr/>
-        </p:nvSpPr>
-        <p:spPr>
-          <a:xfrm>
-            <a:off x="6049586" y="2638697"/>
-            <a:ext cx="961293" cy="437717"/>
-          </a:xfrm>
-          <a:prstGeom prst="rect">
-            <a:avLst/>
-          </a:prstGeom>
-          <a:solidFill>
-            <a:schemeClr val="accent6"/>
-          </a:solidFill>
-          <a:ln>
-            <a:noFill/>
-          </a:ln>
-        </p:spPr>
-        <p:style>
-          <a:lnRef idx="2">
-            <a:schemeClr val="accent1">
-              <a:shade val="50000"/>
-            </a:schemeClr>
-          </a:lnRef>
-          <a:fillRef idx="1">
-            <a:schemeClr val="accent1"/>
-          </a:fillRef>
-          <a:effectRef idx="0">
-            <a:schemeClr val="accent1"/>
-          </a:effectRef>
-          <a:fontRef idx="minor">
-            <a:schemeClr val="lt1"/>
-          </a:fontRef>
-        </p:style>
-        <p:txBody>
-          <a:bodyPr rtlCol="0" anchor="ctr"/>
-          <a:lstStyle/>
-          <a:p>
-            <a:pPr algn="ctr"/>
-            <a:endParaRPr lang="en-US"/>
-          </a:p>
-        </p:txBody>
-      </p:sp>
-      <p:sp>
-        <p:nvSpPr>
-          <p:cNvPr id="60" name="Rectangle 59"/>
-          <p:cNvSpPr/>
-          <p:nvPr/>
-        </p:nvSpPr>
-        <p:spPr>
-          <a:xfrm>
-            <a:off x="5385741" y="4007219"/>
-            <a:ext cx="961293" cy="437717"/>
-          </a:xfrm>
-          <a:prstGeom prst="rect">
-            <a:avLst/>
-          </a:prstGeom>
-          <a:solidFill>
-            <a:schemeClr val="accent6"/>
-          </a:solidFill>
-          <a:ln>
-            <a:noFill/>
-          </a:ln>
-        </p:spPr>
-        <p:style>
-          <a:lnRef idx="2">
-            <a:schemeClr val="accent1">
-              <a:shade val="50000"/>
-            </a:schemeClr>
-          </a:lnRef>
-          <a:fillRef idx="1">
-            <a:schemeClr val="accent1"/>
-          </a:fillRef>
-          <a:effectRef idx="0">
-            <a:schemeClr val="accent1"/>
-          </a:effectRef>
-          <a:fontRef idx="minor">
-            <a:schemeClr val="lt1"/>
-          </a:fontRef>
-        </p:style>
-        <p:txBody>
-          <a:bodyPr rtlCol="0" anchor="ctr"/>
-          <a:lstStyle/>
-          <a:p>
-            <a:pPr algn="ctr"/>
-            <a:endParaRPr lang="en-US"/>
-          </a:p>
-        </p:txBody>
-      </p:sp>
-      <p:cxnSp>
-        <p:nvCxnSpPr>
-          <p:cNvPr id="61" name="Straight Connector 60"/>
-          <p:cNvCxnSpPr>
-            <a:stCxn id="58" idx="2"/>
-            <a:endCxn id="57" idx="0"/>
-          </p:cNvCxnSpPr>
-          <p:nvPr/>
-        </p:nvCxnSpPr>
-        <p:spPr>
-          <a:xfrm flipH="1">
-            <a:off x="5223092" y="2403360"/>
-            <a:ext cx="643295" cy="224131"/>
-          </a:xfrm>
-          <a:prstGeom prst="line">
-            <a:avLst/>
-          </a:prstGeom>
-          <a:ln w="38100">
-            <a:solidFill>
-              <a:schemeClr val="bg1"/>
-            </a:solidFill>
-          </a:ln>
-        </p:spPr>
-        <p:style>
-          <a:lnRef idx="1">
-            <a:schemeClr val="accent1"/>
-          </a:lnRef>
-          <a:fillRef idx="0">
-            <a:schemeClr val="accent1"/>
-          </a:fillRef>
-          <a:effectRef idx="0">
-            <a:schemeClr val="accent1"/>
-          </a:effectRef>
-          <a:fontRef idx="minor">
-            <a:schemeClr val="tx1"/>
-          </a:fontRef>
-        </p:style>
-      </p:cxnSp>
-      <p:cxnSp>
-        <p:nvCxnSpPr>
-          <p:cNvPr id="64" name="Straight Connector 63"/>
-          <p:cNvCxnSpPr>
-            <a:stCxn id="59" idx="0"/>
-            <a:endCxn id="58" idx="2"/>
-          </p:cNvCxnSpPr>
-          <p:nvPr/>
-        </p:nvCxnSpPr>
-        <p:spPr>
-          <a:xfrm flipH="1" flipV="1">
-            <a:off x="5866387" y="2403360"/>
-            <a:ext cx="663846" cy="224131"/>
-          </a:xfrm>
-          <a:prstGeom prst="line">
-            <a:avLst/>
-          </a:prstGeom>
-          <a:ln w="38100">
-            <a:solidFill>
-              <a:schemeClr val="bg1"/>
-            </a:solidFill>
-          </a:ln>
-        </p:spPr>
-        <p:style>
-          <a:lnRef idx="1">
-            <a:schemeClr val="accent1"/>
-          </a:lnRef>
-          <a:fillRef idx="0">
-            <a:schemeClr val="accent1"/>
-          </a:fillRef>
-          <a:effectRef idx="0">
-            <a:schemeClr val="accent1"/>
-          </a:effectRef>
-          <a:fontRef idx="minor">
-            <a:schemeClr val="tx1"/>
-          </a:fontRef>
-        </p:style>
-      </p:cxnSp>
-      <p:cxnSp>
-        <p:nvCxnSpPr>
-          <p:cNvPr id="67" name="Straight Connector 66"/>
-          <p:cNvCxnSpPr>
-            <a:stCxn id="55" idx="0"/>
-            <a:endCxn id="57" idx="2"/>
-          </p:cNvCxnSpPr>
-          <p:nvPr/>
-        </p:nvCxnSpPr>
-        <p:spPr>
-          <a:xfrm flipV="1">
-            <a:off x="4567114" y="3087621"/>
-            <a:ext cx="655978" cy="224131"/>
-          </a:xfrm>
-          <a:prstGeom prst="line">
-            <a:avLst/>
-          </a:prstGeom>
-          <a:ln w="38100">
-            <a:solidFill>
-              <a:schemeClr val="bg1"/>
-            </a:solidFill>
-          </a:ln>
-        </p:spPr>
-        <p:style>
-          <a:lnRef idx="1">
-            <a:schemeClr val="accent1"/>
-          </a:lnRef>
-          <a:fillRef idx="0">
-            <a:schemeClr val="accent1"/>
-          </a:fillRef>
-          <a:effectRef idx="0">
-            <a:schemeClr val="accent1"/>
-          </a:effectRef>
-          <a:fontRef idx="minor">
-            <a:schemeClr val="tx1"/>
-          </a:fontRef>
-        </p:style>
-      </p:cxnSp>
-      <p:cxnSp>
-        <p:nvCxnSpPr>
-          <p:cNvPr id="70" name="Straight Connector 69"/>
-          <p:cNvCxnSpPr>
-            <a:stCxn id="56" idx="0"/>
-            <a:endCxn id="57" idx="2"/>
-          </p:cNvCxnSpPr>
-          <p:nvPr/>
-        </p:nvCxnSpPr>
-        <p:spPr>
-          <a:xfrm flipH="1" flipV="1">
-            <a:off x="5223092" y="3087621"/>
-            <a:ext cx="643297" cy="224131"/>
-          </a:xfrm>
-          <a:prstGeom prst="line">
-            <a:avLst/>
-          </a:prstGeom>
-          <a:ln w="38100">
-            <a:solidFill>
-              <a:schemeClr val="bg1"/>
-            </a:solidFill>
-          </a:ln>
-        </p:spPr>
-        <p:style>
-          <a:lnRef idx="1">
-            <a:schemeClr val="accent1"/>
-          </a:lnRef>
-          <a:fillRef idx="0">
-            <a:schemeClr val="accent1"/>
-          </a:fillRef>
-          <a:effectRef idx="0">
-            <a:schemeClr val="accent1"/>
-          </a:effectRef>
-          <a:fontRef idx="minor">
-            <a:schemeClr val="tx1"/>
-          </a:fontRef>
-        </p:style>
-      </p:cxnSp>
-      <p:cxnSp>
-        <p:nvCxnSpPr>
-          <p:cNvPr id="73" name="Straight Connector 72"/>
-          <p:cNvCxnSpPr>
-            <a:stCxn id="56" idx="2"/>
-            <a:endCxn id="60" idx="0"/>
-          </p:cNvCxnSpPr>
-          <p:nvPr/>
-        </p:nvCxnSpPr>
-        <p:spPr>
-          <a:xfrm flipH="1">
-            <a:off x="5866388" y="3771882"/>
-            <a:ext cx="1" cy="224131"/>
-          </a:xfrm>
-          <a:prstGeom prst="line">
-            <a:avLst/>
-          </a:prstGeom>
-          <a:ln w="38100">
-            <a:solidFill>
-              <a:schemeClr val="bg1"/>
-            </a:solidFill>
-          </a:ln>
-        </p:spPr>
-        <p:style>
-          <a:lnRef idx="1">
-            <a:schemeClr val="accent1"/>
-          </a:lnRef>
-          <a:fillRef idx="0">
-            <a:schemeClr val="accent1"/>
-          </a:fillRef>
-          <a:effectRef idx="0">
-            <a:schemeClr val="accent1"/>
-          </a:effectRef>
-          <a:fontRef idx="minor">
-            <a:schemeClr val="tx1"/>
-          </a:fontRef>
-        </p:style>
-      </p:cxnSp>
-      <p:sp>
-        <p:nvSpPr>
-          <p:cNvPr id="78" name="TextBox 77"/>
-          <p:cNvSpPr txBox="1"/>
-          <p:nvPr/>
-        </p:nvSpPr>
-        <p:spPr>
-          <a:xfrm>
-            <a:off x="4722695" y="4728865"/>
-            <a:ext cx="1744388" cy="830997"/>
-          </a:xfrm>
-          <a:prstGeom prst="rect">
-            <a:avLst/>
-          </a:prstGeom>
-          <a:noFill/>
-        </p:spPr>
-        <p:txBody>
-          <a:bodyPr wrap="none" rtlCol="0">
-            <a:spAutoFit/>
-          </a:bodyPr>
-          <a:lstStyle/>
-          <a:p>
-            <a:pPr algn="ctr"/>
-            <a:r>
-              <a:rPr lang="en-US" sz="2400" dirty="0" smtClean="0">
-                <a:solidFill>
-                  <a:schemeClr val="bg1"/>
-                </a:solidFill>
-              </a:rPr>
-              <a:t>Virtual DOM</a:t>
-            </a:r>
-            <a:br>
-              <a:rPr lang="en-US" sz="2400" dirty="0" smtClean="0">
-                <a:solidFill>
-                  <a:schemeClr val="bg1"/>
-                </a:solidFill>
-              </a:rPr>
-            </a:br>
-            <a:r>
-              <a:rPr lang="en-US" sz="2400" dirty="0" smtClean="0">
-                <a:solidFill>
-                  <a:schemeClr val="bg1"/>
-                </a:solidFill>
-              </a:rPr>
-              <a:t>(in memory)</a:t>
-            </a:r>
-            <a:endParaRPr lang="en-US" sz="2400" dirty="0">
-              <a:solidFill>
-                <a:schemeClr val="bg1"/>
-              </a:solidFill>
-            </a:endParaRPr>
-          </a:p>
-        </p:txBody>
-      </p:sp>
-      <p:sp>
-        <p:nvSpPr>
-          <p:cNvPr id="79" name="Rectangle 78"/>
-          <p:cNvSpPr/>
-          <p:nvPr/>
-        </p:nvSpPr>
-        <p:spPr>
-          <a:xfrm>
-            <a:off x="8069733" y="3322958"/>
-            <a:ext cx="961293" cy="437717"/>
-          </a:xfrm>
-          <a:prstGeom prst="rect">
-            <a:avLst/>
-          </a:prstGeom>
-          <a:solidFill>
-            <a:schemeClr val="accent6"/>
-          </a:solidFill>
-          <a:ln>
-            <a:noFill/>
-          </a:ln>
-        </p:spPr>
-        <p:style>
-          <a:lnRef idx="2">
-            <a:schemeClr val="accent1">
-              <a:shade val="50000"/>
-            </a:schemeClr>
-          </a:lnRef>
-          <a:fillRef idx="1">
-            <a:schemeClr val="accent1"/>
-          </a:fillRef>
-          <a:effectRef idx="0">
-            <a:schemeClr val="accent1"/>
-          </a:effectRef>
-          <a:fontRef idx="minor">
-            <a:schemeClr val="lt1"/>
-          </a:fontRef>
-        </p:style>
-        <p:txBody>
-          <a:bodyPr rtlCol="0" anchor="ctr"/>
-          <a:lstStyle/>
-          <a:p>
-            <a:pPr algn="ctr"/>
-            <a:endParaRPr lang="en-US"/>
-          </a:p>
-        </p:txBody>
-      </p:sp>
-      <p:sp>
-        <p:nvSpPr>
-          <p:cNvPr id="80" name="Rectangle 79"/>
-          <p:cNvSpPr/>
-          <p:nvPr/>
-        </p:nvSpPr>
-        <p:spPr>
-          <a:xfrm>
-            <a:off x="9369008" y="3322958"/>
-            <a:ext cx="961293" cy="437717"/>
-          </a:xfrm>
-          <a:prstGeom prst="rect">
-            <a:avLst/>
-          </a:prstGeom>
-          <a:solidFill>
-            <a:schemeClr val="accent6"/>
-          </a:solidFill>
-          <a:ln>
-            <a:noFill/>
-          </a:ln>
-        </p:spPr>
-        <p:style>
-          <a:lnRef idx="2">
-            <a:schemeClr val="accent1">
-              <a:shade val="50000"/>
-            </a:schemeClr>
-          </a:lnRef>
-          <a:fillRef idx="1">
-            <a:schemeClr val="accent1"/>
-          </a:fillRef>
-          <a:effectRef idx="0">
-            <a:schemeClr val="accent1"/>
-          </a:effectRef>
-          <a:fontRef idx="minor">
-            <a:schemeClr val="lt1"/>
-          </a:fontRef>
-        </p:style>
-        <p:txBody>
-          <a:bodyPr rtlCol="0" anchor="ctr"/>
-          <a:lstStyle/>
-          <a:p>
-            <a:pPr algn="ctr"/>
-            <a:endParaRPr lang="en-US"/>
-          </a:p>
-        </p:txBody>
-      </p:sp>
-      <p:sp>
-        <p:nvSpPr>
-          <p:cNvPr id="81" name="Rectangle 80"/>
-          <p:cNvSpPr/>
-          <p:nvPr/>
-        </p:nvSpPr>
-        <p:spPr>
-          <a:xfrm>
-            <a:off x="8725711" y="2638697"/>
-            <a:ext cx="961293" cy="437717"/>
-          </a:xfrm>
-          <a:prstGeom prst="rect">
-            <a:avLst/>
-          </a:prstGeom>
-          <a:solidFill>
-            <a:schemeClr val="accent6"/>
-          </a:solidFill>
-          <a:ln>
-            <a:noFill/>
-          </a:ln>
-        </p:spPr>
-        <p:style>
-          <a:lnRef idx="2">
-            <a:schemeClr val="accent1">
-              <a:shade val="50000"/>
-            </a:schemeClr>
-          </a:lnRef>
-          <a:fillRef idx="1">
-            <a:schemeClr val="accent1"/>
-          </a:fillRef>
-          <a:effectRef idx="0">
-            <a:schemeClr val="accent1"/>
-          </a:effectRef>
-          <a:fontRef idx="minor">
-            <a:schemeClr val="lt1"/>
-          </a:fontRef>
-        </p:style>
-        <p:txBody>
-          <a:bodyPr rtlCol="0" anchor="ctr"/>
-          <a:lstStyle/>
-          <a:p>
-            <a:pPr algn="ctr"/>
-            <a:endParaRPr lang="en-US"/>
-          </a:p>
-        </p:txBody>
-      </p:sp>
-      <p:sp>
-        <p:nvSpPr>
-          <p:cNvPr id="82" name="Rectangle 81"/>
-          <p:cNvSpPr/>
-          <p:nvPr/>
-        </p:nvSpPr>
-        <p:spPr>
-          <a:xfrm>
-            <a:off x="9369006" y="1954436"/>
-            <a:ext cx="961293" cy="437717"/>
-          </a:xfrm>
-          <a:prstGeom prst="rect">
-            <a:avLst/>
-          </a:prstGeom>
-          <a:solidFill>
-            <a:schemeClr val="accent6"/>
-          </a:solidFill>
-          <a:ln>
-            <a:noFill/>
-          </a:ln>
-        </p:spPr>
-        <p:style>
-          <a:lnRef idx="2">
-            <a:schemeClr val="accent1">
-              <a:shade val="50000"/>
-            </a:schemeClr>
-          </a:lnRef>
-          <a:fillRef idx="1">
-            <a:schemeClr val="accent1"/>
-          </a:fillRef>
-          <a:effectRef idx="0">
-            <a:schemeClr val="accent1"/>
-          </a:effectRef>
-          <a:fontRef idx="minor">
-            <a:schemeClr val="lt1"/>
-          </a:fontRef>
-        </p:style>
-        <p:txBody>
-          <a:bodyPr rtlCol="0" anchor="ctr"/>
-          <a:lstStyle/>
-          <a:p>
-            <a:pPr algn="ctr"/>
-            <a:endParaRPr lang="en-US"/>
-          </a:p>
-        </p:txBody>
-      </p:sp>
-      <p:sp>
-        <p:nvSpPr>
-          <p:cNvPr id="83" name="Rectangle 82"/>
-          <p:cNvSpPr/>
-          <p:nvPr/>
-        </p:nvSpPr>
-        <p:spPr>
-          <a:xfrm>
-            <a:off x="10032852" y="2638697"/>
-            <a:ext cx="961293" cy="437717"/>
-          </a:xfrm>
-          <a:prstGeom prst="rect">
-            <a:avLst/>
-          </a:prstGeom>
-          <a:solidFill>
-            <a:schemeClr val="accent6"/>
-          </a:solidFill>
-          <a:ln>
-            <a:noFill/>
-          </a:ln>
-        </p:spPr>
-        <p:style>
-          <a:lnRef idx="2">
-            <a:schemeClr val="accent1">
-              <a:shade val="50000"/>
-            </a:schemeClr>
-          </a:lnRef>
-          <a:fillRef idx="1">
-            <a:schemeClr val="accent1"/>
-          </a:fillRef>
-          <a:effectRef idx="0">
-            <a:schemeClr val="accent1"/>
-          </a:effectRef>
-          <a:fontRef idx="minor">
-            <a:schemeClr val="lt1"/>
-          </a:fontRef>
-        </p:style>
-        <p:txBody>
-          <a:bodyPr rtlCol="0" anchor="ctr"/>
-          <a:lstStyle/>
-          <a:p>
-            <a:pPr algn="ctr"/>
-            <a:endParaRPr lang="en-US"/>
-          </a:p>
-        </p:txBody>
-      </p:sp>
-      <p:sp>
-        <p:nvSpPr>
-          <p:cNvPr id="84" name="Rectangle 83"/>
-          <p:cNvSpPr/>
-          <p:nvPr/>
-        </p:nvSpPr>
-        <p:spPr>
-          <a:xfrm>
-            <a:off x="9369007" y="4007219"/>
-            <a:ext cx="961293" cy="437717"/>
-          </a:xfrm>
-          <a:prstGeom prst="rect">
-            <a:avLst/>
-          </a:prstGeom>
-          <a:solidFill>
-            <a:schemeClr val="accent6"/>
-          </a:solidFill>
-          <a:ln>
-            <a:noFill/>
-          </a:ln>
-        </p:spPr>
-        <p:style>
-          <a:lnRef idx="2">
-            <a:schemeClr val="accent1">
-              <a:shade val="50000"/>
-            </a:schemeClr>
-          </a:lnRef>
-          <a:fillRef idx="1">
-            <a:schemeClr val="accent1"/>
-          </a:fillRef>
-          <a:effectRef idx="0">
-            <a:schemeClr val="accent1"/>
-          </a:effectRef>
-          <a:fontRef idx="minor">
-            <a:schemeClr val="lt1"/>
-          </a:fontRef>
-        </p:style>
-        <p:txBody>
-          <a:bodyPr rtlCol="0" anchor="ctr"/>
-          <a:lstStyle/>
-          <a:p>
-            <a:pPr algn="ctr"/>
-            <a:endParaRPr lang="en-US"/>
-          </a:p>
-        </p:txBody>
-      </p:sp>
-      <p:cxnSp>
-        <p:nvCxnSpPr>
-          <p:cNvPr id="85" name="Straight Connector 84"/>
-          <p:cNvCxnSpPr/>
-          <p:nvPr/>
-        </p:nvCxnSpPr>
-        <p:spPr>
-          <a:xfrm flipH="1">
-            <a:off x="9206358" y="2403360"/>
-            <a:ext cx="643295" cy="224131"/>
-          </a:xfrm>
-          <a:prstGeom prst="line">
-            <a:avLst/>
-          </a:prstGeom>
-          <a:ln w="38100">
-            <a:solidFill>
-              <a:schemeClr val="bg1"/>
-            </a:solidFill>
-          </a:ln>
-        </p:spPr>
-        <p:style>
-          <a:lnRef idx="1">
-            <a:schemeClr val="accent1"/>
-          </a:lnRef>
-          <a:fillRef idx="0">
-            <a:schemeClr val="accent1"/>
-          </a:fillRef>
-          <a:effectRef idx="0">
-            <a:schemeClr val="accent1"/>
-          </a:effectRef>
-          <a:fontRef idx="minor">
-            <a:schemeClr val="tx1"/>
-          </a:fontRef>
-        </p:style>
-      </p:cxnSp>
-      <p:cxnSp>
-        <p:nvCxnSpPr>
-          <p:cNvPr id="86" name="Straight Connector 85"/>
-          <p:cNvCxnSpPr/>
-          <p:nvPr/>
-        </p:nvCxnSpPr>
-        <p:spPr>
-          <a:xfrm flipH="1" flipV="1">
-            <a:off x="9849653" y="2403360"/>
-            <a:ext cx="663846" cy="224131"/>
-          </a:xfrm>
-          <a:prstGeom prst="line">
-            <a:avLst/>
-          </a:prstGeom>
-          <a:ln w="38100">
-            <a:solidFill>
-              <a:schemeClr val="bg1"/>
-            </a:solidFill>
-          </a:ln>
-        </p:spPr>
-        <p:style>
-          <a:lnRef idx="1">
-            <a:schemeClr val="accent1"/>
-          </a:lnRef>
-          <a:fillRef idx="0">
-            <a:schemeClr val="accent1"/>
-          </a:fillRef>
-          <a:effectRef idx="0">
-            <a:schemeClr val="accent1"/>
-          </a:effectRef>
-          <a:fontRef idx="minor">
-            <a:schemeClr val="tx1"/>
-          </a:fontRef>
-        </p:style>
-      </p:cxnSp>
-      <p:cxnSp>
-        <p:nvCxnSpPr>
-          <p:cNvPr id="87" name="Straight Connector 86"/>
-          <p:cNvCxnSpPr/>
-          <p:nvPr/>
-        </p:nvCxnSpPr>
-        <p:spPr>
-          <a:xfrm flipV="1">
-            <a:off x="8550380" y="3087621"/>
-            <a:ext cx="655978" cy="224131"/>
-          </a:xfrm>
-          <a:prstGeom prst="line">
-            <a:avLst/>
-          </a:prstGeom>
-          <a:ln w="38100">
-            <a:solidFill>
-              <a:schemeClr val="bg1"/>
-            </a:solidFill>
-          </a:ln>
-        </p:spPr>
-        <p:style>
-          <a:lnRef idx="1">
-            <a:schemeClr val="accent1"/>
-          </a:lnRef>
-          <a:fillRef idx="0">
-            <a:schemeClr val="accent1"/>
-          </a:fillRef>
-          <a:effectRef idx="0">
-            <a:schemeClr val="accent1"/>
-          </a:effectRef>
-          <a:fontRef idx="minor">
-            <a:schemeClr val="tx1"/>
-          </a:fontRef>
-        </p:style>
-      </p:cxnSp>
-      <p:cxnSp>
-        <p:nvCxnSpPr>
-          <p:cNvPr id="88" name="Straight Connector 87"/>
-          <p:cNvCxnSpPr/>
-          <p:nvPr/>
-        </p:nvCxnSpPr>
-        <p:spPr>
-          <a:xfrm flipH="1" flipV="1">
-            <a:off x="9206358" y="3087621"/>
-            <a:ext cx="643297" cy="224131"/>
-          </a:xfrm>
-          <a:prstGeom prst="line">
-            <a:avLst/>
-          </a:prstGeom>
-          <a:ln w="38100">
-            <a:solidFill>
-              <a:schemeClr val="bg1"/>
-            </a:solidFill>
-          </a:ln>
-        </p:spPr>
-        <p:style>
-          <a:lnRef idx="1">
-            <a:schemeClr val="accent1"/>
-          </a:lnRef>
-          <a:fillRef idx="0">
-            <a:schemeClr val="accent1"/>
-          </a:fillRef>
-          <a:effectRef idx="0">
-            <a:schemeClr val="accent1"/>
-          </a:effectRef>
-          <a:fontRef idx="minor">
-            <a:schemeClr val="tx1"/>
-          </a:fontRef>
-        </p:style>
-      </p:cxnSp>
-      <p:cxnSp>
-        <p:nvCxnSpPr>
-          <p:cNvPr id="89" name="Straight Connector 88"/>
-          <p:cNvCxnSpPr/>
-          <p:nvPr/>
-        </p:nvCxnSpPr>
-        <p:spPr>
-          <a:xfrm flipH="1">
-            <a:off x="9849654" y="3771882"/>
-            <a:ext cx="1" cy="224131"/>
-          </a:xfrm>
-          <a:prstGeom prst="line">
-            <a:avLst/>
-          </a:prstGeom>
-          <a:ln w="38100">
-            <a:solidFill>
-              <a:schemeClr val="bg1"/>
-            </a:solidFill>
-          </a:ln>
-        </p:spPr>
-        <p:style>
-          <a:lnRef idx="1">
-            <a:schemeClr val="accent1"/>
-          </a:lnRef>
-          <a:fillRef idx="0">
-            <a:schemeClr val="accent1"/>
-          </a:fillRef>
-          <a:effectRef idx="0">
-            <a:schemeClr val="accent1"/>
-          </a:effectRef>
-          <a:fontRef idx="minor">
-            <a:schemeClr val="tx1"/>
-          </a:fontRef>
-        </p:style>
-      </p:cxnSp>
-      <p:sp>
-        <p:nvSpPr>
-          <p:cNvPr id="90" name="TextBox 89"/>
-          <p:cNvSpPr txBox="1"/>
-          <p:nvPr/>
-        </p:nvSpPr>
-        <p:spPr>
-          <a:xfrm>
-            <a:off x="8780504" y="4688320"/>
-            <a:ext cx="1938096" cy="461665"/>
-          </a:xfrm>
-          <a:prstGeom prst="rect">
-            <a:avLst/>
-          </a:prstGeom>
-          <a:noFill/>
-        </p:spPr>
-        <p:txBody>
-          <a:bodyPr wrap="none" rtlCol="0">
-            <a:spAutoFit/>
-          </a:bodyPr>
-          <a:lstStyle/>
-          <a:p>
-            <a:pPr algn="ctr"/>
-            <a:r>
-              <a:rPr lang="en-US" sz="2400" dirty="0" smtClean="0">
-                <a:solidFill>
-                  <a:schemeClr val="bg1"/>
-                </a:solidFill>
-              </a:rPr>
-              <a:t>Browser DOM</a:t>
-            </a:r>
-            <a:endParaRPr lang="en-US" sz="2400" dirty="0">
-              <a:solidFill>
-                <a:schemeClr val="bg1"/>
-              </a:solidFill>
-            </a:endParaRPr>
-          </a:p>
-        </p:txBody>
-      </p:sp>
     </p:spTree>
     <p:extLst>
       <p:ext uri="{BB962C8B-B14F-4D97-AF65-F5344CB8AC3E}">
-        <p14:creationId xmlns:p14="http://schemas.microsoft.com/office/powerpoint/2010/main" val="521624760"/>
+        <p14:creationId xmlns:p14="http://schemas.microsoft.com/office/powerpoint/2010/main" val="1409334706"/>
       </p:ext>
     </p:extLst>
   </p:cSld>
@@ -6998,7 +5847,7 @@
             <a:avLst/>
           </a:prstGeom>
           <a:solidFill>
-            <a:srgbClr val="FF0000"/>
+            <a:schemeClr val="accent4"/>
           </a:solidFill>
           <a:ln w="0">
             <a:noFill/>
@@ -8314,7 +7163,7 @@
     </p:spTree>
     <p:extLst>
       <p:ext uri="{BB962C8B-B14F-4D97-AF65-F5344CB8AC3E}">
-        <p14:creationId xmlns:p14="http://schemas.microsoft.com/office/powerpoint/2010/main" val="78529447"/>
+        <p14:creationId xmlns:p14="http://schemas.microsoft.com/office/powerpoint/2010/main" val="521624760"/>
       </p:ext>
     </p:extLst>
   </p:cSld>
@@ -8912,7 +7761,7 @@
             <a:avLst/>
           </a:prstGeom>
           <a:solidFill>
-            <a:srgbClr val="FF0000"/>
+            <a:schemeClr val="accent6"/>
           </a:solidFill>
           <a:ln>
             <a:noFill/>
@@ -9050,7 +7899,7 @@
             <a:avLst/>
           </a:prstGeom>
           <a:solidFill>
-            <a:srgbClr val="FF0000"/>
+            <a:schemeClr val="accent6"/>
           </a:solidFill>
           <a:ln>
             <a:noFill/>
@@ -9864,7 +8713,7 @@
     </p:spTree>
     <p:extLst>
       <p:ext uri="{BB962C8B-B14F-4D97-AF65-F5344CB8AC3E}">
-        <p14:creationId xmlns:p14="http://schemas.microsoft.com/office/powerpoint/2010/main" val="219543235"/>
+        <p14:creationId xmlns:p14="http://schemas.microsoft.com/office/powerpoint/2010/main" val="78529447"/>
       </p:ext>
     </p:extLst>
   </p:cSld>
@@ -10646,7 +9495,7 @@
             <a:avLst/>
           </a:prstGeom>
           <a:solidFill>
-            <a:srgbClr val="FF0000"/>
+            <a:schemeClr val="accent6"/>
           </a:solidFill>
           <a:ln>
             <a:noFill/>
@@ -11414,6 +10263,1556 @@
     </p:spTree>
     <p:extLst>
       <p:ext uri="{BB962C8B-B14F-4D97-AF65-F5344CB8AC3E}">
+        <p14:creationId xmlns:p14="http://schemas.microsoft.com/office/powerpoint/2010/main" val="219543235"/>
+      </p:ext>
+    </p:extLst>
+  </p:cSld>
+  <p:clrMapOvr>
+    <a:masterClrMapping/>
+  </p:clrMapOvr>
+</p:sld>
+</file>
+
+<file path=ppt/slides/slide8.xml><?xml version="1.0" encoding="utf-8"?>
+<p:sld xmlns:a="http://schemas.openxmlformats.org/drawingml/2006/main" xmlns:r="http://schemas.openxmlformats.org/officeDocument/2006/relationships" xmlns:p="http://schemas.openxmlformats.org/presentationml/2006/main">
+  <p:cSld>
+    <p:bg>
+      <p:bgPr>
+        <a:solidFill>
+          <a:srgbClr val="7030A0"/>
+        </a:solidFill>
+        <a:effectLst/>
+      </p:bgPr>
+    </p:bg>
+    <p:spTree>
+      <p:nvGrpSpPr>
+        <p:cNvPr id="1" name=""/>
+        <p:cNvGrpSpPr/>
+        <p:nvPr/>
+      </p:nvGrpSpPr>
+      <p:grpSpPr>
+        <a:xfrm>
+          <a:off x="0" y="0"/>
+          <a:ext cx="0" cy="0"/>
+          <a:chOff x="0" y="0"/>
+          <a:chExt cx="0" cy="0"/>
+        </a:xfrm>
+      </p:grpSpPr>
+      <p:sp>
+        <p:nvSpPr>
+          <p:cNvPr id="4" name="Oval 3"/>
+          <p:cNvSpPr/>
+          <p:nvPr/>
+        </p:nvSpPr>
+        <p:spPr>
+          <a:xfrm>
+            <a:off x="701749" y="3346191"/>
+            <a:ext cx="552893" cy="552893"/>
+          </a:xfrm>
+          <a:prstGeom prst="ellipse">
+            <a:avLst/>
+          </a:prstGeom>
+          <a:solidFill>
+            <a:schemeClr val="accent4"/>
+          </a:solidFill>
+          <a:ln w="0">
+            <a:noFill/>
+          </a:ln>
+        </p:spPr>
+        <p:style>
+          <a:lnRef idx="2">
+            <a:schemeClr val="accent1">
+              <a:shade val="50000"/>
+            </a:schemeClr>
+          </a:lnRef>
+          <a:fillRef idx="1">
+            <a:schemeClr val="accent1"/>
+          </a:fillRef>
+          <a:effectRef idx="0">
+            <a:schemeClr val="accent1"/>
+          </a:effectRef>
+          <a:fontRef idx="minor">
+            <a:schemeClr val="lt1"/>
+          </a:fontRef>
+        </p:style>
+        <p:txBody>
+          <a:bodyPr rtlCol="0" anchor="ctr"/>
+          <a:lstStyle/>
+          <a:p>
+            <a:pPr algn="ctr"/>
+            <a:endParaRPr lang="en-US"/>
+          </a:p>
+        </p:txBody>
+      </p:sp>
+      <p:sp>
+        <p:nvSpPr>
+          <p:cNvPr id="5" name="Oval 4"/>
+          <p:cNvSpPr/>
+          <p:nvPr/>
+        </p:nvSpPr>
+        <p:spPr>
+          <a:xfrm>
+            <a:off x="1599379" y="2346182"/>
+            <a:ext cx="552893" cy="552893"/>
+          </a:xfrm>
+          <a:prstGeom prst="ellipse">
+            <a:avLst/>
+          </a:prstGeom>
+          <a:solidFill>
+            <a:schemeClr val="accent4"/>
+          </a:solidFill>
+          <a:ln w="0">
+            <a:noFill/>
+          </a:ln>
+        </p:spPr>
+        <p:style>
+          <a:lnRef idx="2">
+            <a:schemeClr val="accent1">
+              <a:shade val="50000"/>
+            </a:schemeClr>
+          </a:lnRef>
+          <a:fillRef idx="1">
+            <a:schemeClr val="accent1"/>
+          </a:fillRef>
+          <a:effectRef idx="0">
+            <a:schemeClr val="accent1"/>
+          </a:effectRef>
+          <a:fontRef idx="minor">
+            <a:schemeClr val="lt1"/>
+          </a:fontRef>
+        </p:style>
+        <p:txBody>
+          <a:bodyPr rtlCol="0" anchor="ctr"/>
+          <a:lstStyle/>
+          <a:p>
+            <a:pPr algn="ctr"/>
+            <a:endParaRPr lang="en-US"/>
+          </a:p>
+        </p:txBody>
+      </p:sp>
+      <p:sp>
+        <p:nvSpPr>
+          <p:cNvPr id="6" name="Oval 5"/>
+          <p:cNvSpPr/>
+          <p:nvPr/>
+        </p:nvSpPr>
+        <p:spPr>
+          <a:xfrm>
+            <a:off x="1518410" y="3951699"/>
+            <a:ext cx="552893" cy="552893"/>
+          </a:xfrm>
+          <a:prstGeom prst="ellipse">
+            <a:avLst/>
+          </a:prstGeom>
+          <a:solidFill>
+            <a:schemeClr val="accent4"/>
+          </a:solidFill>
+          <a:ln w="0">
+            <a:noFill/>
+          </a:ln>
+        </p:spPr>
+        <p:style>
+          <a:lnRef idx="2">
+            <a:schemeClr val="accent1">
+              <a:shade val="50000"/>
+            </a:schemeClr>
+          </a:lnRef>
+          <a:fillRef idx="1">
+            <a:schemeClr val="accent1"/>
+          </a:fillRef>
+          <a:effectRef idx="0">
+            <a:schemeClr val="accent1"/>
+          </a:effectRef>
+          <a:fontRef idx="minor">
+            <a:schemeClr val="lt1"/>
+          </a:fontRef>
+        </p:style>
+        <p:txBody>
+          <a:bodyPr rtlCol="0" anchor="ctr"/>
+          <a:lstStyle/>
+          <a:p>
+            <a:pPr algn="ctr"/>
+            <a:endParaRPr lang="en-US"/>
+          </a:p>
+        </p:txBody>
+      </p:sp>
+      <p:sp>
+        <p:nvSpPr>
+          <p:cNvPr id="7" name="Oval 6"/>
+          <p:cNvSpPr/>
+          <p:nvPr/>
+        </p:nvSpPr>
+        <p:spPr>
+          <a:xfrm>
+            <a:off x="874117" y="1793289"/>
+            <a:ext cx="552893" cy="552893"/>
+          </a:xfrm>
+          <a:prstGeom prst="ellipse">
+            <a:avLst/>
+          </a:prstGeom>
+          <a:solidFill>
+            <a:schemeClr val="accent4"/>
+          </a:solidFill>
+          <a:ln w="0">
+            <a:noFill/>
+          </a:ln>
+        </p:spPr>
+        <p:style>
+          <a:lnRef idx="2">
+            <a:schemeClr val="accent1">
+              <a:shade val="50000"/>
+            </a:schemeClr>
+          </a:lnRef>
+          <a:fillRef idx="1">
+            <a:schemeClr val="accent1"/>
+          </a:fillRef>
+          <a:effectRef idx="0">
+            <a:schemeClr val="accent1"/>
+          </a:effectRef>
+          <a:fontRef idx="minor">
+            <a:schemeClr val="lt1"/>
+          </a:fontRef>
+        </p:style>
+        <p:txBody>
+          <a:bodyPr rtlCol="0" anchor="ctr"/>
+          <a:lstStyle/>
+          <a:p>
+            <a:pPr algn="ctr"/>
+            <a:endParaRPr lang="en-US"/>
+          </a:p>
+        </p:txBody>
+      </p:sp>
+      <p:sp>
+        <p:nvSpPr>
+          <p:cNvPr id="8" name="Oval 7"/>
+          <p:cNvSpPr/>
+          <p:nvPr/>
+        </p:nvSpPr>
+        <p:spPr>
+          <a:xfrm>
+            <a:off x="2339566" y="3028986"/>
+            <a:ext cx="552893" cy="552893"/>
+          </a:xfrm>
+          <a:prstGeom prst="ellipse">
+            <a:avLst/>
+          </a:prstGeom>
+          <a:solidFill>
+            <a:srgbClr val="FF0000"/>
+          </a:solidFill>
+          <a:ln w="0">
+            <a:noFill/>
+          </a:ln>
+        </p:spPr>
+        <p:style>
+          <a:lnRef idx="2">
+            <a:schemeClr val="accent1">
+              <a:shade val="50000"/>
+            </a:schemeClr>
+          </a:lnRef>
+          <a:fillRef idx="1">
+            <a:schemeClr val="accent1"/>
+          </a:fillRef>
+          <a:effectRef idx="0">
+            <a:schemeClr val="accent1"/>
+          </a:effectRef>
+          <a:fontRef idx="minor">
+            <a:schemeClr val="lt1"/>
+          </a:fontRef>
+        </p:style>
+        <p:txBody>
+          <a:bodyPr rtlCol="0" anchor="ctr"/>
+          <a:lstStyle/>
+          <a:p>
+            <a:pPr algn="ctr"/>
+            <a:endParaRPr lang="en-US"/>
+          </a:p>
+        </p:txBody>
+      </p:sp>
+      <p:sp>
+        <p:nvSpPr>
+          <p:cNvPr id="9" name="TextBox 8"/>
+          <p:cNvSpPr txBox="1"/>
+          <p:nvPr/>
+        </p:nvSpPr>
+        <p:spPr>
+          <a:xfrm>
+            <a:off x="1005019" y="4732115"/>
+            <a:ext cx="995785" cy="461665"/>
+          </a:xfrm>
+          <a:prstGeom prst="rect">
+            <a:avLst/>
+          </a:prstGeom>
+          <a:noFill/>
+        </p:spPr>
+        <p:txBody>
+          <a:bodyPr wrap="none" rtlCol="0">
+            <a:spAutoFit/>
+          </a:bodyPr>
+          <a:lstStyle/>
+          <a:p>
+            <a:r>
+              <a:rPr lang="en-US" sz="2400" dirty="0" smtClean="0">
+                <a:solidFill>
+                  <a:schemeClr val="bg1"/>
+                </a:solidFill>
+              </a:rPr>
+              <a:t>Model</a:t>
+            </a:r>
+            <a:endParaRPr lang="en-US" sz="2400" dirty="0">
+              <a:solidFill>
+                <a:schemeClr val="bg1"/>
+              </a:solidFill>
+            </a:endParaRPr>
+          </a:p>
+        </p:txBody>
+      </p:sp>
+      <p:cxnSp>
+        <p:nvCxnSpPr>
+          <p:cNvPr id="18" name="Straight Connector 17"/>
+          <p:cNvCxnSpPr>
+            <a:stCxn id="7" idx="5"/>
+            <a:endCxn id="5" idx="2"/>
+          </p:cNvCxnSpPr>
+          <p:nvPr/>
+        </p:nvCxnSpPr>
+        <p:spPr>
+          <a:xfrm>
+            <a:off x="1346041" y="2265213"/>
+            <a:ext cx="253338" cy="357416"/>
+          </a:xfrm>
+          <a:prstGeom prst="line">
+            <a:avLst/>
+          </a:prstGeom>
+          <a:ln w="38100">
+            <a:solidFill>
+              <a:schemeClr val="bg1"/>
+            </a:solidFill>
+          </a:ln>
+        </p:spPr>
+        <p:style>
+          <a:lnRef idx="1">
+            <a:schemeClr val="accent1"/>
+          </a:lnRef>
+          <a:fillRef idx="0">
+            <a:schemeClr val="accent1"/>
+          </a:fillRef>
+          <a:effectRef idx="0">
+            <a:schemeClr val="accent1"/>
+          </a:effectRef>
+          <a:fontRef idx="minor">
+            <a:schemeClr val="tx1"/>
+          </a:fontRef>
+        </p:style>
+      </p:cxnSp>
+      <p:sp>
+        <p:nvSpPr>
+          <p:cNvPr id="77" name="Rounded Rectangle 76"/>
+          <p:cNvSpPr/>
+          <p:nvPr/>
+        </p:nvSpPr>
+        <p:spPr>
+          <a:xfrm>
+            <a:off x="3843580" y="1793289"/>
+            <a:ext cx="3502618" cy="2740204"/>
+          </a:xfrm>
+          <a:prstGeom prst="roundRect">
+            <a:avLst/>
+          </a:prstGeom>
+          <a:solidFill>
+            <a:schemeClr val="accent5">
+              <a:lumMod val="20000"/>
+              <a:lumOff val="80000"/>
+            </a:schemeClr>
+          </a:solidFill>
+        </p:spPr>
+        <p:style>
+          <a:lnRef idx="1">
+            <a:schemeClr val="accent6"/>
+          </a:lnRef>
+          <a:fillRef idx="2">
+            <a:schemeClr val="accent6"/>
+          </a:fillRef>
+          <a:effectRef idx="1">
+            <a:schemeClr val="accent6"/>
+          </a:effectRef>
+          <a:fontRef idx="minor">
+            <a:schemeClr val="dk1"/>
+          </a:fontRef>
+        </p:style>
+        <p:txBody>
+          <a:bodyPr rtlCol="0" anchor="ctr"/>
+          <a:lstStyle/>
+          <a:p>
+            <a:pPr algn="ctr"/>
+            <a:endParaRPr lang="en-US"/>
+          </a:p>
+        </p:txBody>
+      </p:sp>
+      <p:cxnSp>
+        <p:nvCxnSpPr>
+          <p:cNvPr id="21" name="Straight Connector 20"/>
+          <p:cNvCxnSpPr>
+            <a:stCxn id="8" idx="1"/>
+            <a:endCxn id="5" idx="5"/>
+          </p:cNvCxnSpPr>
+          <p:nvPr/>
+        </p:nvCxnSpPr>
+        <p:spPr>
+          <a:xfrm flipH="1" flipV="1">
+            <a:off x="2071303" y="2818106"/>
+            <a:ext cx="349232" cy="291849"/>
+          </a:xfrm>
+          <a:prstGeom prst="line">
+            <a:avLst/>
+          </a:prstGeom>
+          <a:ln w="38100">
+            <a:solidFill>
+              <a:schemeClr val="bg1"/>
+            </a:solidFill>
+          </a:ln>
+        </p:spPr>
+        <p:style>
+          <a:lnRef idx="1">
+            <a:schemeClr val="accent1"/>
+          </a:lnRef>
+          <a:fillRef idx="0">
+            <a:schemeClr val="accent1"/>
+          </a:fillRef>
+          <a:effectRef idx="0">
+            <a:schemeClr val="accent1"/>
+          </a:effectRef>
+          <a:fontRef idx="minor">
+            <a:schemeClr val="tx1"/>
+          </a:fontRef>
+        </p:style>
+      </p:cxnSp>
+      <p:cxnSp>
+        <p:nvCxnSpPr>
+          <p:cNvPr id="24" name="Straight Connector 23"/>
+          <p:cNvCxnSpPr>
+            <a:stCxn id="6" idx="1"/>
+            <a:endCxn id="4" idx="5"/>
+          </p:cNvCxnSpPr>
+          <p:nvPr/>
+        </p:nvCxnSpPr>
+        <p:spPr>
+          <a:xfrm flipH="1" flipV="1">
+            <a:off x="1173673" y="3818115"/>
+            <a:ext cx="425706" cy="214553"/>
+          </a:xfrm>
+          <a:prstGeom prst="line">
+            <a:avLst/>
+          </a:prstGeom>
+          <a:ln w="38100">
+            <a:solidFill>
+              <a:schemeClr val="bg1"/>
+            </a:solidFill>
+          </a:ln>
+        </p:spPr>
+        <p:style>
+          <a:lnRef idx="1">
+            <a:schemeClr val="accent1"/>
+          </a:lnRef>
+          <a:fillRef idx="0">
+            <a:schemeClr val="accent1"/>
+          </a:fillRef>
+          <a:effectRef idx="0">
+            <a:schemeClr val="accent1"/>
+          </a:effectRef>
+          <a:fontRef idx="minor">
+            <a:schemeClr val="tx1"/>
+          </a:fontRef>
+        </p:style>
+      </p:cxnSp>
+      <p:cxnSp>
+        <p:nvCxnSpPr>
+          <p:cNvPr id="34" name="Straight Connector 33"/>
+          <p:cNvCxnSpPr>
+            <a:stCxn id="4" idx="7"/>
+            <a:endCxn id="5" idx="3"/>
+          </p:cNvCxnSpPr>
+          <p:nvPr/>
+        </p:nvCxnSpPr>
+        <p:spPr>
+          <a:xfrm flipV="1">
+            <a:off x="1173673" y="2818106"/>
+            <a:ext cx="506675" cy="609054"/>
+          </a:xfrm>
+          <a:prstGeom prst="line">
+            <a:avLst/>
+          </a:prstGeom>
+          <a:ln w="38100">
+            <a:solidFill>
+              <a:schemeClr val="bg1"/>
+            </a:solidFill>
+          </a:ln>
+        </p:spPr>
+        <p:style>
+          <a:lnRef idx="1">
+            <a:schemeClr val="accent1"/>
+          </a:lnRef>
+          <a:fillRef idx="0">
+            <a:schemeClr val="accent1"/>
+          </a:fillRef>
+          <a:effectRef idx="0">
+            <a:schemeClr val="accent1"/>
+          </a:effectRef>
+          <a:fontRef idx="minor">
+            <a:schemeClr val="tx1"/>
+          </a:fontRef>
+        </p:style>
+      </p:cxnSp>
+      <p:cxnSp>
+        <p:nvCxnSpPr>
+          <p:cNvPr id="40" name="Straight Connector 39"/>
+          <p:cNvCxnSpPr>
+            <a:stCxn id="6" idx="7"/>
+            <a:endCxn id="8" idx="3"/>
+          </p:cNvCxnSpPr>
+          <p:nvPr/>
+        </p:nvCxnSpPr>
+        <p:spPr>
+          <a:xfrm flipV="1">
+            <a:off x="1990334" y="3500910"/>
+            <a:ext cx="430201" cy="531758"/>
+          </a:xfrm>
+          <a:prstGeom prst="line">
+            <a:avLst/>
+          </a:prstGeom>
+          <a:ln w="38100">
+            <a:solidFill>
+              <a:schemeClr val="bg1"/>
+            </a:solidFill>
+          </a:ln>
+        </p:spPr>
+        <p:style>
+          <a:lnRef idx="1">
+            <a:schemeClr val="accent1"/>
+          </a:lnRef>
+          <a:fillRef idx="0">
+            <a:schemeClr val="accent1"/>
+          </a:fillRef>
+          <a:effectRef idx="0">
+            <a:schemeClr val="accent1"/>
+          </a:effectRef>
+          <a:fontRef idx="minor">
+            <a:schemeClr val="tx1"/>
+          </a:fontRef>
+        </p:style>
+      </p:cxnSp>
+      <p:sp>
+        <p:nvSpPr>
+          <p:cNvPr id="55" name="Rectangle 54"/>
+          <p:cNvSpPr/>
+          <p:nvPr/>
+        </p:nvSpPr>
+        <p:spPr>
+          <a:xfrm>
+            <a:off x="4086467" y="3322958"/>
+            <a:ext cx="961293" cy="437717"/>
+          </a:xfrm>
+          <a:prstGeom prst="rect">
+            <a:avLst/>
+          </a:prstGeom>
+          <a:solidFill>
+            <a:schemeClr val="accent6"/>
+          </a:solidFill>
+          <a:ln>
+            <a:noFill/>
+          </a:ln>
+        </p:spPr>
+        <p:style>
+          <a:lnRef idx="2">
+            <a:schemeClr val="accent1">
+              <a:shade val="50000"/>
+            </a:schemeClr>
+          </a:lnRef>
+          <a:fillRef idx="1">
+            <a:schemeClr val="accent1"/>
+          </a:fillRef>
+          <a:effectRef idx="0">
+            <a:schemeClr val="accent1"/>
+          </a:effectRef>
+          <a:fontRef idx="minor">
+            <a:schemeClr val="lt1"/>
+          </a:fontRef>
+        </p:style>
+        <p:txBody>
+          <a:bodyPr rtlCol="0" anchor="ctr"/>
+          <a:lstStyle/>
+          <a:p>
+            <a:pPr algn="ctr"/>
+            <a:endParaRPr lang="en-US"/>
+          </a:p>
+        </p:txBody>
+      </p:sp>
+      <p:sp>
+        <p:nvSpPr>
+          <p:cNvPr id="56" name="Rectangle 55"/>
+          <p:cNvSpPr/>
+          <p:nvPr/>
+        </p:nvSpPr>
+        <p:spPr>
+          <a:xfrm>
+            <a:off x="5385742" y="3322958"/>
+            <a:ext cx="961293" cy="437717"/>
+          </a:xfrm>
+          <a:prstGeom prst="rect">
+            <a:avLst/>
+          </a:prstGeom>
+          <a:solidFill>
+            <a:srgbClr val="FF0000"/>
+          </a:solidFill>
+          <a:ln>
+            <a:noFill/>
+          </a:ln>
+        </p:spPr>
+        <p:style>
+          <a:lnRef idx="2">
+            <a:schemeClr val="accent1">
+              <a:shade val="50000"/>
+            </a:schemeClr>
+          </a:lnRef>
+          <a:fillRef idx="1">
+            <a:schemeClr val="accent1"/>
+          </a:fillRef>
+          <a:effectRef idx="0">
+            <a:schemeClr val="accent1"/>
+          </a:effectRef>
+          <a:fontRef idx="minor">
+            <a:schemeClr val="lt1"/>
+          </a:fontRef>
+        </p:style>
+        <p:txBody>
+          <a:bodyPr rtlCol="0" anchor="ctr"/>
+          <a:lstStyle/>
+          <a:p>
+            <a:pPr algn="ctr"/>
+            <a:endParaRPr lang="en-US"/>
+          </a:p>
+        </p:txBody>
+      </p:sp>
+      <p:sp>
+        <p:nvSpPr>
+          <p:cNvPr id="57" name="Rectangle 56"/>
+          <p:cNvSpPr/>
+          <p:nvPr/>
+        </p:nvSpPr>
+        <p:spPr>
+          <a:xfrm>
+            <a:off x="4742445" y="2638697"/>
+            <a:ext cx="961293" cy="437717"/>
+          </a:xfrm>
+          <a:prstGeom prst="rect">
+            <a:avLst/>
+          </a:prstGeom>
+          <a:solidFill>
+            <a:schemeClr val="accent6"/>
+          </a:solidFill>
+          <a:ln>
+            <a:noFill/>
+          </a:ln>
+        </p:spPr>
+        <p:style>
+          <a:lnRef idx="2">
+            <a:schemeClr val="accent1">
+              <a:shade val="50000"/>
+            </a:schemeClr>
+          </a:lnRef>
+          <a:fillRef idx="1">
+            <a:schemeClr val="accent1"/>
+          </a:fillRef>
+          <a:effectRef idx="0">
+            <a:schemeClr val="accent1"/>
+          </a:effectRef>
+          <a:fontRef idx="minor">
+            <a:schemeClr val="lt1"/>
+          </a:fontRef>
+        </p:style>
+        <p:txBody>
+          <a:bodyPr rtlCol="0" anchor="ctr"/>
+          <a:lstStyle/>
+          <a:p>
+            <a:pPr algn="ctr"/>
+            <a:endParaRPr lang="en-US"/>
+          </a:p>
+        </p:txBody>
+      </p:sp>
+      <p:sp>
+        <p:nvSpPr>
+          <p:cNvPr id="58" name="Rectangle 57"/>
+          <p:cNvSpPr/>
+          <p:nvPr/>
+        </p:nvSpPr>
+        <p:spPr>
+          <a:xfrm>
+            <a:off x="5385740" y="1954436"/>
+            <a:ext cx="961293" cy="437717"/>
+          </a:xfrm>
+          <a:prstGeom prst="rect">
+            <a:avLst/>
+          </a:prstGeom>
+          <a:solidFill>
+            <a:schemeClr val="accent6"/>
+          </a:solidFill>
+          <a:ln>
+            <a:noFill/>
+          </a:ln>
+        </p:spPr>
+        <p:style>
+          <a:lnRef idx="2">
+            <a:schemeClr val="accent1">
+              <a:shade val="50000"/>
+            </a:schemeClr>
+          </a:lnRef>
+          <a:fillRef idx="1">
+            <a:schemeClr val="accent1"/>
+          </a:fillRef>
+          <a:effectRef idx="0">
+            <a:schemeClr val="accent1"/>
+          </a:effectRef>
+          <a:fontRef idx="minor">
+            <a:schemeClr val="lt1"/>
+          </a:fontRef>
+        </p:style>
+        <p:txBody>
+          <a:bodyPr rtlCol="0" anchor="ctr"/>
+          <a:lstStyle/>
+          <a:p>
+            <a:pPr algn="ctr"/>
+            <a:endParaRPr lang="en-US"/>
+          </a:p>
+        </p:txBody>
+      </p:sp>
+      <p:sp>
+        <p:nvSpPr>
+          <p:cNvPr id="59" name="Rectangle 58"/>
+          <p:cNvSpPr/>
+          <p:nvPr/>
+        </p:nvSpPr>
+        <p:spPr>
+          <a:xfrm>
+            <a:off x="6049586" y="2638697"/>
+            <a:ext cx="961293" cy="437717"/>
+          </a:xfrm>
+          <a:prstGeom prst="rect">
+            <a:avLst/>
+          </a:prstGeom>
+          <a:solidFill>
+            <a:srgbClr val="FF0000"/>
+          </a:solidFill>
+          <a:ln>
+            <a:noFill/>
+          </a:ln>
+        </p:spPr>
+        <p:style>
+          <a:lnRef idx="2">
+            <a:schemeClr val="accent1">
+              <a:shade val="50000"/>
+            </a:schemeClr>
+          </a:lnRef>
+          <a:fillRef idx="1">
+            <a:schemeClr val="accent1"/>
+          </a:fillRef>
+          <a:effectRef idx="0">
+            <a:schemeClr val="accent1"/>
+          </a:effectRef>
+          <a:fontRef idx="minor">
+            <a:schemeClr val="lt1"/>
+          </a:fontRef>
+        </p:style>
+        <p:txBody>
+          <a:bodyPr rtlCol="0" anchor="ctr"/>
+          <a:lstStyle/>
+          <a:p>
+            <a:pPr algn="ctr"/>
+            <a:endParaRPr lang="en-US"/>
+          </a:p>
+        </p:txBody>
+      </p:sp>
+      <p:sp>
+        <p:nvSpPr>
+          <p:cNvPr id="60" name="Rectangle 59"/>
+          <p:cNvSpPr/>
+          <p:nvPr/>
+        </p:nvSpPr>
+        <p:spPr>
+          <a:xfrm>
+            <a:off x="5385741" y="4007219"/>
+            <a:ext cx="961293" cy="437717"/>
+          </a:xfrm>
+          <a:prstGeom prst="rect">
+            <a:avLst/>
+          </a:prstGeom>
+          <a:solidFill>
+            <a:srgbClr val="FF0000"/>
+          </a:solidFill>
+          <a:ln>
+            <a:noFill/>
+          </a:ln>
+        </p:spPr>
+        <p:style>
+          <a:lnRef idx="2">
+            <a:schemeClr val="accent1">
+              <a:shade val="50000"/>
+            </a:schemeClr>
+          </a:lnRef>
+          <a:fillRef idx="1">
+            <a:schemeClr val="accent1"/>
+          </a:fillRef>
+          <a:effectRef idx="0">
+            <a:schemeClr val="accent1"/>
+          </a:effectRef>
+          <a:fontRef idx="minor">
+            <a:schemeClr val="lt1"/>
+          </a:fontRef>
+        </p:style>
+        <p:txBody>
+          <a:bodyPr rtlCol="0" anchor="ctr"/>
+          <a:lstStyle/>
+          <a:p>
+            <a:pPr algn="ctr"/>
+            <a:endParaRPr lang="en-US"/>
+          </a:p>
+        </p:txBody>
+      </p:sp>
+      <p:cxnSp>
+        <p:nvCxnSpPr>
+          <p:cNvPr id="61" name="Straight Connector 60"/>
+          <p:cNvCxnSpPr>
+            <a:stCxn id="58" idx="2"/>
+            <a:endCxn id="57" idx="0"/>
+          </p:cNvCxnSpPr>
+          <p:nvPr/>
+        </p:nvCxnSpPr>
+        <p:spPr>
+          <a:xfrm flipH="1">
+            <a:off x="5223092" y="2403360"/>
+            <a:ext cx="643295" cy="224131"/>
+          </a:xfrm>
+          <a:prstGeom prst="line">
+            <a:avLst/>
+          </a:prstGeom>
+          <a:ln w="38100">
+            <a:solidFill>
+              <a:schemeClr val="bg1"/>
+            </a:solidFill>
+          </a:ln>
+        </p:spPr>
+        <p:style>
+          <a:lnRef idx="1">
+            <a:schemeClr val="accent1"/>
+          </a:lnRef>
+          <a:fillRef idx="0">
+            <a:schemeClr val="accent1"/>
+          </a:fillRef>
+          <a:effectRef idx="0">
+            <a:schemeClr val="accent1"/>
+          </a:effectRef>
+          <a:fontRef idx="minor">
+            <a:schemeClr val="tx1"/>
+          </a:fontRef>
+        </p:style>
+      </p:cxnSp>
+      <p:cxnSp>
+        <p:nvCxnSpPr>
+          <p:cNvPr id="64" name="Straight Connector 63"/>
+          <p:cNvCxnSpPr>
+            <a:stCxn id="59" idx="0"/>
+            <a:endCxn id="58" idx="2"/>
+          </p:cNvCxnSpPr>
+          <p:nvPr/>
+        </p:nvCxnSpPr>
+        <p:spPr>
+          <a:xfrm flipH="1" flipV="1">
+            <a:off x="5866387" y="2403360"/>
+            <a:ext cx="663846" cy="224131"/>
+          </a:xfrm>
+          <a:prstGeom prst="line">
+            <a:avLst/>
+          </a:prstGeom>
+          <a:ln w="38100">
+            <a:solidFill>
+              <a:schemeClr val="bg1"/>
+            </a:solidFill>
+          </a:ln>
+        </p:spPr>
+        <p:style>
+          <a:lnRef idx="1">
+            <a:schemeClr val="accent1"/>
+          </a:lnRef>
+          <a:fillRef idx="0">
+            <a:schemeClr val="accent1"/>
+          </a:fillRef>
+          <a:effectRef idx="0">
+            <a:schemeClr val="accent1"/>
+          </a:effectRef>
+          <a:fontRef idx="minor">
+            <a:schemeClr val="tx1"/>
+          </a:fontRef>
+        </p:style>
+      </p:cxnSp>
+      <p:cxnSp>
+        <p:nvCxnSpPr>
+          <p:cNvPr id="67" name="Straight Connector 66"/>
+          <p:cNvCxnSpPr>
+            <a:stCxn id="55" idx="0"/>
+            <a:endCxn id="57" idx="2"/>
+          </p:cNvCxnSpPr>
+          <p:nvPr/>
+        </p:nvCxnSpPr>
+        <p:spPr>
+          <a:xfrm flipV="1">
+            <a:off x="4567114" y="3087621"/>
+            <a:ext cx="655978" cy="224131"/>
+          </a:xfrm>
+          <a:prstGeom prst="line">
+            <a:avLst/>
+          </a:prstGeom>
+          <a:ln w="38100">
+            <a:solidFill>
+              <a:schemeClr val="bg1"/>
+            </a:solidFill>
+          </a:ln>
+        </p:spPr>
+        <p:style>
+          <a:lnRef idx="1">
+            <a:schemeClr val="accent1"/>
+          </a:lnRef>
+          <a:fillRef idx="0">
+            <a:schemeClr val="accent1"/>
+          </a:fillRef>
+          <a:effectRef idx="0">
+            <a:schemeClr val="accent1"/>
+          </a:effectRef>
+          <a:fontRef idx="minor">
+            <a:schemeClr val="tx1"/>
+          </a:fontRef>
+        </p:style>
+      </p:cxnSp>
+      <p:cxnSp>
+        <p:nvCxnSpPr>
+          <p:cNvPr id="70" name="Straight Connector 69"/>
+          <p:cNvCxnSpPr>
+            <a:stCxn id="56" idx="0"/>
+            <a:endCxn id="57" idx="2"/>
+          </p:cNvCxnSpPr>
+          <p:nvPr/>
+        </p:nvCxnSpPr>
+        <p:spPr>
+          <a:xfrm flipH="1" flipV="1">
+            <a:off x="5223092" y="3087621"/>
+            <a:ext cx="643297" cy="224131"/>
+          </a:xfrm>
+          <a:prstGeom prst="line">
+            <a:avLst/>
+          </a:prstGeom>
+          <a:ln w="38100">
+            <a:solidFill>
+              <a:schemeClr val="bg1"/>
+            </a:solidFill>
+          </a:ln>
+        </p:spPr>
+        <p:style>
+          <a:lnRef idx="1">
+            <a:schemeClr val="accent1"/>
+          </a:lnRef>
+          <a:fillRef idx="0">
+            <a:schemeClr val="accent1"/>
+          </a:fillRef>
+          <a:effectRef idx="0">
+            <a:schemeClr val="accent1"/>
+          </a:effectRef>
+          <a:fontRef idx="minor">
+            <a:schemeClr val="tx1"/>
+          </a:fontRef>
+        </p:style>
+      </p:cxnSp>
+      <p:cxnSp>
+        <p:nvCxnSpPr>
+          <p:cNvPr id="73" name="Straight Connector 72"/>
+          <p:cNvCxnSpPr>
+            <a:stCxn id="56" idx="2"/>
+            <a:endCxn id="60" idx="0"/>
+          </p:cNvCxnSpPr>
+          <p:nvPr/>
+        </p:nvCxnSpPr>
+        <p:spPr>
+          <a:xfrm flipH="1">
+            <a:off x="5866388" y="3771882"/>
+            <a:ext cx="1" cy="224131"/>
+          </a:xfrm>
+          <a:prstGeom prst="line">
+            <a:avLst/>
+          </a:prstGeom>
+          <a:ln w="38100">
+            <a:solidFill>
+              <a:schemeClr val="bg1"/>
+            </a:solidFill>
+          </a:ln>
+        </p:spPr>
+        <p:style>
+          <a:lnRef idx="1">
+            <a:schemeClr val="accent1"/>
+          </a:lnRef>
+          <a:fillRef idx="0">
+            <a:schemeClr val="accent1"/>
+          </a:fillRef>
+          <a:effectRef idx="0">
+            <a:schemeClr val="accent1"/>
+          </a:effectRef>
+          <a:fontRef idx="minor">
+            <a:schemeClr val="tx1"/>
+          </a:fontRef>
+        </p:style>
+      </p:cxnSp>
+      <p:sp>
+        <p:nvSpPr>
+          <p:cNvPr id="78" name="TextBox 77"/>
+          <p:cNvSpPr txBox="1"/>
+          <p:nvPr/>
+        </p:nvSpPr>
+        <p:spPr>
+          <a:xfrm>
+            <a:off x="4722695" y="4728865"/>
+            <a:ext cx="1744388" cy="830997"/>
+          </a:xfrm>
+          <a:prstGeom prst="rect">
+            <a:avLst/>
+          </a:prstGeom>
+          <a:noFill/>
+        </p:spPr>
+        <p:txBody>
+          <a:bodyPr wrap="none" rtlCol="0">
+            <a:spAutoFit/>
+          </a:bodyPr>
+          <a:lstStyle/>
+          <a:p>
+            <a:pPr algn="ctr"/>
+            <a:r>
+              <a:rPr lang="en-US" sz="2400" dirty="0" smtClean="0">
+                <a:solidFill>
+                  <a:schemeClr val="bg1"/>
+                </a:solidFill>
+              </a:rPr>
+              <a:t>Virtual DOM</a:t>
+            </a:r>
+            <a:br>
+              <a:rPr lang="en-US" sz="2400" dirty="0" smtClean="0">
+                <a:solidFill>
+                  <a:schemeClr val="bg1"/>
+                </a:solidFill>
+              </a:rPr>
+            </a:br>
+            <a:r>
+              <a:rPr lang="en-US" sz="2400" dirty="0" smtClean="0">
+                <a:solidFill>
+                  <a:schemeClr val="bg1"/>
+                </a:solidFill>
+              </a:rPr>
+              <a:t>(in memory)</a:t>
+            </a:r>
+            <a:endParaRPr lang="en-US" sz="2400" dirty="0">
+              <a:solidFill>
+                <a:schemeClr val="bg1"/>
+              </a:solidFill>
+            </a:endParaRPr>
+          </a:p>
+        </p:txBody>
+      </p:sp>
+      <p:sp>
+        <p:nvSpPr>
+          <p:cNvPr id="79" name="Rectangle 78"/>
+          <p:cNvSpPr/>
+          <p:nvPr/>
+        </p:nvSpPr>
+        <p:spPr>
+          <a:xfrm>
+            <a:off x="8069733" y="3322958"/>
+            <a:ext cx="961293" cy="437717"/>
+          </a:xfrm>
+          <a:prstGeom prst="rect">
+            <a:avLst/>
+          </a:prstGeom>
+          <a:solidFill>
+            <a:schemeClr val="accent6"/>
+          </a:solidFill>
+          <a:ln>
+            <a:noFill/>
+          </a:ln>
+        </p:spPr>
+        <p:style>
+          <a:lnRef idx="2">
+            <a:schemeClr val="accent1">
+              <a:shade val="50000"/>
+            </a:schemeClr>
+          </a:lnRef>
+          <a:fillRef idx="1">
+            <a:schemeClr val="accent1"/>
+          </a:fillRef>
+          <a:effectRef idx="0">
+            <a:schemeClr val="accent1"/>
+          </a:effectRef>
+          <a:fontRef idx="minor">
+            <a:schemeClr val="lt1"/>
+          </a:fontRef>
+        </p:style>
+        <p:txBody>
+          <a:bodyPr rtlCol="0" anchor="ctr"/>
+          <a:lstStyle/>
+          <a:p>
+            <a:pPr algn="ctr"/>
+            <a:endParaRPr lang="en-US"/>
+          </a:p>
+        </p:txBody>
+      </p:sp>
+      <p:sp>
+        <p:nvSpPr>
+          <p:cNvPr id="80" name="Rectangle 79"/>
+          <p:cNvSpPr/>
+          <p:nvPr/>
+        </p:nvSpPr>
+        <p:spPr>
+          <a:xfrm>
+            <a:off x="9369008" y="3322958"/>
+            <a:ext cx="961293" cy="437717"/>
+          </a:xfrm>
+          <a:prstGeom prst="rect">
+            <a:avLst/>
+          </a:prstGeom>
+          <a:solidFill>
+            <a:schemeClr val="accent6"/>
+          </a:solidFill>
+          <a:ln>
+            <a:noFill/>
+          </a:ln>
+        </p:spPr>
+        <p:style>
+          <a:lnRef idx="2">
+            <a:schemeClr val="accent1">
+              <a:shade val="50000"/>
+            </a:schemeClr>
+          </a:lnRef>
+          <a:fillRef idx="1">
+            <a:schemeClr val="accent1"/>
+          </a:fillRef>
+          <a:effectRef idx="0">
+            <a:schemeClr val="accent1"/>
+          </a:effectRef>
+          <a:fontRef idx="minor">
+            <a:schemeClr val="lt1"/>
+          </a:fontRef>
+        </p:style>
+        <p:txBody>
+          <a:bodyPr rtlCol="0" anchor="ctr"/>
+          <a:lstStyle/>
+          <a:p>
+            <a:pPr algn="ctr"/>
+            <a:endParaRPr lang="en-US"/>
+          </a:p>
+        </p:txBody>
+      </p:sp>
+      <p:sp>
+        <p:nvSpPr>
+          <p:cNvPr id="81" name="Rectangle 80"/>
+          <p:cNvSpPr/>
+          <p:nvPr/>
+        </p:nvSpPr>
+        <p:spPr>
+          <a:xfrm>
+            <a:off x="8725711" y="2638697"/>
+            <a:ext cx="961293" cy="437717"/>
+          </a:xfrm>
+          <a:prstGeom prst="rect">
+            <a:avLst/>
+          </a:prstGeom>
+          <a:solidFill>
+            <a:schemeClr val="accent6"/>
+          </a:solidFill>
+          <a:ln>
+            <a:noFill/>
+          </a:ln>
+        </p:spPr>
+        <p:style>
+          <a:lnRef idx="2">
+            <a:schemeClr val="accent1">
+              <a:shade val="50000"/>
+            </a:schemeClr>
+          </a:lnRef>
+          <a:fillRef idx="1">
+            <a:schemeClr val="accent1"/>
+          </a:fillRef>
+          <a:effectRef idx="0">
+            <a:schemeClr val="accent1"/>
+          </a:effectRef>
+          <a:fontRef idx="minor">
+            <a:schemeClr val="lt1"/>
+          </a:fontRef>
+        </p:style>
+        <p:txBody>
+          <a:bodyPr rtlCol="0" anchor="ctr"/>
+          <a:lstStyle/>
+          <a:p>
+            <a:pPr algn="ctr"/>
+            <a:endParaRPr lang="en-US"/>
+          </a:p>
+        </p:txBody>
+      </p:sp>
+      <p:sp>
+        <p:nvSpPr>
+          <p:cNvPr id="82" name="Rectangle 81"/>
+          <p:cNvSpPr/>
+          <p:nvPr/>
+        </p:nvSpPr>
+        <p:spPr>
+          <a:xfrm>
+            <a:off x="9369006" y="1954436"/>
+            <a:ext cx="961293" cy="437717"/>
+          </a:xfrm>
+          <a:prstGeom prst="rect">
+            <a:avLst/>
+          </a:prstGeom>
+          <a:solidFill>
+            <a:schemeClr val="accent6"/>
+          </a:solidFill>
+          <a:ln>
+            <a:noFill/>
+          </a:ln>
+        </p:spPr>
+        <p:style>
+          <a:lnRef idx="2">
+            <a:schemeClr val="accent1">
+              <a:shade val="50000"/>
+            </a:schemeClr>
+          </a:lnRef>
+          <a:fillRef idx="1">
+            <a:schemeClr val="accent1"/>
+          </a:fillRef>
+          <a:effectRef idx="0">
+            <a:schemeClr val="accent1"/>
+          </a:effectRef>
+          <a:fontRef idx="minor">
+            <a:schemeClr val="lt1"/>
+          </a:fontRef>
+        </p:style>
+        <p:txBody>
+          <a:bodyPr rtlCol="0" anchor="ctr"/>
+          <a:lstStyle/>
+          <a:p>
+            <a:pPr algn="ctr"/>
+            <a:endParaRPr lang="en-US"/>
+          </a:p>
+        </p:txBody>
+      </p:sp>
+      <p:sp>
+        <p:nvSpPr>
+          <p:cNvPr id="83" name="Rectangle 82"/>
+          <p:cNvSpPr/>
+          <p:nvPr/>
+        </p:nvSpPr>
+        <p:spPr>
+          <a:xfrm>
+            <a:off x="10032852" y="2638697"/>
+            <a:ext cx="961293" cy="437717"/>
+          </a:xfrm>
+          <a:prstGeom prst="rect">
+            <a:avLst/>
+          </a:prstGeom>
+          <a:solidFill>
+            <a:schemeClr val="accent6"/>
+          </a:solidFill>
+          <a:ln>
+            <a:noFill/>
+          </a:ln>
+        </p:spPr>
+        <p:style>
+          <a:lnRef idx="2">
+            <a:schemeClr val="accent1">
+              <a:shade val="50000"/>
+            </a:schemeClr>
+          </a:lnRef>
+          <a:fillRef idx="1">
+            <a:schemeClr val="accent1"/>
+          </a:fillRef>
+          <a:effectRef idx="0">
+            <a:schemeClr val="accent1"/>
+          </a:effectRef>
+          <a:fontRef idx="minor">
+            <a:schemeClr val="lt1"/>
+          </a:fontRef>
+        </p:style>
+        <p:txBody>
+          <a:bodyPr rtlCol="0" anchor="ctr"/>
+          <a:lstStyle/>
+          <a:p>
+            <a:pPr algn="ctr"/>
+            <a:endParaRPr lang="en-US"/>
+          </a:p>
+        </p:txBody>
+      </p:sp>
+      <p:sp>
+        <p:nvSpPr>
+          <p:cNvPr id="84" name="Rectangle 83"/>
+          <p:cNvSpPr/>
+          <p:nvPr/>
+        </p:nvSpPr>
+        <p:spPr>
+          <a:xfrm>
+            <a:off x="9369007" y="4007219"/>
+            <a:ext cx="961293" cy="437717"/>
+          </a:xfrm>
+          <a:prstGeom prst="rect">
+            <a:avLst/>
+          </a:prstGeom>
+          <a:solidFill>
+            <a:schemeClr val="accent6"/>
+          </a:solidFill>
+          <a:ln>
+            <a:noFill/>
+          </a:ln>
+        </p:spPr>
+        <p:style>
+          <a:lnRef idx="2">
+            <a:schemeClr val="accent1">
+              <a:shade val="50000"/>
+            </a:schemeClr>
+          </a:lnRef>
+          <a:fillRef idx="1">
+            <a:schemeClr val="accent1"/>
+          </a:fillRef>
+          <a:effectRef idx="0">
+            <a:schemeClr val="accent1"/>
+          </a:effectRef>
+          <a:fontRef idx="minor">
+            <a:schemeClr val="lt1"/>
+          </a:fontRef>
+        </p:style>
+        <p:txBody>
+          <a:bodyPr rtlCol="0" anchor="ctr"/>
+          <a:lstStyle/>
+          <a:p>
+            <a:pPr algn="ctr"/>
+            <a:endParaRPr lang="en-US"/>
+          </a:p>
+        </p:txBody>
+      </p:sp>
+      <p:cxnSp>
+        <p:nvCxnSpPr>
+          <p:cNvPr id="85" name="Straight Connector 84"/>
+          <p:cNvCxnSpPr/>
+          <p:nvPr/>
+        </p:nvCxnSpPr>
+        <p:spPr>
+          <a:xfrm flipH="1">
+            <a:off x="9206358" y="2403360"/>
+            <a:ext cx="643295" cy="224131"/>
+          </a:xfrm>
+          <a:prstGeom prst="line">
+            <a:avLst/>
+          </a:prstGeom>
+          <a:ln w="38100">
+            <a:solidFill>
+              <a:schemeClr val="bg1"/>
+            </a:solidFill>
+          </a:ln>
+        </p:spPr>
+        <p:style>
+          <a:lnRef idx="1">
+            <a:schemeClr val="accent1"/>
+          </a:lnRef>
+          <a:fillRef idx="0">
+            <a:schemeClr val="accent1"/>
+          </a:fillRef>
+          <a:effectRef idx="0">
+            <a:schemeClr val="accent1"/>
+          </a:effectRef>
+          <a:fontRef idx="minor">
+            <a:schemeClr val="tx1"/>
+          </a:fontRef>
+        </p:style>
+      </p:cxnSp>
+      <p:cxnSp>
+        <p:nvCxnSpPr>
+          <p:cNvPr id="86" name="Straight Connector 85"/>
+          <p:cNvCxnSpPr/>
+          <p:nvPr/>
+        </p:nvCxnSpPr>
+        <p:spPr>
+          <a:xfrm flipH="1" flipV="1">
+            <a:off x="9849653" y="2403360"/>
+            <a:ext cx="663846" cy="224131"/>
+          </a:xfrm>
+          <a:prstGeom prst="line">
+            <a:avLst/>
+          </a:prstGeom>
+          <a:ln w="38100">
+            <a:solidFill>
+              <a:schemeClr val="bg1"/>
+            </a:solidFill>
+          </a:ln>
+        </p:spPr>
+        <p:style>
+          <a:lnRef idx="1">
+            <a:schemeClr val="accent1"/>
+          </a:lnRef>
+          <a:fillRef idx="0">
+            <a:schemeClr val="accent1"/>
+          </a:fillRef>
+          <a:effectRef idx="0">
+            <a:schemeClr val="accent1"/>
+          </a:effectRef>
+          <a:fontRef idx="minor">
+            <a:schemeClr val="tx1"/>
+          </a:fontRef>
+        </p:style>
+      </p:cxnSp>
+      <p:cxnSp>
+        <p:nvCxnSpPr>
+          <p:cNvPr id="87" name="Straight Connector 86"/>
+          <p:cNvCxnSpPr/>
+          <p:nvPr/>
+        </p:nvCxnSpPr>
+        <p:spPr>
+          <a:xfrm flipV="1">
+            <a:off x="8550380" y="3087621"/>
+            <a:ext cx="655978" cy="224131"/>
+          </a:xfrm>
+          <a:prstGeom prst="line">
+            <a:avLst/>
+          </a:prstGeom>
+          <a:ln w="38100">
+            <a:solidFill>
+              <a:schemeClr val="bg1"/>
+            </a:solidFill>
+          </a:ln>
+        </p:spPr>
+        <p:style>
+          <a:lnRef idx="1">
+            <a:schemeClr val="accent1"/>
+          </a:lnRef>
+          <a:fillRef idx="0">
+            <a:schemeClr val="accent1"/>
+          </a:fillRef>
+          <a:effectRef idx="0">
+            <a:schemeClr val="accent1"/>
+          </a:effectRef>
+          <a:fontRef idx="minor">
+            <a:schemeClr val="tx1"/>
+          </a:fontRef>
+        </p:style>
+      </p:cxnSp>
+      <p:cxnSp>
+        <p:nvCxnSpPr>
+          <p:cNvPr id="88" name="Straight Connector 87"/>
+          <p:cNvCxnSpPr/>
+          <p:nvPr/>
+        </p:nvCxnSpPr>
+        <p:spPr>
+          <a:xfrm flipH="1" flipV="1">
+            <a:off x="9206358" y="3087621"/>
+            <a:ext cx="643297" cy="224131"/>
+          </a:xfrm>
+          <a:prstGeom prst="line">
+            <a:avLst/>
+          </a:prstGeom>
+          <a:ln w="38100">
+            <a:solidFill>
+              <a:schemeClr val="bg1"/>
+            </a:solidFill>
+          </a:ln>
+        </p:spPr>
+        <p:style>
+          <a:lnRef idx="1">
+            <a:schemeClr val="accent1"/>
+          </a:lnRef>
+          <a:fillRef idx="0">
+            <a:schemeClr val="accent1"/>
+          </a:fillRef>
+          <a:effectRef idx="0">
+            <a:schemeClr val="accent1"/>
+          </a:effectRef>
+          <a:fontRef idx="minor">
+            <a:schemeClr val="tx1"/>
+          </a:fontRef>
+        </p:style>
+      </p:cxnSp>
+      <p:cxnSp>
+        <p:nvCxnSpPr>
+          <p:cNvPr id="89" name="Straight Connector 88"/>
+          <p:cNvCxnSpPr/>
+          <p:nvPr/>
+        </p:nvCxnSpPr>
+        <p:spPr>
+          <a:xfrm flipH="1">
+            <a:off x="9849654" y="3771882"/>
+            <a:ext cx="1" cy="224131"/>
+          </a:xfrm>
+          <a:prstGeom prst="line">
+            <a:avLst/>
+          </a:prstGeom>
+          <a:ln w="38100">
+            <a:solidFill>
+              <a:schemeClr val="bg1"/>
+            </a:solidFill>
+          </a:ln>
+        </p:spPr>
+        <p:style>
+          <a:lnRef idx="1">
+            <a:schemeClr val="accent1"/>
+          </a:lnRef>
+          <a:fillRef idx="0">
+            <a:schemeClr val="accent1"/>
+          </a:fillRef>
+          <a:effectRef idx="0">
+            <a:schemeClr val="accent1"/>
+          </a:effectRef>
+          <a:fontRef idx="minor">
+            <a:schemeClr val="tx1"/>
+          </a:fontRef>
+        </p:style>
+      </p:cxnSp>
+      <p:sp>
+        <p:nvSpPr>
+          <p:cNvPr id="90" name="TextBox 89"/>
+          <p:cNvSpPr txBox="1"/>
+          <p:nvPr/>
+        </p:nvSpPr>
+        <p:spPr>
+          <a:xfrm>
+            <a:off x="8780504" y="4688320"/>
+            <a:ext cx="1938096" cy="461665"/>
+          </a:xfrm>
+          <a:prstGeom prst="rect">
+            <a:avLst/>
+          </a:prstGeom>
+          <a:noFill/>
+        </p:spPr>
+        <p:txBody>
+          <a:bodyPr wrap="none" rtlCol="0">
+            <a:spAutoFit/>
+          </a:bodyPr>
+          <a:lstStyle/>
+          <a:p>
+            <a:pPr algn="ctr"/>
+            <a:r>
+              <a:rPr lang="en-US" sz="2400" dirty="0" smtClean="0">
+                <a:solidFill>
+                  <a:schemeClr val="bg1"/>
+                </a:solidFill>
+              </a:rPr>
+              <a:t>Browser DOM</a:t>
+            </a:r>
+            <a:endParaRPr lang="en-US" sz="2400" dirty="0">
+              <a:solidFill>
+                <a:schemeClr val="bg1"/>
+              </a:solidFill>
+            </a:endParaRPr>
+          </a:p>
+        </p:txBody>
+      </p:sp>
+    </p:spTree>
+    <p:extLst>
+      <p:ext uri="{BB962C8B-B14F-4D97-AF65-F5344CB8AC3E}">
         <p14:creationId xmlns:p14="http://schemas.microsoft.com/office/powerpoint/2010/main" val="486245099"/>
       </p:ext>
     </p:extLst>
@@ -11424,7 +11823,7 @@
 </p:sld>
 </file>
 
-<file path=ppt/slides/slide8.xml><?xml version="1.0" encoding="utf-8"?>
+<file path=ppt/slides/slide9.xml><?xml version="1.0" encoding="utf-8"?>
 <p:sld xmlns:a="http://schemas.openxmlformats.org/drawingml/2006/main" xmlns:r="http://schemas.openxmlformats.org/officeDocument/2006/relationships" xmlns:p="http://schemas.openxmlformats.org/presentationml/2006/main">
   <p:cSld>
     <p:bg>

--- a/schemas.pptx
+++ b/schemas.pptx
@@ -5,18 +5,19 @@
     <p:sldMasterId id="2147483648" r:id="rId1"/>
   </p:sldMasterIdLst>
   <p:notesMasterIdLst>
-    <p:notesMasterId r:id="rId11"/>
+    <p:notesMasterId r:id="rId12"/>
   </p:notesMasterIdLst>
   <p:sldIdLst>
     <p:sldId id="256" r:id="rId2"/>
     <p:sldId id="257" r:id="rId3"/>
     <p:sldId id="264" r:id="rId4"/>
     <p:sldId id="265" r:id="rId5"/>
-    <p:sldId id="258" r:id="rId6"/>
-    <p:sldId id="260" r:id="rId7"/>
-    <p:sldId id="261" r:id="rId8"/>
-    <p:sldId id="262" r:id="rId9"/>
-    <p:sldId id="263" r:id="rId10"/>
+    <p:sldId id="266" r:id="rId6"/>
+    <p:sldId id="258" r:id="rId7"/>
+    <p:sldId id="260" r:id="rId8"/>
+    <p:sldId id="261" r:id="rId9"/>
+    <p:sldId id="262" r:id="rId10"/>
+    <p:sldId id="263" r:id="rId11"/>
   </p:sldIdLst>
   <p:sldSz cx="12192000" cy="6858000"/>
   <p:notesSz cx="6858000" cy="9144000"/>
@@ -124,6 +125,7 @@
             <p14:sldId id="257"/>
             <p14:sldId id="264"/>
             <p14:sldId id="265"/>
+            <p14:sldId id="266"/>
           </p14:sldIdLst>
         </p14:section>
         <p14:section name="virtualDom" id="{BAC17991-2C0F-6A4D-A4E3-317A1FEBCCFF}">
@@ -226,7 +228,7 @@
           <a:p>
             <a:fld id="{5C429396-FDB1-F04C-9A46-BA26E46C0344}" type="datetimeFigureOut">
               <a:rPr lang="en-US" smtClean="0"/>
-              <a:t>10/2/17</a:t>
+              <a:t>10/3/17</a:t>
             </a:fld>
             <a:endParaRPr lang="en-US"/>
           </a:p>
@@ -625,7 +627,7 @@
           <a:p>
             <a:fld id="{78C3FB43-EF33-7B42-BD59-CFA98E055764}" type="datetimeFigureOut">
               <a:rPr lang="en-US" smtClean="0"/>
-              <a:t>10/2/17</a:t>
+              <a:t>10/3/17</a:t>
             </a:fld>
             <a:endParaRPr lang="en-US"/>
           </a:p>
@@ -795,7 +797,7 @@
           <a:p>
             <a:fld id="{78C3FB43-EF33-7B42-BD59-CFA98E055764}" type="datetimeFigureOut">
               <a:rPr lang="en-US" smtClean="0"/>
-              <a:t>10/2/17</a:t>
+              <a:t>10/3/17</a:t>
             </a:fld>
             <a:endParaRPr lang="en-US"/>
           </a:p>
@@ -975,7 +977,7 @@
           <a:p>
             <a:fld id="{78C3FB43-EF33-7B42-BD59-CFA98E055764}" type="datetimeFigureOut">
               <a:rPr lang="en-US" smtClean="0"/>
-              <a:t>10/2/17</a:t>
+              <a:t>10/3/17</a:t>
             </a:fld>
             <a:endParaRPr lang="en-US"/>
           </a:p>
@@ -1145,7 +1147,7 @@
           <a:p>
             <a:fld id="{78C3FB43-EF33-7B42-BD59-CFA98E055764}" type="datetimeFigureOut">
               <a:rPr lang="en-US" smtClean="0"/>
-              <a:t>10/2/17</a:t>
+              <a:t>10/3/17</a:t>
             </a:fld>
             <a:endParaRPr lang="en-US"/>
           </a:p>
@@ -1391,7 +1393,7 @@
           <a:p>
             <a:fld id="{78C3FB43-EF33-7B42-BD59-CFA98E055764}" type="datetimeFigureOut">
               <a:rPr lang="en-US" smtClean="0"/>
-              <a:t>10/2/17</a:t>
+              <a:t>10/3/17</a:t>
             </a:fld>
             <a:endParaRPr lang="en-US"/>
           </a:p>
@@ -1623,7 +1625,7 @@
           <a:p>
             <a:fld id="{78C3FB43-EF33-7B42-BD59-CFA98E055764}" type="datetimeFigureOut">
               <a:rPr lang="en-US" smtClean="0"/>
-              <a:t>10/2/17</a:t>
+              <a:t>10/3/17</a:t>
             </a:fld>
             <a:endParaRPr lang="en-US"/>
           </a:p>
@@ -1990,7 +1992,7 @@
           <a:p>
             <a:fld id="{78C3FB43-EF33-7B42-BD59-CFA98E055764}" type="datetimeFigureOut">
               <a:rPr lang="en-US" smtClean="0"/>
-              <a:t>10/2/17</a:t>
+              <a:t>10/3/17</a:t>
             </a:fld>
             <a:endParaRPr lang="en-US"/>
           </a:p>
@@ -2108,7 +2110,7 @@
           <a:p>
             <a:fld id="{78C3FB43-EF33-7B42-BD59-CFA98E055764}" type="datetimeFigureOut">
               <a:rPr lang="en-US" smtClean="0"/>
-              <a:t>10/2/17</a:t>
+              <a:t>10/3/17</a:t>
             </a:fld>
             <a:endParaRPr lang="en-US"/>
           </a:p>
@@ -2203,7 +2205,7 @@
           <a:p>
             <a:fld id="{78C3FB43-EF33-7B42-BD59-CFA98E055764}" type="datetimeFigureOut">
               <a:rPr lang="en-US" smtClean="0"/>
-              <a:t>10/2/17</a:t>
+              <a:t>10/3/17</a:t>
             </a:fld>
             <a:endParaRPr lang="en-US"/>
           </a:p>
@@ -2480,7 +2482,7 @@
           <a:p>
             <a:fld id="{78C3FB43-EF33-7B42-BD59-CFA98E055764}" type="datetimeFigureOut">
               <a:rPr lang="en-US" smtClean="0"/>
-              <a:t>10/2/17</a:t>
+              <a:t>10/3/17</a:t>
             </a:fld>
             <a:endParaRPr lang="en-US"/>
           </a:p>
@@ -2733,7 +2735,7 @@
           <a:p>
             <a:fld id="{78C3FB43-EF33-7B42-BD59-CFA98E055764}" type="datetimeFigureOut">
               <a:rPr lang="en-US" smtClean="0"/>
-              <a:t>10/2/17</a:t>
+              <a:t>10/3/17</a:t>
             </a:fld>
             <a:endParaRPr lang="en-US"/>
           </a:p>
@@ -2946,7 +2948,7 @@
           <a:p>
             <a:fld id="{78C3FB43-EF33-7B42-BD59-CFA98E055764}" type="datetimeFigureOut">
               <a:rPr lang="en-US" smtClean="0"/>
-              <a:t>10/2/17</a:t>
+              <a:t>10/3/17</a:t>
             </a:fld>
             <a:endParaRPr lang="en-US"/>
           </a:p>
@@ -4652,6 +4654,1556 @@
 </p:sld>
 </file>
 
+<file path=ppt/slides/slide10.xml><?xml version="1.0" encoding="utf-8"?>
+<p:sld xmlns:a="http://schemas.openxmlformats.org/drawingml/2006/main" xmlns:r="http://schemas.openxmlformats.org/officeDocument/2006/relationships" xmlns:p="http://schemas.openxmlformats.org/presentationml/2006/main">
+  <p:cSld>
+    <p:bg>
+      <p:bgPr>
+        <a:solidFill>
+          <a:srgbClr val="7030A0"/>
+        </a:solidFill>
+        <a:effectLst/>
+      </p:bgPr>
+    </p:bg>
+    <p:spTree>
+      <p:nvGrpSpPr>
+        <p:cNvPr id="1" name=""/>
+        <p:cNvGrpSpPr/>
+        <p:nvPr/>
+      </p:nvGrpSpPr>
+      <p:grpSpPr>
+        <a:xfrm>
+          <a:off x="0" y="0"/>
+          <a:ext cx="0" cy="0"/>
+          <a:chOff x="0" y="0"/>
+          <a:chExt cx="0" cy="0"/>
+        </a:xfrm>
+      </p:grpSpPr>
+      <p:sp>
+        <p:nvSpPr>
+          <p:cNvPr id="4" name="Oval 3"/>
+          <p:cNvSpPr/>
+          <p:nvPr/>
+        </p:nvSpPr>
+        <p:spPr>
+          <a:xfrm>
+            <a:off x="701749" y="3346191"/>
+            <a:ext cx="552893" cy="552893"/>
+          </a:xfrm>
+          <a:prstGeom prst="ellipse">
+            <a:avLst/>
+          </a:prstGeom>
+          <a:solidFill>
+            <a:schemeClr val="accent4"/>
+          </a:solidFill>
+          <a:ln w="0">
+            <a:noFill/>
+          </a:ln>
+        </p:spPr>
+        <p:style>
+          <a:lnRef idx="2">
+            <a:schemeClr val="accent1">
+              <a:shade val="50000"/>
+            </a:schemeClr>
+          </a:lnRef>
+          <a:fillRef idx="1">
+            <a:schemeClr val="accent1"/>
+          </a:fillRef>
+          <a:effectRef idx="0">
+            <a:schemeClr val="accent1"/>
+          </a:effectRef>
+          <a:fontRef idx="minor">
+            <a:schemeClr val="lt1"/>
+          </a:fontRef>
+        </p:style>
+        <p:txBody>
+          <a:bodyPr rtlCol="0" anchor="ctr"/>
+          <a:lstStyle/>
+          <a:p>
+            <a:pPr algn="ctr"/>
+            <a:endParaRPr lang="en-US"/>
+          </a:p>
+        </p:txBody>
+      </p:sp>
+      <p:sp>
+        <p:nvSpPr>
+          <p:cNvPr id="5" name="Oval 4"/>
+          <p:cNvSpPr/>
+          <p:nvPr/>
+        </p:nvSpPr>
+        <p:spPr>
+          <a:xfrm>
+            <a:off x="1599379" y="2346182"/>
+            <a:ext cx="552893" cy="552893"/>
+          </a:xfrm>
+          <a:prstGeom prst="ellipse">
+            <a:avLst/>
+          </a:prstGeom>
+          <a:solidFill>
+            <a:schemeClr val="accent4"/>
+          </a:solidFill>
+          <a:ln w="0">
+            <a:noFill/>
+          </a:ln>
+        </p:spPr>
+        <p:style>
+          <a:lnRef idx="2">
+            <a:schemeClr val="accent1">
+              <a:shade val="50000"/>
+            </a:schemeClr>
+          </a:lnRef>
+          <a:fillRef idx="1">
+            <a:schemeClr val="accent1"/>
+          </a:fillRef>
+          <a:effectRef idx="0">
+            <a:schemeClr val="accent1"/>
+          </a:effectRef>
+          <a:fontRef idx="minor">
+            <a:schemeClr val="lt1"/>
+          </a:fontRef>
+        </p:style>
+        <p:txBody>
+          <a:bodyPr rtlCol="0" anchor="ctr"/>
+          <a:lstStyle/>
+          <a:p>
+            <a:pPr algn="ctr"/>
+            <a:endParaRPr lang="en-US"/>
+          </a:p>
+        </p:txBody>
+      </p:sp>
+      <p:sp>
+        <p:nvSpPr>
+          <p:cNvPr id="6" name="Oval 5"/>
+          <p:cNvSpPr/>
+          <p:nvPr/>
+        </p:nvSpPr>
+        <p:spPr>
+          <a:xfrm>
+            <a:off x="1518410" y="3951699"/>
+            <a:ext cx="552893" cy="552893"/>
+          </a:xfrm>
+          <a:prstGeom prst="ellipse">
+            <a:avLst/>
+          </a:prstGeom>
+          <a:solidFill>
+            <a:schemeClr val="accent4"/>
+          </a:solidFill>
+          <a:ln w="0">
+            <a:noFill/>
+          </a:ln>
+        </p:spPr>
+        <p:style>
+          <a:lnRef idx="2">
+            <a:schemeClr val="accent1">
+              <a:shade val="50000"/>
+            </a:schemeClr>
+          </a:lnRef>
+          <a:fillRef idx="1">
+            <a:schemeClr val="accent1"/>
+          </a:fillRef>
+          <a:effectRef idx="0">
+            <a:schemeClr val="accent1"/>
+          </a:effectRef>
+          <a:fontRef idx="minor">
+            <a:schemeClr val="lt1"/>
+          </a:fontRef>
+        </p:style>
+        <p:txBody>
+          <a:bodyPr rtlCol="0" anchor="ctr"/>
+          <a:lstStyle/>
+          <a:p>
+            <a:pPr algn="ctr"/>
+            <a:endParaRPr lang="en-US"/>
+          </a:p>
+        </p:txBody>
+      </p:sp>
+      <p:sp>
+        <p:nvSpPr>
+          <p:cNvPr id="7" name="Oval 6"/>
+          <p:cNvSpPr/>
+          <p:nvPr/>
+        </p:nvSpPr>
+        <p:spPr>
+          <a:xfrm>
+            <a:off x="874117" y="1793289"/>
+            <a:ext cx="552893" cy="552893"/>
+          </a:xfrm>
+          <a:prstGeom prst="ellipse">
+            <a:avLst/>
+          </a:prstGeom>
+          <a:solidFill>
+            <a:schemeClr val="accent4"/>
+          </a:solidFill>
+          <a:ln w="0">
+            <a:noFill/>
+          </a:ln>
+        </p:spPr>
+        <p:style>
+          <a:lnRef idx="2">
+            <a:schemeClr val="accent1">
+              <a:shade val="50000"/>
+            </a:schemeClr>
+          </a:lnRef>
+          <a:fillRef idx="1">
+            <a:schemeClr val="accent1"/>
+          </a:fillRef>
+          <a:effectRef idx="0">
+            <a:schemeClr val="accent1"/>
+          </a:effectRef>
+          <a:fontRef idx="minor">
+            <a:schemeClr val="lt1"/>
+          </a:fontRef>
+        </p:style>
+        <p:txBody>
+          <a:bodyPr rtlCol="0" anchor="ctr"/>
+          <a:lstStyle/>
+          <a:p>
+            <a:pPr algn="ctr"/>
+            <a:endParaRPr lang="en-US"/>
+          </a:p>
+        </p:txBody>
+      </p:sp>
+      <p:sp>
+        <p:nvSpPr>
+          <p:cNvPr id="8" name="Oval 7"/>
+          <p:cNvSpPr/>
+          <p:nvPr/>
+        </p:nvSpPr>
+        <p:spPr>
+          <a:xfrm>
+            <a:off x="2339566" y="3028986"/>
+            <a:ext cx="552893" cy="552893"/>
+          </a:xfrm>
+          <a:prstGeom prst="ellipse">
+            <a:avLst/>
+          </a:prstGeom>
+          <a:solidFill>
+            <a:srgbClr val="FF0000"/>
+          </a:solidFill>
+          <a:ln w="0">
+            <a:noFill/>
+          </a:ln>
+        </p:spPr>
+        <p:style>
+          <a:lnRef idx="2">
+            <a:schemeClr val="accent1">
+              <a:shade val="50000"/>
+            </a:schemeClr>
+          </a:lnRef>
+          <a:fillRef idx="1">
+            <a:schemeClr val="accent1"/>
+          </a:fillRef>
+          <a:effectRef idx="0">
+            <a:schemeClr val="accent1"/>
+          </a:effectRef>
+          <a:fontRef idx="minor">
+            <a:schemeClr val="lt1"/>
+          </a:fontRef>
+        </p:style>
+        <p:txBody>
+          <a:bodyPr rtlCol="0" anchor="ctr"/>
+          <a:lstStyle/>
+          <a:p>
+            <a:pPr algn="ctr"/>
+            <a:endParaRPr lang="en-US"/>
+          </a:p>
+        </p:txBody>
+      </p:sp>
+      <p:sp>
+        <p:nvSpPr>
+          <p:cNvPr id="9" name="TextBox 8"/>
+          <p:cNvSpPr txBox="1"/>
+          <p:nvPr/>
+        </p:nvSpPr>
+        <p:spPr>
+          <a:xfrm>
+            <a:off x="1005019" y="4732115"/>
+            <a:ext cx="995785" cy="461665"/>
+          </a:xfrm>
+          <a:prstGeom prst="rect">
+            <a:avLst/>
+          </a:prstGeom>
+          <a:noFill/>
+        </p:spPr>
+        <p:txBody>
+          <a:bodyPr wrap="none" rtlCol="0">
+            <a:spAutoFit/>
+          </a:bodyPr>
+          <a:lstStyle/>
+          <a:p>
+            <a:r>
+              <a:rPr lang="en-US" sz="2400" dirty="0" smtClean="0">
+                <a:solidFill>
+                  <a:schemeClr val="bg1"/>
+                </a:solidFill>
+              </a:rPr>
+              <a:t>Model</a:t>
+            </a:r>
+            <a:endParaRPr lang="en-US" sz="2400" dirty="0">
+              <a:solidFill>
+                <a:schemeClr val="bg1"/>
+              </a:solidFill>
+            </a:endParaRPr>
+          </a:p>
+        </p:txBody>
+      </p:sp>
+      <p:cxnSp>
+        <p:nvCxnSpPr>
+          <p:cNvPr id="18" name="Straight Connector 17"/>
+          <p:cNvCxnSpPr>
+            <a:stCxn id="7" idx="5"/>
+            <a:endCxn id="5" idx="2"/>
+          </p:cNvCxnSpPr>
+          <p:nvPr/>
+        </p:nvCxnSpPr>
+        <p:spPr>
+          <a:xfrm>
+            <a:off x="1346041" y="2265213"/>
+            <a:ext cx="253338" cy="357416"/>
+          </a:xfrm>
+          <a:prstGeom prst="line">
+            <a:avLst/>
+          </a:prstGeom>
+          <a:ln w="38100">
+            <a:solidFill>
+              <a:schemeClr val="bg1"/>
+            </a:solidFill>
+          </a:ln>
+        </p:spPr>
+        <p:style>
+          <a:lnRef idx="1">
+            <a:schemeClr val="accent1"/>
+          </a:lnRef>
+          <a:fillRef idx="0">
+            <a:schemeClr val="accent1"/>
+          </a:fillRef>
+          <a:effectRef idx="0">
+            <a:schemeClr val="accent1"/>
+          </a:effectRef>
+          <a:fontRef idx="minor">
+            <a:schemeClr val="tx1"/>
+          </a:fontRef>
+        </p:style>
+      </p:cxnSp>
+      <p:sp>
+        <p:nvSpPr>
+          <p:cNvPr id="77" name="Rounded Rectangle 76"/>
+          <p:cNvSpPr/>
+          <p:nvPr/>
+        </p:nvSpPr>
+        <p:spPr>
+          <a:xfrm>
+            <a:off x="3843580" y="1793289"/>
+            <a:ext cx="3502618" cy="2740204"/>
+          </a:xfrm>
+          <a:prstGeom prst="roundRect">
+            <a:avLst/>
+          </a:prstGeom>
+          <a:solidFill>
+            <a:schemeClr val="accent5">
+              <a:lumMod val="20000"/>
+              <a:lumOff val="80000"/>
+            </a:schemeClr>
+          </a:solidFill>
+        </p:spPr>
+        <p:style>
+          <a:lnRef idx="1">
+            <a:schemeClr val="accent6"/>
+          </a:lnRef>
+          <a:fillRef idx="2">
+            <a:schemeClr val="accent6"/>
+          </a:fillRef>
+          <a:effectRef idx="1">
+            <a:schemeClr val="accent6"/>
+          </a:effectRef>
+          <a:fontRef idx="minor">
+            <a:schemeClr val="dk1"/>
+          </a:fontRef>
+        </p:style>
+        <p:txBody>
+          <a:bodyPr rtlCol="0" anchor="ctr"/>
+          <a:lstStyle/>
+          <a:p>
+            <a:pPr algn="ctr"/>
+            <a:endParaRPr lang="en-US"/>
+          </a:p>
+        </p:txBody>
+      </p:sp>
+      <p:cxnSp>
+        <p:nvCxnSpPr>
+          <p:cNvPr id="21" name="Straight Connector 20"/>
+          <p:cNvCxnSpPr>
+            <a:stCxn id="8" idx="1"/>
+            <a:endCxn id="5" idx="5"/>
+          </p:cNvCxnSpPr>
+          <p:nvPr/>
+        </p:nvCxnSpPr>
+        <p:spPr>
+          <a:xfrm flipH="1" flipV="1">
+            <a:off x="2071303" y="2818106"/>
+            <a:ext cx="349232" cy="291849"/>
+          </a:xfrm>
+          <a:prstGeom prst="line">
+            <a:avLst/>
+          </a:prstGeom>
+          <a:ln w="38100">
+            <a:solidFill>
+              <a:schemeClr val="bg1"/>
+            </a:solidFill>
+          </a:ln>
+        </p:spPr>
+        <p:style>
+          <a:lnRef idx="1">
+            <a:schemeClr val="accent1"/>
+          </a:lnRef>
+          <a:fillRef idx="0">
+            <a:schemeClr val="accent1"/>
+          </a:fillRef>
+          <a:effectRef idx="0">
+            <a:schemeClr val="accent1"/>
+          </a:effectRef>
+          <a:fontRef idx="minor">
+            <a:schemeClr val="tx1"/>
+          </a:fontRef>
+        </p:style>
+      </p:cxnSp>
+      <p:cxnSp>
+        <p:nvCxnSpPr>
+          <p:cNvPr id="24" name="Straight Connector 23"/>
+          <p:cNvCxnSpPr>
+            <a:stCxn id="6" idx="1"/>
+            <a:endCxn id="4" idx="5"/>
+          </p:cNvCxnSpPr>
+          <p:nvPr/>
+        </p:nvCxnSpPr>
+        <p:spPr>
+          <a:xfrm flipH="1" flipV="1">
+            <a:off x="1173673" y="3818115"/>
+            <a:ext cx="425706" cy="214553"/>
+          </a:xfrm>
+          <a:prstGeom prst="line">
+            <a:avLst/>
+          </a:prstGeom>
+          <a:ln w="38100">
+            <a:solidFill>
+              <a:schemeClr val="bg1"/>
+            </a:solidFill>
+          </a:ln>
+        </p:spPr>
+        <p:style>
+          <a:lnRef idx="1">
+            <a:schemeClr val="accent1"/>
+          </a:lnRef>
+          <a:fillRef idx="0">
+            <a:schemeClr val="accent1"/>
+          </a:fillRef>
+          <a:effectRef idx="0">
+            <a:schemeClr val="accent1"/>
+          </a:effectRef>
+          <a:fontRef idx="minor">
+            <a:schemeClr val="tx1"/>
+          </a:fontRef>
+        </p:style>
+      </p:cxnSp>
+      <p:cxnSp>
+        <p:nvCxnSpPr>
+          <p:cNvPr id="34" name="Straight Connector 33"/>
+          <p:cNvCxnSpPr>
+            <a:stCxn id="4" idx="7"/>
+            <a:endCxn id="5" idx="3"/>
+          </p:cNvCxnSpPr>
+          <p:nvPr/>
+        </p:nvCxnSpPr>
+        <p:spPr>
+          <a:xfrm flipV="1">
+            <a:off x="1173673" y="2818106"/>
+            <a:ext cx="506675" cy="609054"/>
+          </a:xfrm>
+          <a:prstGeom prst="line">
+            <a:avLst/>
+          </a:prstGeom>
+          <a:ln w="38100">
+            <a:solidFill>
+              <a:schemeClr val="bg1"/>
+            </a:solidFill>
+          </a:ln>
+        </p:spPr>
+        <p:style>
+          <a:lnRef idx="1">
+            <a:schemeClr val="accent1"/>
+          </a:lnRef>
+          <a:fillRef idx="0">
+            <a:schemeClr val="accent1"/>
+          </a:fillRef>
+          <a:effectRef idx="0">
+            <a:schemeClr val="accent1"/>
+          </a:effectRef>
+          <a:fontRef idx="minor">
+            <a:schemeClr val="tx1"/>
+          </a:fontRef>
+        </p:style>
+      </p:cxnSp>
+      <p:cxnSp>
+        <p:nvCxnSpPr>
+          <p:cNvPr id="40" name="Straight Connector 39"/>
+          <p:cNvCxnSpPr>
+            <a:stCxn id="6" idx="7"/>
+            <a:endCxn id="8" idx="3"/>
+          </p:cNvCxnSpPr>
+          <p:nvPr/>
+        </p:nvCxnSpPr>
+        <p:spPr>
+          <a:xfrm flipV="1">
+            <a:off x="1990334" y="3500910"/>
+            <a:ext cx="430201" cy="531758"/>
+          </a:xfrm>
+          <a:prstGeom prst="line">
+            <a:avLst/>
+          </a:prstGeom>
+          <a:ln w="38100">
+            <a:solidFill>
+              <a:schemeClr val="bg1"/>
+            </a:solidFill>
+          </a:ln>
+        </p:spPr>
+        <p:style>
+          <a:lnRef idx="1">
+            <a:schemeClr val="accent1"/>
+          </a:lnRef>
+          <a:fillRef idx="0">
+            <a:schemeClr val="accent1"/>
+          </a:fillRef>
+          <a:effectRef idx="0">
+            <a:schemeClr val="accent1"/>
+          </a:effectRef>
+          <a:fontRef idx="minor">
+            <a:schemeClr val="tx1"/>
+          </a:fontRef>
+        </p:style>
+      </p:cxnSp>
+      <p:sp>
+        <p:nvSpPr>
+          <p:cNvPr id="55" name="Rectangle 54"/>
+          <p:cNvSpPr/>
+          <p:nvPr/>
+        </p:nvSpPr>
+        <p:spPr>
+          <a:xfrm>
+            <a:off x="4086467" y="3322958"/>
+            <a:ext cx="961293" cy="437717"/>
+          </a:xfrm>
+          <a:prstGeom prst="rect">
+            <a:avLst/>
+          </a:prstGeom>
+          <a:solidFill>
+            <a:schemeClr val="accent6"/>
+          </a:solidFill>
+          <a:ln>
+            <a:noFill/>
+          </a:ln>
+        </p:spPr>
+        <p:style>
+          <a:lnRef idx="2">
+            <a:schemeClr val="accent1">
+              <a:shade val="50000"/>
+            </a:schemeClr>
+          </a:lnRef>
+          <a:fillRef idx="1">
+            <a:schemeClr val="accent1"/>
+          </a:fillRef>
+          <a:effectRef idx="0">
+            <a:schemeClr val="accent1"/>
+          </a:effectRef>
+          <a:fontRef idx="minor">
+            <a:schemeClr val="lt1"/>
+          </a:fontRef>
+        </p:style>
+        <p:txBody>
+          <a:bodyPr rtlCol="0" anchor="ctr"/>
+          <a:lstStyle/>
+          <a:p>
+            <a:pPr algn="ctr"/>
+            <a:endParaRPr lang="en-US"/>
+          </a:p>
+        </p:txBody>
+      </p:sp>
+      <p:sp>
+        <p:nvSpPr>
+          <p:cNvPr id="56" name="Rectangle 55"/>
+          <p:cNvSpPr/>
+          <p:nvPr/>
+        </p:nvSpPr>
+        <p:spPr>
+          <a:xfrm>
+            <a:off x="5385742" y="3322958"/>
+            <a:ext cx="961293" cy="437717"/>
+          </a:xfrm>
+          <a:prstGeom prst="rect">
+            <a:avLst/>
+          </a:prstGeom>
+          <a:solidFill>
+            <a:srgbClr val="FF0000"/>
+          </a:solidFill>
+          <a:ln>
+            <a:noFill/>
+          </a:ln>
+        </p:spPr>
+        <p:style>
+          <a:lnRef idx="2">
+            <a:schemeClr val="accent1">
+              <a:shade val="50000"/>
+            </a:schemeClr>
+          </a:lnRef>
+          <a:fillRef idx="1">
+            <a:schemeClr val="accent1"/>
+          </a:fillRef>
+          <a:effectRef idx="0">
+            <a:schemeClr val="accent1"/>
+          </a:effectRef>
+          <a:fontRef idx="minor">
+            <a:schemeClr val="lt1"/>
+          </a:fontRef>
+        </p:style>
+        <p:txBody>
+          <a:bodyPr rtlCol="0" anchor="ctr"/>
+          <a:lstStyle/>
+          <a:p>
+            <a:pPr algn="ctr"/>
+            <a:endParaRPr lang="en-US"/>
+          </a:p>
+        </p:txBody>
+      </p:sp>
+      <p:sp>
+        <p:nvSpPr>
+          <p:cNvPr id="57" name="Rectangle 56"/>
+          <p:cNvSpPr/>
+          <p:nvPr/>
+        </p:nvSpPr>
+        <p:spPr>
+          <a:xfrm>
+            <a:off x="4742445" y="2638697"/>
+            <a:ext cx="961293" cy="437717"/>
+          </a:xfrm>
+          <a:prstGeom prst="rect">
+            <a:avLst/>
+          </a:prstGeom>
+          <a:solidFill>
+            <a:schemeClr val="accent6"/>
+          </a:solidFill>
+          <a:ln>
+            <a:noFill/>
+          </a:ln>
+        </p:spPr>
+        <p:style>
+          <a:lnRef idx="2">
+            <a:schemeClr val="accent1">
+              <a:shade val="50000"/>
+            </a:schemeClr>
+          </a:lnRef>
+          <a:fillRef idx="1">
+            <a:schemeClr val="accent1"/>
+          </a:fillRef>
+          <a:effectRef idx="0">
+            <a:schemeClr val="accent1"/>
+          </a:effectRef>
+          <a:fontRef idx="minor">
+            <a:schemeClr val="lt1"/>
+          </a:fontRef>
+        </p:style>
+        <p:txBody>
+          <a:bodyPr rtlCol="0" anchor="ctr"/>
+          <a:lstStyle/>
+          <a:p>
+            <a:pPr algn="ctr"/>
+            <a:endParaRPr lang="en-US"/>
+          </a:p>
+        </p:txBody>
+      </p:sp>
+      <p:sp>
+        <p:nvSpPr>
+          <p:cNvPr id="58" name="Rectangle 57"/>
+          <p:cNvSpPr/>
+          <p:nvPr/>
+        </p:nvSpPr>
+        <p:spPr>
+          <a:xfrm>
+            <a:off x="5385740" y="1954436"/>
+            <a:ext cx="961293" cy="437717"/>
+          </a:xfrm>
+          <a:prstGeom prst="rect">
+            <a:avLst/>
+          </a:prstGeom>
+          <a:solidFill>
+            <a:schemeClr val="accent6"/>
+          </a:solidFill>
+          <a:ln>
+            <a:noFill/>
+          </a:ln>
+        </p:spPr>
+        <p:style>
+          <a:lnRef idx="2">
+            <a:schemeClr val="accent1">
+              <a:shade val="50000"/>
+            </a:schemeClr>
+          </a:lnRef>
+          <a:fillRef idx="1">
+            <a:schemeClr val="accent1"/>
+          </a:fillRef>
+          <a:effectRef idx="0">
+            <a:schemeClr val="accent1"/>
+          </a:effectRef>
+          <a:fontRef idx="minor">
+            <a:schemeClr val="lt1"/>
+          </a:fontRef>
+        </p:style>
+        <p:txBody>
+          <a:bodyPr rtlCol="0" anchor="ctr"/>
+          <a:lstStyle/>
+          <a:p>
+            <a:pPr algn="ctr"/>
+            <a:endParaRPr lang="en-US"/>
+          </a:p>
+        </p:txBody>
+      </p:sp>
+      <p:sp>
+        <p:nvSpPr>
+          <p:cNvPr id="59" name="Rectangle 58"/>
+          <p:cNvSpPr/>
+          <p:nvPr/>
+        </p:nvSpPr>
+        <p:spPr>
+          <a:xfrm>
+            <a:off x="6049586" y="2638697"/>
+            <a:ext cx="961293" cy="437717"/>
+          </a:xfrm>
+          <a:prstGeom prst="rect">
+            <a:avLst/>
+          </a:prstGeom>
+          <a:solidFill>
+            <a:srgbClr val="FF0000"/>
+          </a:solidFill>
+          <a:ln>
+            <a:noFill/>
+          </a:ln>
+        </p:spPr>
+        <p:style>
+          <a:lnRef idx="2">
+            <a:schemeClr val="accent1">
+              <a:shade val="50000"/>
+            </a:schemeClr>
+          </a:lnRef>
+          <a:fillRef idx="1">
+            <a:schemeClr val="accent1"/>
+          </a:fillRef>
+          <a:effectRef idx="0">
+            <a:schemeClr val="accent1"/>
+          </a:effectRef>
+          <a:fontRef idx="minor">
+            <a:schemeClr val="lt1"/>
+          </a:fontRef>
+        </p:style>
+        <p:txBody>
+          <a:bodyPr rtlCol="0" anchor="ctr"/>
+          <a:lstStyle/>
+          <a:p>
+            <a:pPr algn="ctr"/>
+            <a:endParaRPr lang="en-US"/>
+          </a:p>
+        </p:txBody>
+      </p:sp>
+      <p:sp>
+        <p:nvSpPr>
+          <p:cNvPr id="60" name="Rectangle 59"/>
+          <p:cNvSpPr/>
+          <p:nvPr/>
+        </p:nvSpPr>
+        <p:spPr>
+          <a:xfrm>
+            <a:off x="5385741" y="4007219"/>
+            <a:ext cx="961293" cy="437717"/>
+          </a:xfrm>
+          <a:prstGeom prst="rect">
+            <a:avLst/>
+          </a:prstGeom>
+          <a:solidFill>
+            <a:srgbClr val="FF0000"/>
+          </a:solidFill>
+          <a:ln>
+            <a:noFill/>
+          </a:ln>
+        </p:spPr>
+        <p:style>
+          <a:lnRef idx="2">
+            <a:schemeClr val="accent1">
+              <a:shade val="50000"/>
+            </a:schemeClr>
+          </a:lnRef>
+          <a:fillRef idx="1">
+            <a:schemeClr val="accent1"/>
+          </a:fillRef>
+          <a:effectRef idx="0">
+            <a:schemeClr val="accent1"/>
+          </a:effectRef>
+          <a:fontRef idx="minor">
+            <a:schemeClr val="lt1"/>
+          </a:fontRef>
+        </p:style>
+        <p:txBody>
+          <a:bodyPr rtlCol="0" anchor="ctr"/>
+          <a:lstStyle/>
+          <a:p>
+            <a:pPr algn="ctr"/>
+            <a:endParaRPr lang="en-US"/>
+          </a:p>
+        </p:txBody>
+      </p:sp>
+      <p:cxnSp>
+        <p:nvCxnSpPr>
+          <p:cNvPr id="61" name="Straight Connector 60"/>
+          <p:cNvCxnSpPr>
+            <a:stCxn id="58" idx="2"/>
+            <a:endCxn id="57" idx="0"/>
+          </p:cNvCxnSpPr>
+          <p:nvPr/>
+        </p:nvCxnSpPr>
+        <p:spPr>
+          <a:xfrm flipH="1">
+            <a:off x="5223092" y="2403360"/>
+            <a:ext cx="643295" cy="224131"/>
+          </a:xfrm>
+          <a:prstGeom prst="line">
+            <a:avLst/>
+          </a:prstGeom>
+          <a:ln w="38100">
+            <a:solidFill>
+              <a:schemeClr val="bg1"/>
+            </a:solidFill>
+          </a:ln>
+        </p:spPr>
+        <p:style>
+          <a:lnRef idx="1">
+            <a:schemeClr val="accent1"/>
+          </a:lnRef>
+          <a:fillRef idx="0">
+            <a:schemeClr val="accent1"/>
+          </a:fillRef>
+          <a:effectRef idx="0">
+            <a:schemeClr val="accent1"/>
+          </a:effectRef>
+          <a:fontRef idx="minor">
+            <a:schemeClr val="tx1"/>
+          </a:fontRef>
+        </p:style>
+      </p:cxnSp>
+      <p:cxnSp>
+        <p:nvCxnSpPr>
+          <p:cNvPr id="64" name="Straight Connector 63"/>
+          <p:cNvCxnSpPr>
+            <a:stCxn id="59" idx="0"/>
+            <a:endCxn id="58" idx="2"/>
+          </p:cNvCxnSpPr>
+          <p:nvPr/>
+        </p:nvCxnSpPr>
+        <p:spPr>
+          <a:xfrm flipH="1" flipV="1">
+            <a:off x="5866387" y="2403360"/>
+            <a:ext cx="663846" cy="224131"/>
+          </a:xfrm>
+          <a:prstGeom prst="line">
+            <a:avLst/>
+          </a:prstGeom>
+          <a:ln w="38100">
+            <a:solidFill>
+              <a:schemeClr val="bg1"/>
+            </a:solidFill>
+          </a:ln>
+        </p:spPr>
+        <p:style>
+          <a:lnRef idx="1">
+            <a:schemeClr val="accent1"/>
+          </a:lnRef>
+          <a:fillRef idx="0">
+            <a:schemeClr val="accent1"/>
+          </a:fillRef>
+          <a:effectRef idx="0">
+            <a:schemeClr val="accent1"/>
+          </a:effectRef>
+          <a:fontRef idx="minor">
+            <a:schemeClr val="tx1"/>
+          </a:fontRef>
+        </p:style>
+      </p:cxnSp>
+      <p:cxnSp>
+        <p:nvCxnSpPr>
+          <p:cNvPr id="67" name="Straight Connector 66"/>
+          <p:cNvCxnSpPr>
+            <a:stCxn id="55" idx="0"/>
+            <a:endCxn id="57" idx="2"/>
+          </p:cNvCxnSpPr>
+          <p:nvPr/>
+        </p:nvCxnSpPr>
+        <p:spPr>
+          <a:xfrm flipV="1">
+            <a:off x="4567114" y="3087621"/>
+            <a:ext cx="655978" cy="224131"/>
+          </a:xfrm>
+          <a:prstGeom prst="line">
+            <a:avLst/>
+          </a:prstGeom>
+          <a:ln w="38100">
+            <a:solidFill>
+              <a:schemeClr val="bg1"/>
+            </a:solidFill>
+          </a:ln>
+        </p:spPr>
+        <p:style>
+          <a:lnRef idx="1">
+            <a:schemeClr val="accent1"/>
+          </a:lnRef>
+          <a:fillRef idx="0">
+            <a:schemeClr val="accent1"/>
+          </a:fillRef>
+          <a:effectRef idx="0">
+            <a:schemeClr val="accent1"/>
+          </a:effectRef>
+          <a:fontRef idx="minor">
+            <a:schemeClr val="tx1"/>
+          </a:fontRef>
+        </p:style>
+      </p:cxnSp>
+      <p:cxnSp>
+        <p:nvCxnSpPr>
+          <p:cNvPr id="70" name="Straight Connector 69"/>
+          <p:cNvCxnSpPr>
+            <a:stCxn id="56" idx="0"/>
+            <a:endCxn id="57" idx="2"/>
+          </p:cNvCxnSpPr>
+          <p:nvPr/>
+        </p:nvCxnSpPr>
+        <p:spPr>
+          <a:xfrm flipH="1" flipV="1">
+            <a:off x="5223092" y="3087621"/>
+            <a:ext cx="643297" cy="224131"/>
+          </a:xfrm>
+          <a:prstGeom prst="line">
+            <a:avLst/>
+          </a:prstGeom>
+          <a:ln w="38100">
+            <a:solidFill>
+              <a:schemeClr val="bg1"/>
+            </a:solidFill>
+          </a:ln>
+        </p:spPr>
+        <p:style>
+          <a:lnRef idx="1">
+            <a:schemeClr val="accent1"/>
+          </a:lnRef>
+          <a:fillRef idx="0">
+            <a:schemeClr val="accent1"/>
+          </a:fillRef>
+          <a:effectRef idx="0">
+            <a:schemeClr val="accent1"/>
+          </a:effectRef>
+          <a:fontRef idx="minor">
+            <a:schemeClr val="tx1"/>
+          </a:fontRef>
+        </p:style>
+      </p:cxnSp>
+      <p:cxnSp>
+        <p:nvCxnSpPr>
+          <p:cNvPr id="73" name="Straight Connector 72"/>
+          <p:cNvCxnSpPr>
+            <a:stCxn id="56" idx="2"/>
+            <a:endCxn id="60" idx="0"/>
+          </p:cNvCxnSpPr>
+          <p:nvPr/>
+        </p:nvCxnSpPr>
+        <p:spPr>
+          <a:xfrm flipH="1">
+            <a:off x="5866388" y="3771882"/>
+            <a:ext cx="1" cy="224131"/>
+          </a:xfrm>
+          <a:prstGeom prst="line">
+            <a:avLst/>
+          </a:prstGeom>
+          <a:ln w="38100">
+            <a:solidFill>
+              <a:schemeClr val="bg1"/>
+            </a:solidFill>
+          </a:ln>
+        </p:spPr>
+        <p:style>
+          <a:lnRef idx="1">
+            <a:schemeClr val="accent1"/>
+          </a:lnRef>
+          <a:fillRef idx="0">
+            <a:schemeClr val="accent1"/>
+          </a:fillRef>
+          <a:effectRef idx="0">
+            <a:schemeClr val="accent1"/>
+          </a:effectRef>
+          <a:fontRef idx="minor">
+            <a:schemeClr val="tx1"/>
+          </a:fontRef>
+        </p:style>
+      </p:cxnSp>
+      <p:sp>
+        <p:nvSpPr>
+          <p:cNvPr id="78" name="TextBox 77"/>
+          <p:cNvSpPr txBox="1"/>
+          <p:nvPr/>
+        </p:nvSpPr>
+        <p:spPr>
+          <a:xfrm>
+            <a:off x="4722695" y="4728865"/>
+            <a:ext cx="1744388" cy="830997"/>
+          </a:xfrm>
+          <a:prstGeom prst="rect">
+            <a:avLst/>
+          </a:prstGeom>
+          <a:noFill/>
+        </p:spPr>
+        <p:txBody>
+          <a:bodyPr wrap="none" rtlCol="0">
+            <a:spAutoFit/>
+          </a:bodyPr>
+          <a:lstStyle/>
+          <a:p>
+            <a:pPr algn="ctr"/>
+            <a:r>
+              <a:rPr lang="en-US" sz="2400" dirty="0" smtClean="0">
+                <a:solidFill>
+                  <a:schemeClr val="bg1"/>
+                </a:solidFill>
+              </a:rPr>
+              <a:t>Virtual DOM</a:t>
+            </a:r>
+            <a:br>
+              <a:rPr lang="en-US" sz="2400" dirty="0" smtClean="0">
+                <a:solidFill>
+                  <a:schemeClr val="bg1"/>
+                </a:solidFill>
+              </a:rPr>
+            </a:br>
+            <a:r>
+              <a:rPr lang="en-US" sz="2400" dirty="0" smtClean="0">
+                <a:solidFill>
+                  <a:schemeClr val="bg1"/>
+                </a:solidFill>
+              </a:rPr>
+              <a:t>(in memory)</a:t>
+            </a:r>
+            <a:endParaRPr lang="en-US" sz="2400" dirty="0">
+              <a:solidFill>
+                <a:schemeClr val="bg1"/>
+              </a:solidFill>
+            </a:endParaRPr>
+          </a:p>
+        </p:txBody>
+      </p:sp>
+      <p:sp>
+        <p:nvSpPr>
+          <p:cNvPr id="79" name="Rectangle 78"/>
+          <p:cNvSpPr/>
+          <p:nvPr/>
+        </p:nvSpPr>
+        <p:spPr>
+          <a:xfrm>
+            <a:off x="8069733" y="3322958"/>
+            <a:ext cx="961293" cy="437717"/>
+          </a:xfrm>
+          <a:prstGeom prst="rect">
+            <a:avLst/>
+          </a:prstGeom>
+          <a:solidFill>
+            <a:schemeClr val="accent6"/>
+          </a:solidFill>
+          <a:ln>
+            <a:noFill/>
+          </a:ln>
+        </p:spPr>
+        <p:style>
+          <a:lnRef idx="2">
+            <a:schemeClr val="accent1">
+              <a:shade val="50000"/>
+            </a:schemeClr>
+          </a:lnRef>
+          <a:fillRef idx="1">
+            <a:schemeClr val="accent1"/>
+          </a:fillRef>
+          <a:effectRef idx="0">
+            <a:schemeClr val="accent1"/>
+          </a:effectRef>
+          <a:fontRef idx="minor">
+            <a:schemeClr val="lt1"/>
+          </a:fontRef>
+        </p:style>
+        <p:txBody>
+          <a:bodyPr rtlCol="0" anchor="ctr"/>
+          <a:lstStyle/>
+          <a:p>
+            <a:pPr algn="ctr"/>
+            <a:endParaRPr lang="en-US"/>
+          </a:p>
+        </p:txBody>
+      </p:sp>
+      <p:sp>
+        <p:nvSpPr>
+          <p:cNvPr id="80" name="Rectangle 79"/>
+          <p:cNvSpPr/>
+          <p:nvPr/>
+        </p:nvSpPr>
+        <p:spPr>
+          <a:xfrm>
+            <a:off x="9369008" y="3322958"/>
+            <a:ext cx="961293" cy="437717"/>
+          </a:xfrm>
+          <a:prstGeom prst="rect">
+            <a:avLst/>
+          </a:prstGeom>
+          <a:solidFill>
+            <a:srgbClr val="FF0000"/>
+          </a:solidFill>
+          <a:ln>
+            <a:noFill/>
+          </a:ln>
+        </p:spPr>
+        <p:style>
+          <a:lnRef idx="2">
+            <a:schemeClr val="accent1">
+              <a:shade val="50000"/>
+            </a:schemeClr>
+          </a:lnRef>
+          <a:fillRef idx="1">
+            <a:schemeClr val="accent1"/>
+          </a:fillRef>
+          <a:effectRef idx="0">
+            <a:schemeClr val="accent1"/>
+          </a:effectRef>
+          <a:fontRef idx="minor">
+            <a:schemeClr val="lt1"/>
+          </a:fontRef>
+        </p:style>
+        <p:txBody>
+          <a:bodyPr rtlCol="0" anchor="ctr"/>
+          <a:lstStyle/>
+          <a:p>
+            <a:pPr algn="ctr"/>
+            <a:endParaRPr lang="en-US"/>
+          </a:p>
+        </p:txBody>
+      </p:sp>
+      <p:sp>
+        <p:nvSpPr>
+          <p:cNvPr id="81" name="Rectangle 80"/>
+          <p:cNvSpPr/>
+          <p:nvPr/>
+        </p:nvSpPr>
+        <p:spPr>
+          <a:xfrm>
+            <a:off x="8725711" y="2638697"/>
+            <a:ext cx="961293" cy="437717"/>
+          </a:xfrm>
+          <a:prstGeom prst="rect">
+            <a:avLst/>
+          </a:prstGeom>
+          <a:solidFill>
+            <a:schemeClr val="accent6"/>
+          </a:solidFill>
+          <a:ln>
+            <a:noFill/>
+          </a:ln>
+        </p:spPr>
+        <p:style>
+          <a:lnRef idx="2">
+            <a:schemeClr val="accent1">
+              <a:shade val="50000"/>
+            </a:schemeClr>
+          </a:lnRef>
+          <a:fillRef idx="1">
+            <a:schemeClr val="accent1"/>
+          </a:fillRef>
+          <a:effectRef idx="0">
+            <a:schemeClr val="accent1"/>
+          </a:effectRef>
+          <a:fontRef idx="minor">
+            <a:schemeClr val="lt1"/>
+          </a:fontRef>
+        </p:style>
+        <p:txBody>
+          <a:bodyPr rtlCol="0" anchor="ctr"/>
+          <a:lstStyle/>
+          <a:p>
+            <a:pPr algn="ctr"/>
+            <a:endParaRPr lang="en-US"/>
+          </a:p>
+        </p:txBody>
+      </p:sp>
+      <p:sp>
+        <p:nvSpPr>
+          <p:cNvPr id="82" name="Rectangle 81"/>
+          <p:cNvSpPr/>
+          <p:nvPr/>
+        </p:nvSpPr>
+        <p:spPr>
+          <a:xfrm>
+            <a:off x="9369006" y="1954436"/>
+            <a:ext cx="961293" cy="437717"/>
+          </a:xfrm>
+          <a:prstGeom prst="rect">
+            <a:avLst/>
+          </a:prstGeom>
+          <a:solidFill>
+            <a:schemeClr val="accent6"/>
+          </a:solidFill>
+          <a:ln>
+            <a:noFill/>
+          </a:ln>
+        </p:spPr>
+        <p:style>
+          <a:lnRef idx="2">
+            <a:schemeClr val="accent1">
+              <a:shade val="50000"/>
+            </a:schemeClr>
+          </a:lnRef>
+          <a:fillRef idx="1">
+            <a:schemeClr val="accent1"/>
+          </a:fillRef>
+          <a:effectRef idx="0">
+            <a:schemeClr val="accent1"/>
+          </a:effectRef>
+          <a:fontRef idx="minor">
+            <a:schemeClr val="lt1"/>
+          </a:fontRef>
+        </p:style>
+        <p:txBody>
+          <a:bodyPr rtlCol="0" anchor="ctr"/>
+          <a:lstStyle/>
+          <a:p>
+            <a:pPr algn="ctr"/>
+            <a:endParaRPr lang="en-US"/>
+          </a:p>
+        </p:txBody>
+      </p:sp>
+      <p:sp>
+        <p:nvSpPr>
+          <p:cNvPr id="83" name="Rectangle 82"/>
+          <p:cNvSpPr/>
+          <p:nvPr/>
+        </p:nvSpPr>
+        <p:spPr>
+          <a:xfrm>
+            <a:off x="10032852" y="2638697"/>
+            <a:ext cx="961293" cy="437717"/>
+          </a:xfrm>
+          <a:prstGeom prst="rect">
+            <a:avLst/>
+          </a:prstGeom>
+          <a:solidFill>
+            <a:srgbClr val="FF0000"/>
+          </a:solidFill>
+          <a:ln>
+            <a:noFill/>
+          </a:ln>
+        </p:spPr>
+        <p:style>
+          <a:lnRef idx="2">
+            <a:schemeClr val="accent1">
+              <a:shade val="50000"/>
+            </a:schemeClr>
+          </a:lnRef>
+          <a:fillRef idx="1">
+            <a:schemeClr val="accent1"/>
+          </a:fillRef>
+          <a:effectRef idx="0">
+            <a:schemeClr val="accent1"/>
+          </a:effectRef>
+          <a:fontRef idx="minor">
+            <a:schemeClr val="lt1"/>
+          </a:fontRef>
+        </p:style>
+        <p:txBody>
+          <a:bodyPr rtlCol="0" anchor="ctr"/>
+          <a:lstStyle/>
+          <a:p>
+            <a:pPr algn="ctr"/>
+            <a:endParaRPr lang="en-US"/>
+          </a:p>
+        </p:txBody>
+      </p:sp>
+      <p:sp>
+        <p:nvSpPr>
+          <p:cNvPr id="84" name="Rectangle 83"/>
+          <p:cNvSpPr/>
+          <p:nvPr/>
+        </p:nvSpPr>
+        <p:spPr>
+          <a:xfrm>
+            <a:off x="9369007" y="4007219"/>
+            <a:ext cx="961293" cy="437717"/>
+          </a:xfrm>
+          <a:prstGeom prst="rect">
+            <a:avLst/>
+          </a:prstGeom>
+          <a:solidFill>
+            <a:srgbClr val="FF0000"/>
+          </a:solidFill>
+          <a:ln>
+            <a:noFill/>
+          </a:ln>
+        </p:spPr>
+        <p:style>
+          <a:lnRef idx="2">
+            <a:schemeClr val="accent1">
+              <a:shade val="50000"/>
+            </a:schemeClr>
+          </a:lnRef>
+          <a:fillRef idx="1">
+            <a:schemeClr val="accent1"/>
+          </a:fillRef>
+          <a:effectRef idx="0">
+            <a:schemeClr val="accent1"/>
+          </a:effectRef>
+          <a:fontRef idx="minor">
+            <a:schemeClr val="lt1"/>
+          </a:fontRef>
+        </p:style>
+        <p:txBody>
+          <a:bodyPr rtlCol="0" anchor="ctr"/>
+          <a:lstStyle/>
+          <a:p>
+            <a:pPr algn="ctr"/>
+            <a:endParaRPr lang="en-US"/>
+          </a:p>
+        </p:txBody>
+      </p:sp>
+      <p:cxnSp>
+        <p:nvCxnSpPr>
+          <p:cNvPr id="85" name="Straight Connector 84"/>
+          <p:cNvCxnSpPr/>
+          <p:nvPr/>
+        </p:nvCxnSpPr>
+        <p:spPr>
+          <a:xfrm flipH="1">
+            <a:off x="9206358" y="2403360"/>
+            <a:ext cx="643295" cy="224131"/>
+          </a:xfrm>
+          <a:prstGeom prst="line">
+            <a:avLst/>
+          </a:prstGeom>
+          <a:ln w="38100">
+            <a:solidFill>
+              <a:schemeClr val="bg1"/>
+            </a:solidFill>
+          </a:ln>
+        </p:spPr>
+        <p:style>
+          <a:lnRef idx="1">
+            <a:schemeClr val="accent1"/>
+          </a:lnRef>
+          <a:fillRef idx="0">
+            <a:schemeClr val="accent1"/>
+          </a:fillRef>
+          <a:effectRef idx="0">
+            <a:schemeClr val="accent1"/>
+          </a:effectRef>
+          <a:fontRef idx="minor">
+            <a:schemeClr val="tx1"/>
+          </a:fontRef>
+        </p:style>
+      </p:cxnSp>
+      <p:cxnSp>
+        <p:nvCxnSpPr>
+          <p:cNvPr id="86" name="Straight Connector 85"/>
+          <p:cNvCxnSpPr/>
+          <p:nvPr/>
+        </p:nvCxnSpPr>
+        <p:spPr>
+          <a:xfrm flipH="1" flipV="1">
+            <a:off x="9849653" y="2403360"/>
+            <a:ext cx="663846" cy="224131"/>
+          </a:xfrm>
+          <a:prstGeom prst="line">
+            <a:avLst/>
+          </a:prstGeom>
+          <a:ln w="38100">
+            <a:solidFill>
+              <a:schemeClr val="bg1"/>
+            </a:solidFill>
+          </a:ln>
+        </p:spPr>
+        <p:style>
+          <a:lnRef idx="1">
+            <a:schemeClr val="accent1"/>
+          </a:lnRef>
+          <a:fillRef idx="0">
+            <a:schemeClr val="accent1"/>
+          </a:fillRef>
+          <a:effectRef idx="0">
+            <a:schemeClr val="accent1"/>
+          </a:effectRef>
+          <a:fontRef idx="minor">
+            <a:schemeClr val="tx1"/>
+          </a:fontRef>
+        </p:style>
+      </p:cxnSp>
+      <p:cxnSp>
+        <p:nvCxnSpPr>
+          <p:cNvPr id="87" name="Straight Connector 86"/>
+          <p:cNvCxnSpPr/>
+          <p:nvPr/>
+        </p:nvCxnSpPr>
+        <p:spPr>
+          <a:xfrm flipV="1">
+            <a:off x="8550380" y="3087621"/>
+            <a:ext cx="655978" cy="224131"/>
+          </a:xfrm>
+          <a:prstGeom prst="line">
+            <a:avLst/>
+          </a:prstGeom>
+          <a:ln w="38100">
+            <a:solidFill>
+              <a:schemeClr val="bg1"/>
+            </a:solidFill>
+          </a:ln>
+        </p:spPr>
+        <p:style>
+          <a:lnRef idx="1">
+            <a:schemeClr val="accent1"/>
+          </a:lnRef>
+          <a:fillRef idx="0">
+            <a:schemeClr val="accent1"/>
+          </a:fillRef>
+          <a:effectRef idx="0">
+            <a:schemeClr val="accent1"/>
+          </a:effectRef>
+          <a:fontRef idx="minor">
+            <a:schemeClr val="tx1"/>
+          </a:fontRef>
+        </p:style>
+      </p:cxnSp>
+      <p:cxnSp>
+        <p:nvCxnSpPr>
+          <p:cNvPr id="88" name="Straight Connector 87"/>
+          <p:cNvCxnSpPr/>
+          <p:nvPr/>
+        </p:nvCxnSpPr>
+        <p:spPr>
+          <a:xfrm flipH="1" flipV="1">
+            <a:off x="9206358" y="3087621"/>
+            <a:ext cx="643297" cy="224131"/>
+          </a:xfrm>
+          <a:prstGeom prst="line">
+            <a:avLst/>
+          </a:prstGeom>
+          <a:ln w="38100">
+            <a:solidFill>
+              <a:schemeClr val="bg1"/>
+            </a:solidFill>
+          </a:ln>
+        </p:spPr>
+        <p:style>
+          <a:lnRef idx="1">
+            <a:schemeClr val="accent1"/>
+          </a:lnRef>
+          <a:fillRef idx="0">
+            <a:schemeClr val="accent1"/>
+          </a:fillRef>
+          <a:effectRef idx="0">
+            <a:schemeClr val="accent1"/>
+          </a:effectRef>
+          <a:fontRef idx="minor">
+            <a:schemeClr val="tx1"/>
+          </a:fontRef>
+        </p:style>
+      </p:cxnSp>
+      <p:cxnSp>
+        <p:nvCxnSpPr>
+          <p:cNvPr id="89" name="Straight Connector 88"/>
+          <p:cNvCxnSpPr/>
+          <p:nvPr/>
+        </p:nvCxnSpPr>
+        <p:spPr>
+          <a:xfrm flipH="1">
+            <a:off x="9849654" y="3771882"/>
+            <a:ext cx="1" cy="224131"/>
+          </a:xfrm>
+          <a:prstGeom prst="line">
+            <a:avLst/>
+          </a:prstGeom>
+          <a:ln w="38100">
+            <a:solidFill>
+              <a:schemeClr val="bg1"/>
+            </a:solidFill>
+          </a:ln>
+        </p:spPr>
+        <p:style>
+          <a:lnRef idx="1">
+            <a:schemeClr val="accent1"/>
+          </a:lnRef>
+          <a:fillRef idx="0">
+            <a:schemeClr val="accent1"/>
+          </a:fillRef>
+          <a:effectRef idx="0">
+            <a:schemeClr val="accent1"/>
+          </a:effectRef>
+          <a:fontRef idx="minor">
+            <a:schemeClr val="tx1"/>
+          </a:fontRef>
+        </p:style>
+      </p:cxnSp>
+      <p:sp>
+        <p:nvSpPr>
+          <p:cNvPr id="90" name="TextBox 89"/>
+          <p:cNvSpPr txBox="1"/>
+          <p:nvPr/>
+        </p:nvSpPr>
+        <p:spPr>
+          <a:xfrm>
+            <a:off x="8780504" y="4688320"/>
+            <a:ext cx="1938096" cy="461665"/>
+          </a:xfrm>
+          <a:prstGeom prst="rect">
+            <a:avLst/>
+          </a:prstGeom>
+          <a:noFill/>
+        </p:spPr>
+        <p:txBody>
+          <a:bodyPr wrap="none" rtlCol="0">
+            <a:spAutoFit/>
+          </a:bodyPr>
+          <a:lstStyle/>
+          <a:p>
+            <a:pPr algn="ctr"/>
+            <a:r>
+              <a:rPr lang="en-US" sz="2400" dirty="0" smtClean="0">
+                <a:solidFill>
+                  <a:schemeClr val="bg1"/>
+                </a:solidFill>
+              </a:rPr>
+              <a:t>Browser DOM</a:t>
+            </a:r>
+            <a:endParaRPr lang="en-US" sz="2400" dirty="0">
+              <a:solidFill>
+                <a:schemeClr val="bg1"/>
+              </a:solidFill>
+            </a:endParaRPr>
+          </a:p>
+        </p:txBody>
+      </p:sp>
+    </p:spTree>
+    <p:extLst>
+      <p:ext uri="{BB962C8B-B14F-4D97-AF65-F5344CB8AC3E}">
+        <p14:creationId xmlns:p14="http://schemas.microsoft.com/office/powerpoint/2010/main" val="1146102058"/>
+      </p:ext>
+    </p:extLst>
+  </p:cSld>
+  <p:clrMapOvr>
+    <a:masterClrMapping/>
+  </p:clrMapOvr>
+</p:sld>
+</file>
+
 <file path=ppt/slides/slide2.xml><?xml version="1.0" encoding="utf-8"?>
 <p:sld xmlns:a="http://schemas.openxmlformats.org/drawingml/2006/main" xmlns:r="http://schemas.openxmlformats.org/officeDocument/2006/relationships" xmlns:p="http://schemas.openxmlformats.org/presentationml/2006/main">
   <p:cSld>
@@ -5650,22 +7202,326 @@
       </p:grpSpPr>
       <p:sp>
         <p:nvSpPr>
-          <p:cNvPr id="4" name="Oval 3"/>
+          <p:cNvPr id="2" name="Rectangle 1"/>
           <p:cNvSpPr/>
           <p:nvPr/>
         </p:nvSpPr>
         <p:spPr>
           <a:xfrm>
-            <a:off x="701749" y="3346191"/>
-            <a:ext cx="552893" cy="552893"/>
+            <a:off x="1555109" y="2714495"/>
+            <a:ext cx="1943461" cy="1039903"/>
+          </a:xfrm>
+          <a:prstGeom prst="rect">
+            <a:avLst/>
+          </a:prstGeom>
+          <a:ln>
+            <a:noFill/>
+          </a:ln>
+        </p:spPr>
+        <p:style>
+          <a:lnRef idx="2">
+            <a:schemeClr val="accent4">
+              <a:shade val="50000"/>
+            </a:schemeClr>
+          </a:lnRef>
+          <a:fillRef idx="1">
+            <a:schemeClr val="accent4"/>
+          </a:fillRef>
+          <a:effectRef idx="0">
+            <a:schemeClr val="accent4"/>
+          </a:effectRef>
+          <a:fontRef idx="minor">
+            <a:schemeClr val="lt1"/>
+          </a:fontRef>
+        </p:style>
+        <p:txBody>
+          <a:bodyPr rtlCol="0" anchor="ctr"/>
+          <a:lstStyle/>
+          <a:p>
+            <a:pPr algn="ctr"/>
+            <a:r>
+              <a:rPr lang="en-US" sz="2000" dirty="0" smtClean="0"/>
+              <a:t>Store action:</a:t>
+            </a:r>
+            <a:br>
+              <a:rPr lang="en-US" sz="2000" dirty="0" smtClean="0"/>
+            </a:br>
+            <a:r>
+              <a:rPr lang="en-US" sz="1400" dirty="0" err="1" smtClean="0"/>
+              <a:t>addToSelection</a:t>
+            </a:r>
+            <a:r>
+              <a:rPr lang="en-US" sz="1400" dirty="0" smtClean="0"/>
+              <a:t>()</a:t>
+            </a:r>
+            <a:endParaRPr lang="en-US" sz="1400" dirty="0"/>
+          </a:p>
+        </p:txBody>
+      </p:sp>
+      <p:sp>
+        <p:nvSpPr>
+          <p:cNvPr id="12" name="Rectangle 11"/>
+          <p:cNvSpPr/>
+          <p:nvPr/>
+        </p:nvSpPr>
+        <p:spPr>
+          <a:xfrm>
+            <a:off x="6286139" y="3421641"/>
+            <a:ext cx="2447043" cy="1039903"/>
+          </a:xfrm>
+          <a:prstGeom prst="rect">
+            <a:avLst/>
+          </a:prstGeom>
+          <a:solidFill>
+            <a:srgbClr val="00A44D"/>
+          </a:solidFill>
+          <a:ln>
+            <a:noFill/>
+          </a:ln>
+        </p:spPr>
+        <p:style>
+          <a:lnRef idx="2">
+            <a:schemeClr val="accent4">
+              <a:shade val="50000"/>
+            </a:schemeClr>
+          </a:lnRef>
+          <a:fillRef idx="1">
+            <a:schemeClr val="accent4"/>
+          </a:fillRef>
+          <a:effectRef idx="0">
+            <a:schemeClr val="accent4"/>
+          </a:effectRef>
+          <a:fontRef idx="minor">
+            <a:schemeClr val="lt1"/>
+          </a:fontRef>
+        </p:style>
+        <p:txBody>
+          <a:bodyPr rtlCol="0" anchor="ctr"/>
+          <a:lstStyle/>
+          <a:p>
+            <a:pPr algn="ctr"/>
+            <a:r>
+              <a:rPr lang="en-US" dirty="0"/>
+              <a:t>Module/</a:t>
+            </a:r>
+            <a:r>
+              <a:rPr lang="en-US" dirty="0" err="1"/>
+              <a:t>HostelSelection</a:t>
+            </a:r>
+            <a:r>
+              <a:rPr lang="en-US" sz="2000" dirty="0"/>
+              <a:t/>
+            </a:r>
+            <a:br>
+              <a:rPr lang="en-US" sz="2000" dirty="0"/>
+            </a:br>
+            <a:r>
+              <a:rPr lang="en-US" sz="1400" dirty="0"/>
+              <a:t> mutation: </a:t>
+            </a:r>
+            <a:r>
+              <a:rPr lang="en-US" sz="1400" dirty="0" err="1"/>
+              <a:t>addToSelection</a:t>
+            </a:r>
+            <a:endParaRPr lang="en-US" sz="1400" dirty="0"/>
+          </a:p>
+        </p:txBody>
+      </p:sp>
+      <p:sp>
+        <p:nvSpPr>
+          <p:cNvPr id="13" name="Rectangle 12"/>
+          <p:cNvSpPr/>
+          <p:nvPr/>
+        </p:nvSpPr>
+        <p:spPr>
+          <a:xfrm>
+            <a:off x="6286138" y="1919365"/>
+            <a:ext cx="2447043" cy="1039903"/>
+          </a:xfrm>
+          <a:prstGeom prst="rect">
+            <a:avLst/>
+          </a:prstGeom>
+          <a:solidFill>
+            <a:srgbClr val="00A44D"/>
+          </a:solidFill>
+          <a:ln>
+            <a:noFill/>
+          </a:ln>
+        </p:spPr>
+        <p:style>
+          <a:lnRef idx="2">
+            <a:schemeClr val="accent4">
+              <a:shade val="50000"/>
+            </a:schemeClr>
+          </a:lnRef>
+          <a:fillRef idx="1">
+            <a:schemeClr val="accent4"/>
+          </a:fillRef>
+          <a:effectRef idx="0">
+            <a:schemeClr val="accent4"/>
+          </a:effectRef>
+          <a:fontRef idx="minor">
+            <a:schemeClr val="lt1"/>
+          </a:fontRef>
+        </p:style>
+        <p:txBody>
+          <a:bodyPr rtlCol="0" anchor="ctr"/>
+          <a:lstStyle/>
+          <a:p>
+            <a:pPr algn="ctr"/>
+            <a:r>
+              <a:rPr lang="en-US" dirty="0" smtClean="0"/>
+              <a:t>Module/</a:t>
+            </a:r>
+            <a:r>
+              <a:rPr lang="en-US" dirty="0" err="1" smtClean="0"/>
+              <a:t>HostelList</a:t>
+            </a:r>
+            <a:r>
+              <a:rPr lang="en-US" sz="2000" dirty="0" smtClean="0"/>
+              <a:t/>
+            </a:r>
+            <a:br>
+              <a:rPr lang="en-US" sz="2000" dirty="0" smtClean="0"/>
+            </a:br>
+            <a:r>
+              <a:rPr lang="en-US" sz="1400" dirty="0" smtClean="0"/>
+              <a:t>mutation: </a:t>
+            </a:r>
+            <a:r>
+              <a:rPr lang="en-US" sz="1400" dirty="0" err="1" smtClean="0"/>
+              <a:t>addToSelection</a:t>
+            </a:r>
+            <a:endParaRPr lang="en-US" sz="2000" dirty="0"/>
+          </a:p>
+        </p:txBody>
+      </p:sp>
+      <p:cxnSp>
+        <p:nvCxnSpPr>
+          <p:cNvPr id="17" name="Straight Arrow Connector 16"/>
+          <p:cNvCxnSpPr>
+            <a:stCxn id="25" idx="6"/>
+            <a:endCxn id="12" idx="1"/>
+          </p:cNvCxnSpPr>
+          <p:nvPr/>
+        </p:nvCxnSpPr>
+        <p:spPr>
+          <a:xfrm>
+            <a:off x="5369432" y="3224312"/>
+            <a:ext cx="916707" cy="717281"/>
+          </a:xfrm>
+          <a:prstGeom prst="straightConnector1">
+            <a:avLst/>
+          </a:prstGeom>
+          <a:ln w="76200">
+            <a:tailEnd type="triangle"/>
+          </a:ln>
+        </p:spPr>
+        <p:style>
+          <a:lnRef idx="1">
+            <a:schemeClr val="accent3"/>
+          </a:lnRef>
+          <a:fillRef idx="0">
+            <a:schemeClr val="accent3"/>
+          </a:fillRef>
+          <a:effectRef idx="0">
+            <a:schemeClr val="accent3"/>
+          </a:effectRef>
+          <a:fontRef idx="minor">
+            <a:schemeClr val="tx1"/>
+          </a:fontRef>
+        </p:style>
+      </p:cxnSp>
+      <p:cxnSp>
+        <p:nvCxnSpPr>
+          <p:cNvPr id="21" name="Straight Arrow Connector 20"/>
+          <p:cNvCxnSpPr>
+            <a:stCxn id="25" idx="6"/>
+            <a:endCxn id="13" idx="1"/>
+          </p:cNvCxnSpPr>
+          <p:nvPr/>
+        </p:nvCxnSpPr>
+        <p:spPr>
+          <a:xfrm flipV="1">
+            <a:off x="5369432" y="2439317"/>
+            <a:ext cx="916706" cy="784995"/>
+          </a:xfrm>
+          <a:prstGeom prst="straightConnector1">
+            <a:avLst/>
+          </a:prstGeom>
+          <a:ln w="76200">
+            <a:tailEnd type="triangle"/>
+          </a:ln>
+        </p:spPr>
+        <p:style>
+          <a:lnRef idx="1">
+            <a:schemeClr val="accent3"/>
+          </a:lnRef>
+          <a:fillRef idx="0">
+            <a:schemeClr val="accent3"/>
+          </a:fillRef>
+          <a:effectRef idx="0">
+            <a:schemeClr val="accent3"/>
+          </a:effectRef>
+          <a:fontRef idx="minor">
+            <a:schemeClr val="tx1"/>
+          </a:fontRef>
+        </p:style>
+      </p:cxnSp>
+      <p:cxnSp>
+        <p:nvCxnSpPr>
+          <p:cNvPr id="24" name="Straight Arrow Connector 23"/>
+          <p:cNvCxnSpPr>
+            <a:stCxn id="2" idx="3"/>
+            <a:endCxn id="25" idx="2"/>
+          </p:cNvCxnSpPr>
+          <p:nvPr/>
+        </p:nvCxnSpPr>
+        <p:spPr>
+          <a:xfrm flipV="1">
+            <a:off x="3498570" y="3224312"/>
+            <a:ext cx="810689" cy="10135"/>
+          </a:xfrm>
+          <a:prstGeom prst="straightConnector1">
+            <a:avLst/>
+          </a:prstGeom>
+          <a:ln w="76200">
+            <a:tailEnd type="triangle"/>
+          </a:ln>
+        </p:spPr>
+        <p:style>
+          <a:lnRef idx="1">
+            <a:schemeClr val="accent3"/>
+          </a:lnRef>
+          <a:fillRef idx="0">
+            <a:schemeClr val="accent3"/>
+          </a:fillRef>
+          <a:effectRef idx="0">
+            <a:schemeClr val="accent3"/>
+          </a:effectRef>
+          <a:fontRef idx="minor">
+            <a:schemeClr val="tx1"/>
+          </a:fontRef>
+        </p:style>
+      </p:cxnSp>
+      <p:sp>
+        <p:nvSpPr>
+          <p:cNvPr id="25" name="Oval 24"/>
+          <p:cNvSpPr/>
+          <p:nvPr/>
+        </p:nvSpPr>
+        <p:spPr>
+          <a:xfrm>
+            <a:off x="4309259" y="2694225"/>
+            <a:ext cx="1060173" cy="1060173"/>
           </a:xfrm>
           <a:prstGeom prst="ellipse">
             <a:avLst/>
           </a:prstGeom>
           <a:solidFill>
-            <a:schemeClr val="accent4"/>
+            <a:schemeClr val="accent2"/>
           </a:solidFill>
-          <a:ln w="0">
+          <a:ln>
             <a:noFill/>
           </a:ln>
         </p:spPr>
@@ -5690,204 +7546,57 @@
           <a:lstStyle/>
           <a:p>
             <a:pPr algn="ctr"/>
-            <a:endParaRPr lang="en-US"/>
-          </a:p>
-        </p:txBody>
-      </p:sp>
-      <p:sp>
-        <p:nvSpPr>
-          <p:cNvPr id="5" name="Oval 4"/>
-          <p:cNvSpPr/>
-          <p:nvPr/>
-        </p:nvSpPr>
-        <p:spPr>
-          <a:xfrm>
-            <a:off x="1599379" y="2346182"/>
-            <a:ext cx="552893" cy="552893"/>
-          </a:xfrm>
-          <a:prstGeom prst="ellipse">
-            <a:avLst/>
-          </a:prstGeom>
-          <a:solidFill>
-            <a:schemeClr val="accent4"/>
-          </a:solidFill>
-          <a:ln w="0">
-            <a:noFill/>
-          </a:ln>
-        </p:spPr>
-        <p:style>
-          <a:lnRef idx="2">
-            <a:schemeClr val="accent1">
-              <a:shade val="50000"/>
-            </a:schemeClr>
-          </a:lnRef>
-          <a:fillRef idx="1">
-            <a:schemeClr val="accent1"/>
-          </a:fillRef>
-          <a:effectRef idx="0">
-            <a:schemeClr val="accent1"/>
-          </a:effectRef>
-          <a:fontRef idx="minor">
-            <a:schemeClr val="lt1"/>
-          </a:fontRef>
-        </p:style>
-        <p:txBody>
-          <a:bodyPr rtlCol="0" anchor="ctr"/>
-          <a:lstStyle/>
-          <a:p>
-            <a:pPr algn="ctr"/>
-            <a:endParaRPr lang="en-US"/>
-          </a:p>
-        </p:txBody>
-      </p:sp>
-      <p:sp>
-        <p:nvSpPr>
-          <p:cNvPr id="6" name="Oval 5"/>
-          <p:cNvSpPr/>
-          <p:nvPr/>
-        </p:nvSpPr>
-        <p:spPr>
-          <a:xfrm>
-            <a:off x="1518410" y="3951699"/>
-            <a:ext cx="552893" cy="552893"/>
-          </a:xfrm>
-          <a:prstGeom prst="ellipse">
-            <a:avLst/>
-          </a:prstGeom>
-          <a:solidFill>
-            <a:schemeClr val="accent4"/>
-          </a:solidFill>
-          <a:ln w="0">
-            <a:noFill/>
-          </a:ln>
-        </p:spPr>
-        <p:style>
-          <a:lnRef idx="2">
-            <a:schemeClr val="accent1">
-              <a:shade val="50000"/>
-            </a:schemeClr>
-          </a:lnRef>
-          <a:fillRef idx="1">
-            <a:schemeClr val="accent1"/>
-          </a:fillRef>
-          <a:effectRef idx="0">
-            <a:schemeClr val="accent1"/>
-          </a:effectRef>
-          <a:fontRef idx="minor">
-            <a:schemeClr val="lt1"/>
-          </a:fontRef>
-        </p:style>
-        <p:txBody>
-          <a:bodyPr rtlCol="0" anchor="ctr"/>
-          <a:lstStyle/>
-          <a:p>
-            <a:pPr algn="ctr"/>
-            <a:endParaRPr lang="en-US"/>
-          </a:p>
-        </p:txBody>
-      </p:sp>
-      <p:sp>
-        <p:nvSpPr>
-          <p:cNvPr id="7" name="Oval 6"/>
-          <p:cNvSpPr/>
-          <p:nvPr/>
-        </p:nvSpPr>
-        <p:spPr>
-          <a:xfrm>
-            <a:off x="874117" y="1793289"/>
-            <a:ext cx="552893" cy="552893"/>
-          </a:xfrm>
-          <a:prstGeom prst="ellipse">
-            <a:avLst/>
-          </a:prstGeom>
-          <a:solidFill>
-            <a:schemeClr val="accent4"/>
-          </a:solidFill>
-          <a:ln w="0">
-            <a:noFill/>
-          </a:ln>
-        </p:spPr>
-        <p:style>
-          <a:lnRef idx="2">
-            <a:schemeClr val="accent1">
-              <a:shade val="50000"/>
-            </a:schemeClr>
-          </a:lnRef>
-          <a:fillRef idx="1">
-            <a:schemeClr val="accent1"/>
-          </a:fillRef>
-          <a:effectRef idx="0">
-            <a:schemeClr val="accent1"/>
-          </a:effectRef>
-          <a:fontRef idx="minor">
-            <a:schemeClr val="lt1"/>
-          </a:fontRef>
-        </p:style>
-        <p:txBody>
-          <a:bodyPr rtlCol="0" anchor="ctr"/>
-          <a:lstStyle/>
-          <a:p>
-            <a:pPr algn="ctr"/>
-            <a:endParaRPr lang="en-US"/>
-          </a:p>
-        </p:txBody>
-      </p:sp>
-      <p:sp>
-        <p:nvSpPr>
-          <p:cNvPr id="8" name="Oval 7"/>
-          <p:cNvSpPr/>
-          <p:nvPr/>
-        </p:nvSpPr>
-        <p:spPr>
-          <a:xfrm>
-            <a:off x="2339566" y="3028986"/>
-            <a:ext cx="552893" cy="552893"/>
-          </a:xfrm>
-          <a:prstGeom prst="ellipse">
-            <a:avLst/>
-          </a:prstGeom>
-          <a:solidFill>
-            <a:schemeClr val="accent4"/>
-          </a:solidFill>
-          <a:ln w="0">
-            <a:noFill/>
-          </a:ln>
-        </p:spPr>
-        <p:style>
-          <a:lnRef idx="2">
-            <a:schemeClr val="accent1">
-              <a:shade val="50000"/>
-            </a:schemeClr>
-          </a:lnRef>
-          <a:fillRef idx="1">
-            <a:schemeClr val="accent1"/>
-          </a:fillRef>
-          <a:effectRef idx="0">
-            <a:schemeClr val="accent1"/>
-          </a:effectRef>
-          <a:fontRef idx="minor">
-            <a:schemeClr val="lt1"/>
-          </a:fontRef>
-        </p:style>
-        <p:txBody>
-          <a:bodyPr rtlCol="0" anchor="ctr"/>
-          <a:lstStyle/>
-          <a:p>
-            <a:pPr algn="ctr"/>
-            <a:endParaRPr lang="en-US"/>
-          </a:p>
-        </p:txBody>
-      </p:sp>
-      <p:sp>
-        <p:nvSpPr>
-          <p:cNvPr id="9" name="TextBox 8"/>
+            <a:r>
+              <a:rPr lang="en-US" sz="1400" dirty="0" smtClean="0"/>
+              <a:t>commit</a:t>
+            </a:r>
+            <a:endParaRPr lang="en-US" sz="1400" dirty="0"/>
+          </a:p>
+        </p:txBody>
+      </p:sp>
+      <p:cxnSp>
+        <p:nvCxnSpPr>
+          <p:cNvPr id="70" name="Straight Arrow Connector 69"/>
+          <p:cNvCxnSpPr/>
+          <p:nvPr/>
+        </p:nvCxnSpPr>
+        <p:spPr>
+          <a:xfrm flipV="1">
+            <a:off x="755374" y="3219244"/>
+            <a:ext cx="746728" cy="15203"/>
+          </a:xfrm>
+          <a:prstGeom prst="straightConnector1">
+            <a:avLst/>
+          </a:prstGeom>
+          <a:ln w="76200">
+            <a:tailEnd type="triangle"/>
+          </a:ln>
+        </p:spPr>
+        <p:style>
+          <a:lnRef idx="1">
+            <a:schemeClr val="accent3"/>
+          </a:lnRef>
+          <a:fillRef idx="0">
+            <a:schemeClr val="accent3"/>
+          </a:fillRef>
+          <a:effectRef idx="0">
+            <a:schemeClr val="accent3"/>
+          </a:effectRef>
+          <a:fontRef idx="minor">
+            <a:schemeClr val="tx1"/>
+          </a:fontRef>
+        </p:style>
+      </p:cxnSp>
+      <p:sp>
+        <p:nvSpPr>
+          <p:cNvPr id="7" name="TextBox 6"/>
           <p:cNvSpPr txBox="1"/>
           <p:nvPr/>
         </p:nvSpPr>
         <p:spPr>
           <a:xfrm>
-            <a:off x="1005019" y="4732115"/>
-            <a:ext cx="995785" cy="461665"/>
+            <a:off x="9439286" y="2254650"/>
+            <a:ext cx="1772921" cy="369332"/>
           </a:xfrm>
           <a:prstGeom prst="rect">
             <a:avLst/>
@@ -5901,14 +7610,14 @@
           <a:lstStyle/>
           <a:p>
             <a:r>
-              <a:rPr lang="en-US" sz="2400" dirty="0" smtClean="0">
+              <a:rPr lang="en-US" dirty="0" smtClean="0">
                 <a:solidFill>
                   <a:schemeClr val="bg1"/>
                 </a:solidFill>
               </a:rPr>
-              <a:t>Model</a:t>
+              <a:t>Remove from list</a:t>
             </a:r>
-            <a:endParaRPr lang="en-US" sz="2400" dirty="0">
+            <a:endParaRPr lang="en-US" dirty="0">
               <a:solidFill>
                 <a:schemeClr val="bg1"/>
               </a:solidFill>
@@ -5918,36 +7627,34 @@
       </p:sp>
       <p:cxnSp>
         <p:nvCxnSpPr>
-          <p:cNvPr id="18" name="Straight Connector 17"/>
+          <p:cNvPr id="15" name="Straight Arrow Connector 14"/>
           <p:cNvCxnSpPr>
-            <a:stCxn id="7" idx="5"/>
-            <a:endCxn id="5" idx="2"/>
+            <a:stCxn id="13" idx="3"/>
+            <a:endCxn id="7" idx="1"/>
           </p:cNvCxnSpPr>
           <p:nvPr/>
         </p:nvCxnSpPr>
         <p:spPr>
-          <a:xfrm>
-            <a:off x="1346041" y="2265213"/>
-            <a:ext cx="253338" cy="357416"/>
-          </a:xfrm>
-          <a:prstGeom prst="line">
-            <a:avLst/>
-          </a:prstGeom>
-          <a:ln w="38100">
-            <a:solidFill>
-              <a:schemeClr val="bg1"/>
-            </a:solidFill>
+          <a:xfrm flipV="1">
+            <a:off x="8733181" y="2439316"/>
+            <a:ext cx="706105" cy="1"/>
+          </a:xfrm>
+          <a:prstGeom prst="straightConnector1">
+            <a:avLst/>
+          </a:prstGeom>
+          <a:ln w="76200">
+            <a:tailEnd type="triangle"/>
           </a:ln>
         </p:spPr>
         <p:style>
           <a:lnRef idx="1">
-            <a:schemeClr val="accent1"/>
+            <a:schemeClr val="accent3"/>
           </a:lnRef>
           <a:fillRef idx="0">
-            <a:schemeClr val="accent1"/>
-          </a:fillRef>
-          <a:effectRef idx="0">
-            <a:schemeClr val="accent1"/>
+            <a:schemeClr val="accent3"/>
+          </a:fillRef>
+          <a:effectRef idx="0">
+            <a:schemeClr val="accent3"/>
           </a:effectRef>
           <a:fontRef idx="minor">
             <a:schemeClr val="tx1"/>
@@ -5956,713 +7663,35 @@
       </p:cxnSp>
       <p:sp>
         <p:nvSpPr>
-          <p:cNvPr id="77" name="Rounded Rectangle 76"/>
-          <p:cNvSpPr/>
-          <p:nvPr/>
-        </p:nvSpPr>
-        <p:spPr>
-          <a:xfrm>
-            <a:off x="3843580" y="1793289"/>
-            <a:ext cx="3502618" cy="2740204"/>
-          </a:xfrm>
-          <a:prstGeom prst="roundRect">
-            <a:avLst/>
-          </a:prstGeom>
-          <a:solidFill>
-            <a:schemeClr val="accent5">
-              <a:lumMod val="20000"/>
-              <a:lumOff val="80000"/>
-            </a:schemeClr>
-          </a:solidFill>
-        </p:spPr>
-        <p:style>
-          <a:lnRef idx="1">
-            <a:schemeClr val="accent6"/>
-          </a:lnRef>
-          <a:fillRef idx="2">
-            <a:schemeClr val="accent6"/>
-          </a:fillRef>
-          <a:effectRef idx="1">
-            <a:schemeClr val="accent6"/>
-          </a:effectRef>
-          <a:fontRef idx="minor">
-            <a:schemeClr val="dk1"/>
-          </a:fontRef>
-        </p:style>
-        <p:txBody>
-          <a:bodyPr rtlCol="0" anchor="ctr"/>
-          <a:lstStyle/>
-          <a:p>
-            <a:pPr algn="ctr"/>
-            <a:endParaRPr lang="en-US"/>
-          </a:p>
-        </p:txBody>
-      </p:sp>
-      <p:cxnSp>
-        <p:nvCxnSpPr>
-          <p:cNvPr id="21" name="Straight Connector 20"/>
-          <p:cNvCxnSpPr>
-            <a:stCxn id="8" idx="1"/>
-            <a:endCxn id="5" idx="5"/>
-          </p:cNvCxnSpPr>
-          <p:nvPr/>
-        </p:nvCxnSpPr>
-        <p:spPr>
-          <a:xfrm flipH="1" flipV="1">
-            <a:off x="2071303" y="2818106"/>
-            <a:ext cx="349232" cy="291849"/>
-          </a:xfrm>
-          <a:prstGeom prst="line">
-            <a:avLst/>
-          </a:prstGeom>
-          <a:ln w="38100">
-            <a:solidFill>
-              <a:schemeClr val="bg1"/>
-            </a:solidFill>
-          </a:ln>
-        </p:spPr>
-        <p:style>
-          <a:lnRef idx="1">
-            <a:schemeClr val="accent1"/>
-          </a:lnRef>
-          <a:fillRef idx="0">
-            <a:schemeClr val="accent1"/>
-          </a:fillRef>
-          <a:effectRef idx="0">
-            <a:schemeClr val="accent1"/>
-          </a:effectRef>
-          <a:fontRef idx="minor">
-            <a:schemeClr val="tx1"/>
-          </a:fontRef>
-        </p:style>
-      </p:cxnSp>
-      <p:cxnSp>
-        <p:nvCxnSpPr>
-          <p:cNvPr id="24" name="Straight Connector 23"/>
-          <p:cNvCxnSpPr>
-            <a:stCxn id="6" idx="1"/>
-            <a:endCxn id="4" idx="5"/>
-          </p:cNvCxnSpPr>
-          <p:nvPr/>
-        </p:nvCxnSpPr>
-        <p:spPr>
-          <a:xfrm flipH="1" flipV="1">
-            <a:off x="1173673" y="3818115"/>
-            <a:ext cx="425706" cy="214553"/>
-          </a:xfrm>
-          <a:prstGeom prst="line">
-            <a:avLst/>
-          </a:prstGeom>
-          <a:ln w="38100">
-            <a:solidFill>
-              <a:schemeClr val="bg1"/>
-            </a:solidFill>
-          </a:ln>
-        </p:spPr>
-        <p:style>
-          <a:lnRef idx="1">
-            <a:schemeClr val="accent1"/>
-          </a:lnRef>
-          <a:fillRef idx="0">
-            <a:schemeClr val="accent1"/>
-          </a:fillRef>
-          <a:effectRef idx="0">
-            <a:schemeClr val="accent1"/>
-          </a:effectRef>
-          <a:fontRef idx="minor">
-            <a:schemeClr val="tx1"/>
-          </a:fontRef>
-        </p:style>
-      </p:cxnSp>
-      <p:cxnSp>
-        <p:nvCxnSpPr>
-          <p:cNvPr id="34" name="Straight Connector 33"/>
-          <p:cNvCxnSpPr>
-            <a:stCxn id="4" idx="7"/>
-            <a:endCxn id="5" idx="3"/>
-          </p:cNvCxnSpPr>
-          <p:nvPr/>
-        </p:nvCxnSpPr>
-        <p:spPr>
-          <a:xfrm flipV="1">
-            <a:off x="1173673" y="2818106"/>
-            <a:ext cx="506675" cy="609054"/>
-          </a:xfrm>
-          <a:prstGeom prst="line">
-            <a:avLst/>
-          </a:prstGeom>
-          <a:ln w="38100">
-            <a:solidFill>
-              <a:schemeClr val="bg1"/>
-            </a:solidFill>
-          </a:ln>
-        </p:spPr>
-        <p:style>
-          <a:lnRef idx="1">
-            <a:schemeClr val="accent1"/>
-          </a:lnRef>
-          <a:fillRef idx="0">
-            <a:schemeClr val="accent1"/>
-          </a:fillRef>
-          <a:effectRef idx="0">
-            <a:schemeClr val="accent1"/>
-          </a:effectRef>
-          <a:fontRef idx="minor">
-            <a:schemeClr val="tx1"/>
-          </a:fontRef>
-        </p:style>
-      </p:cxnSp>
-      <p:cxnSp>
-        <p:nvCxnSpPr>
-          <p:cNvPr id="40" name="Straight Connector 39"/>
-          <p:cNvCxnSpPr>
-            <a:stCxn id="6" idx="7"/>
-            <a:endCxn id="8" idx="3"/>
-          </p:cNvCxnSpPr>
-          <p:nvPr/>
-        </p:nvCxnSpPr>
-        <p:spPr>
-          <a:xfrm flipV="1">
-            <a:off x="1990334" y="3500910"/>
-            <a:ext cx="430201" cy="531758"/>
-          </a:xfrm>
-          <a:prstGeom prst="line">
-            <a:avLst/>
-          </a:prstGeom>
-          <a:ln w="38100">
-            <a:solidFill>
-              <a:schemeClr val="bg1"/>
-            </a:solidFill>
-          </a:ln>
-        </p:spPr>
-        <p:style>
-          <a:lnRef idx="1">
-            <a:schemeClr val="accent1"/>
-          </a:lnRef>
-          <a:fillRef idx="0">
-            <a:schemeClr val="accent1"/>
-          </a:fillRef>
-          <a:effectRef idx="0">
-            <a:schemeClr val="accent1"/>
-          </a:effectRef>
-          <a:fontRef idx="minor">
-            <a:schemeClr val="tx1"/>
-          </a:fontRef>
-        </p:style>
-      </p:cxnSp>
-      <p:sp>
-        <p:nvSpPr>
-          <p:cNvPr id="55" name="Rectangle 54"/>
-          <p:cNvSpPr/>
-          <p:nvPr/>
-        </p:nvSpPr>
-        <p:spPr>
-          <a:xfrm>
-            <a:off x="4086467" y="3322958"/>
-            <a:ext cx="961293" cy="437717"/>
+          <p:cNvPr id="19" name="TextBox 18"/>
+          <p:cNvSpPr txBox="1"/>
+          <p:nvPr/>
+        </p:nvSpPr>
+        <p:spPr>
+          <a:xfrm>
+            <a:off x="9439286" y="3756926"/>
+            <a:ext cx="1772921" cy="369332"/>
           </a:xfrm>
           <a:prstGeom prst="rect">
             <a:avLst/>
           </a:prstGeom>
-          <a:solidFill>
-            <a:schemeClr val="accent6"/>
-          </a:solidFill>
-          <a:ln>
-            <a:noFill/>
-          </a:ln>
-        </p:spPr>
-        <p:style>
-          <a:lnRef idx="2">
-            <a:schemeClr val="accent1">
-              <a:shade val="50000"/>
-            </a:schemeClr>
-          </a:lnRef>
-          <a:fillRef idx="1">
-            <a:schemeClr val="accent1"/>
-          </a:fillRef>
-          <a:effectRef idx="0">
-            <a:schemeClr val="accent1"/>
-          </a:effectRef>
-          <a:fontRef idx="minor">
-            <a:schemeClr val="lt1"/>
-          </a:fontRef>
-        </p:style>
-        <p:txBody>
-          <a:bodyPr rtlCol="0" anchor="ctr"/>
-          <a:lstStyle/>
-          <a:p>
-            <a:pPr algn="ctr"/>
-            <a:endParaRPr lang="en-US"/>
-          </a:p>
-        </p:txBody>
-      </p:sp>
-      <p:sp>
-        <p:nvSpPr>
-          <p:cNvPr id="56" name="Rectangle 55"/>
-          <p:cNvSpPr/>
-          <p:nvPr/>
-        </p:nvSpPr>
-        <p:spPr>
-          <a:xfrm>
-            <a:off x="5385742" y="3322958"/>
-            <a:ext cx="961293" cy="437717"/>
-          </a:xfrm>
-          <a:prstGeom prst="rect">
-            <a:avLst/>
-          </a:prstGeom>
-          <a:solidFill>
-            <a:schemeClr val="accent6"/>
-          </a:solidFill>
-          <a:ln>
-            <a:noFill/>
-          </a:ln>
-        </p:spPr>
-        <p:style>
-          <a:lnRef idx="2">
-            <a:schemeClr val="accent1">
-              <a:shade val="50000"/>
-            </a:schemeClr>
-          </a:lnRef>
-          <a:fillRef idx="1">
-            <a:schemeClr val="accent1"/>
-          </a:fillRef>
-          <a:effectRef idx="0">
-            <a:schemeClr val="accent1"/>
-          </a:effectRef>
-          <a:fontRef idx="minor">
-            <a:schemeClr val="lt1"/>
-          </a:fontRef>
-        </p:style>
-        <p:txBody>
-          <a:bodyPr rtlCol="0" anchor="ctr"/>
-          <a:lstStyle/>
-          <a:p>
-            <a:pPr algn="ctr"/>
-            <a:endParaRPr lang="en-US"/>
-          </a:p>
-        </p:txBody>
-      </p:sp>
-      <p:sp>
-        <p:nvSpPr>
-          <p:cNvPr id="57" name="Rectangle 56"/>
-          <p:cNvSpPr/>
-          <p:nvPr/>
-        </p:nvSpPr>
-        <p:spPr>
-          <a:xfrm>
-            <a:off x="4742445" y="2638697"/>
-            <a:ext cx="961293" cy="437717"/>
-          </a:xfrm>
-          <a:prstGeom prst="rect">
-            <a:avLst/>
-          </a:prstGeom>
-          <a:solidFill>
-            <a:schemeClr val="accent6"/>
-          </a:solidFill>
-          <a:ln>
-            <a:noFill/>
-          </a:ln>
-        </p:spPr>
-        <p:style>
-          <a:lnRef idx="2">
-            <a:schemeClr val="accent1">
-              <a:shade val="50000"/>
-            </a:schemeClr>
-          </a:lnRef>
-          <a:fillRef idx="1">
-            <a:schemeClr val="accent1"/>
-          </a:fillRef>
-          <a:effectRef idx="0">
-            <a:schemeClr val="accent1"/>
-          </a:effectRef>
-          <a:fontRef idx="minor">
-            <a:schemeClr val="lt1"/>
-          </a:fontRef>
-        </p:style>
-        <p:txBody>
-          <a:bodyPr rtlCol="0" anchor="ctr"/>
-          <a:lstStyle/>
-          <a:p>
-            <a:pPr algn="ctr"/>
-            <a:endParaRPr lang="en-US"/>
-          </a:p>
-        </p:txBody>
-      </p:sp>
-      <p:sp>
-        <p:nvSpPr>
-          <p:cNvPr id="58" name="Rectangle 57"/>
-          <p:cNvSpPr/>
-          <p:nvPr/>
-        </p:nvSpPr>
-        <p:spPr>
-          <a:xfrm>
-            <a:off x="5385740" y="1954436"/>
-            <a:ext cx="961293" cy="437717"/>
-          </a:xfrm>
-          <a:prstGeom prst="rect">
-            <a:avLst/>
-          </a:prstGeom>
-          <a:solidFill>
-            <a:schemeClr val="accent6"/>
-          </a:solidFill>
-          <a:ln>
-            <a:noFill/>
-          </a:ln>
-        </p:spPr>
-        <p:style>
-          <a:lnRef idx="2">
-            <a:schemeClr val="accent1">
-              <a:shade val="50000"/>
-            </a:schemeClr>
-          </a:lnRef>
-          <a:fillRef idx="1">
-            <a:schemeClr val="accent1"/>
-          </a:fillRef>
-          <a:effectRef idx="0">
-            <a:schemeClr val="accent1"/>
-          </a:effectRef>
-          <a:fontRef idx="minor">
-            <a:schemeClr val="lt1"/>
-          </a:fontRef>
-        </p:style>
-        <p:txBody>
-          <a:bodyPr rtlCol="0" anchor="ctr"/>
-          <a:lstStyle/>
-          <a:p>
-            <a:pPr algn="ctr"/>
-            <a:endParaRPr lang="en-US"/>
-          </a:p>
-        </p:txBody>
-      </p:sp>
-      <p:sp>
-        <p:nvSpPr>
-          <p:cNvPr id="59" name="Rectangle 58"/>
-          <p:cNvSpPr/>
-          <p:nvPr/>
-        </p:nvSpPr>
-        <p:spPr>
-          <a:xfrm>
-            <a:off x="6049586" y="2638697"/>
-            <a:ext cx="961293" cy="437717"/>
-          </a:xfrm>
-          <a:prstGeom prst="rect">
-            <a:avLst/>
-          </a:prstGeom>
-          <a:solidFill>
-            <a:schemeClr val="accent6"/>
-          </a:solidFill>
-          <a:ln>
-            <a:noFill/>
-          </a:ln>
-        </p:spPr>
-        <p:style>
-          <a:lnRef idx="2">
-            <a:schemeClr val="accent1">
-              <a:shade val="50000"/>
-            </a:schemeClr>
-          </a:lnRef>
-          <a:fillRef idx="1">
-            <a:schemeClr val="accent1"/>
-          </a:fillRef>
-          <a:effectRef idx="0">
-            <a:schemeClr val="accent1"/>
-          </a:effectRef>
-          <a:fontRef idx="minor">
-            <a:schemeClr val="lt1"/>
-          </a:fontRef>
-        </p:style>
-        <p:txBody>
-          <a:bodyPr rtlCol="0" anchor="ctr"/>
-          <a:lstStyle/>
-          <a:p>
-            <a:pPr algn="ctr"/>
-            <a:endParaRPr lang="en-US"/>
-          </a:p>
-        </p:txBody>
-      </p:sp>
-      <p:sp>
-        <p:nvSpPr>
-          <p:cNvPr id="60" name="Rectangle 59"/>
-          <p:cNvSpPr/>
-          <p:nvPr/>
-        </p:nvSpPr>
-        <p:spPr>
-          <a:xfrm>
-            <a:off x="5385741" y="4007219"/>
-            <a:ext cx="961293" cy="437717"/>
-          </a:xfrm>
-          <a:prstGeom prst="rect">
-            <a:avLst/>
-          </a:prstGeom>
-          <a:solidFill>
-            <a:schemeClr val="accent6"/>
-          </a:solidFill>
-          <a:ln>
-            <a:noFill/>
-          </a:ln>
-        </p:spPr>
-        <p:style>
-          <a:lnRef idx="2">
-            <a:schemeClr val="accent1">
-              <a:shade val="50000"/>
-            </a:schemeClr>
-          </a:lnRef>
-          <a:fillRef idx="1">
-            <a:schemeClr val="accent1"/>
-          </a:fillRef>
-          <a:effectRef idx="0">
-            <a:schemeClr val="accent1"/>
-          </a:effectRef>
-          <a:fontRef idx="minor">
-            <a:schemeClr val="lt1"/>
-          </a:fontRef>
-        </p:style>
-        <p:txBody>
-          <a:bodyPr rtlCol="0" anchor="ctr"/>
-          <a:lstStyle/>
-          <a:p>
-            <a:pPr algn="ctr"/>
-            <a:endParaRPr lang="en-US"/>
-          </a:p>
-        </p:txBody>
-      </p:sp>
-      <p:cxnSp>
-        <p:nvCxnSpPr>
-          <p:cNvPr id="61" name="Straight Connector 60"/>
-          <p:cNvCxnSpPr>
-            <a:stCxn id="58" idx="2"/>
-            <a:endCxn id="57" idx="0"/>
-          </p:cNvCxnSpPr>
-          <p:nvPr/>
-        </p:nvCxnSpPr>
-        <p:spPr>
-          <a:xfrm flipH="1">
-            <a:off x="5223092" y="2403360"/>
-            <a:ext cx="643295" cy="224131"/>
-          </a:xfrm>
-          <a:prstGeom prst="line">
-            <a:avLst/>
-          </a:prstGeom>
-          <a:ln w="38100">
-            <a:solidFill>
-              <a:schemeClr val="bg1"/>
-            </a:solidFill>
-          </a:ln>
-        </p:spPr>
-        <p:style>
-          <a:lnRef idx="1">
-            <a:schemeClr val="accent1"/>
-          </a:lnRef>
-          <a:fillRef idx="0">
-            <a:schemeClr val="accent1"/>
-          </a:fillRef>
-          <a:effectRef idx="0">
-            <a:schemeClr val="accent1"/>
-          </a:effectRef>
-          <a:fontRef idx="minor">
-            <a:schemeClr val="tx1"/>
-          </a:fontRef>
-        </p:style>
-      </p:cxnSp>
-      <p:cxnSp>
-        <p:nvCxnSpPr>
-          <p:cNvPr id="64" name="Straight Connector 63"/>
-          <p:cNvCxnSpPr>
-            <a:stCxn id="59" idx="0"/>
-            <a:endCxn id="58" idx="2"/>
-          </p:cNvCxnSpPr>
-          <p:nvPr/>
-        </p:nvCxnSpPr>
-        <p:spPr>
-          <a:xfrm flipH="1" flipV="1">
-            <a:off x="5866387" y="2403360"/>
-            <a:ext cx="663846" cy="224131"/>
-          </a:xfrm>
-          <a:prstGeom prst="line">
-            <a:avLst/>
-          </a:prstGeom>
-          <a:ln w="38100">
-            <a:solidFill>
-              <a:schemeClr val="bg1"/>
-            </a:solidFill>
-          </a:ln>
-        </p:spPr>
-        <p:style>
-          <a:lnRef idx="1">
-            <a:schemeClr val="accent1"/>
-          </a:lnRef>
-          <a:fillRef idx="0">
-            <a:schemeClr val="accent1"/>
-          </a:fillRef>
-          <a:effectRef idx="0">
-            <a:schemeClr val="accent1"/>
-          </a:effectRef>
-          <a:fontRef idx="minor">
-            <a:schemeClr val="tx1"/>
-          </a:fontRef>
-        </p:style>
-      </p:cxnSp>
-      <p:cxnSp>
-        <p:nvCxnSpPr>
-          <p:cNvPr id="67" name="Straight Connector 66"/>
-          <p:cNvCxnSpPr>
-            <a:stCxn id="55" idx="0"/>
-            <a:endCxn id="57" idx="2"/>
-          </p:cNvCxnSpPr>
-          <p:nvPr/>
-        </p:nvCxnSpPr>
-        <p:spPr>
-          <a:xfrm flipV="1">
-            <a:off x="4567114" y="3087621"/>
-            <a:ext cx="655978" cy="224131"/>
-          </a:xfrm>
-          <a:prstGeom prst="line">
-            <a:avLst/>
-          </a:prstGeom>
-          <a:ln w="38100">
-            <a:solidFill>
-              <a:schemeClr val="bg1"/>
-            </a:solidFill>
-          </a:ln>
-        </p:spPr>
-        <p:style>
-          <a:lnRef idx="1">
-            <a:schemeClr val="accent1"/>
-          </a:lnRef>
-          <a:fillRef idx="0">
-            <a:schemeClr val="accent1"/>
-          </a:fillRef>
-          <a:effectRef idx="0">
-            <a:schemeClr val="accent1"/>
-          </a:effectRef>
-          <a:fontRef idx="minor">
-            <a:schemeClr val="tx1"/>
-          </a:fontRef>
-        </p:style>
-      </p:cxnSp>
-      <p:cxnSp>
-        <p:nvCxnSpPr>
-          <p:cNvPr id="70" name="Straight Connector 69"/>
-          <p:cNvCxnSpPr>
-            <a:stCxn id="56" idx="0"/>
-            <a:endCxn id="57" idx="2"/>
-          </p:cNvCxnSpPr>
-          <p:nvPr/>
-        </p:nvCxnSpPr>
-        <p:spPr>
-          <a:xfrm flipH="1" flipV="1">
-            <a:off x="5223092" y="3087621"/>
-            <a:ext cx="643297" cy="224131"/>
-          </a:xfrm>
-          <a:prstGeom prst="line">
-            <a:avLst/>
-          </a:prstGeom>
-          <a:ln w="38100">
-            <a:solidFill>
-              <a:schemeClr val="bg1"/>
-            </a:solidFill>
-          </a:ln>
-        </p:spPr>
-        <p:style>
-          <a:lnRef idx="1">
-            <a:schemeClr val="accent1"/>
-          </a:lnRef>
-          <a:fillRef idx="0">
-            <a:schemeClr val="accent1"/>
-          </a:fillRef>
-          <a:effectRef idx="0">
-            <a:schemeClr val="accent1"/>
-          </a:effectRef>
-          <a:fontRef idx="minor">
-            <a:schemeClr val="tx1"/>
-          </a:fontRef>
-        </p:style>
-      </p:cxnSp>
-      <p:cxnSp>
-        <p:nvCxnSpPr>
-          <p:cNvPr id="73" name="Straight Connector 72"/>
-          <p:cNvCxnSpPr>
-            <a:stCxn id="56" idx="2"/>
-            <a:endCxn id="60" idx="0"/>
-          </p:cNvCxnSpPr>
-          <p:nvPr/>
-        </p:nvCxnSpPr>
-        <p:spPr>
-          <a:xfrm flipH="1">
-            <a:off x="5866388" y="3771882"/>
-            <a:ext cx="1" cy="224131"/>
-          </a:xfrm>
-          <a:prstGeom prst="line">
-            <a:avLst/>
-          </a:prstGeom>
-          <a:ln w="38100">
-            <a:solidFill>
-              <a:schemeClr val="bg1"/>
-            </a:solidFill>
-          </a:ln>
-        </p:spPr>
-        <p:style>
-          <a:lnRef idx="1">
-            <a:schemeClr val="accent1"/>
-          </a:lnRef>
-          <a:fillRef idx="0">
-            <a:schemeClr val="accent1"/>
-          </a:fillRef>
-          <a:effectRef idx="0">
-            <a:schemeClr val="accent1"/>
-          </a:effectRef>
-          <a:fontRef idx="minor">
-            <a:schemeClr val="tx1"/>
-          </a:fontRef>
-        </p:style>
-      </p:cxnSp>
-      <p:sp>
-        <p:nvSpPr>
-          <p:cNvPr id="78" name="TextBox 77"/>
-          <p:cNvSpPr txBox="1"/>
-          <p:nvPr/>
-        </p:nvSpPr>
-        <p:spPr>
-          <a:xfrm>
-            <a:off x="4722695" y="4728865"/>
-            <a:ext cx="1744388" cy="830997"/>
-          </a:xfrm>
-          <a:prstGeom prst="rect">
-            <a:avLst/>
-          </a:prstGeom>
           <a:noFill/>
         </p:spPr>
         <p:txBody>
-          <a:bodyPr wrap="none" rtlCol="0">
+          <a:bodyPr wrap="square" rtlCol="0">
             <a:spAutoFit/>
           </a:bodyPr>
           <a:lstStyle/>
           <a:p>
-            <a:pPr algn="ctr"/>
             <a:r>
-              <a:rPr lang="en-US" sz="2400" dirty="0" smtClean="0">
+              <a:rPr lang="en-US" dirty="0" smtClean="0">
                 <a:solidFill>
                   <a:schemeClr val="bg1"/>
                 </a:solidFill>
               </a:rPr>
-              <a:t>Virtual DOM</a:t>
+              <a:t>Add to list</a:t>
             </a:r>
-            <a:br>
-              <a:rPr lang="en-US" sz="2400" dirty="0" smtClean="0">
-                <a:solidFill>
-                  <a:schemeClr val="bg1"/>
-                </a:solidFill>
-              </a:rPr>
-            </a:br>
-            <a:r>
-              <a:rPr lang="en-US" sz="2400" dirty="0" smtClean="0">
-                <a:solidFill>
-                  <a:schemeClr val="bg1"/>
-                </a:solidFill>
-              </a:rPr>
-              <a:t>(in memory)</a:t>
-            </a:r>
-            <a:endParaRPr lang="en-US" sz="2400" dirty="0">
+            <a:endParaRPr lang="en-US" dirty="0">
               <a:solidFill>
                 <a:schemeClr val="bg1"/>
               </a:solidFill>
@@ -6670,500 +7699,46 @@
           </a:p>
         </p:txBody>
       </p:sp>
-      <p:sp>
-        <p:nvSpPr>
-          <p:cNvPr id="79" name="Rectangle 78"/>
-          <p:cNvSpPr/>
-          <p:nvPr/>
-        </p:nvSpPr>
-        <p:spPr>
-          <a:xfrm>
-            <a:off x="8069733" y="3322958"/>
-            <a:ext cx="961293" cy="437717"/>
-          </a:xfrm>
-          <a:prstGeom prst="rect">
-            <a:avLst/>
-          </a:prstGeom>
-          <a:solidFill>
-            <a:schemeClr val="accent6"/>
-          </a:solidFill>
-          <a:ln>
-            <a:noFill/>
-          </a:ln>
-        </p:spPr>
-        <p:style>
-          <a:lnRef idx="2">
-            <a:schemeClr val="accent1">
-              <a:shade val="50000"/>
-            </a:schemeClr>
-          </a:lnRef>
-          <a:fillRef idx="1">
-            <a:schemeClr val="accent1"/>
-          </a:fillRef>
-          <a:effectRef idx="0">
-            <a:schemeClr val="accent1"/>
-          </a:effectRef>
-          <a:fontRef idx="minor">
-            <a:schemeClr val="lt1"/>
-          </a:fontRef>
-        </p:style>
-        <p:txBody>
-          <a:bodyPr rtlCol="0" anchor="ctr"/>
-          <a:lstStyle/>
-          <a:p>
-            <a:pPr algn="ctr"/>
-            <a:endParaRPr lang="en-US"/>
-          </a:p>
-        </p:txBody>
-      </p:sp>
-      <p:sp>
-        <p:nvSpPr>
-          <p:cNvPr id="80" name="Rectangle 79"/>
-          <p:cNvSpPr/>
-          <p:nvPr/>
-        </p:nvSpPr>
-        <p:spPr>
-          <a:xfrm>
-            <a:off x="9369008" y="3322958"/>
-            <a:ext cx="961293" cy="437717"/>
-          </a:xfrm>
-          <a:prstGeom prst="rect">
-            <a:avLst/>
-          </a:prstGeom>
-          <a:solidFill>
-            <a:schemeClr val="accent6"/>
-          </a:solidFill>
-          <a:ln>
-            <a:noFill/>
-          </a:ln>
-        </p:spPr>
-        <p:style>
-          <a:lnRef idx="2">
-            <a:schemeClr val="accent1">
-              <a:shade val="50000"/>
-            </a:schemeClr>
-          </a:lnRef>
-          <a:fillRef idx="1">
-            <a:schemeClr val="accent1"/>
-          </a:fillRef>
-          <a:effectRef idx="0">
-            <a:schemeClr val="accent1"/>
-          </a:effectRef>
-          <a:fontRef idx="minor">
-            <a:schemeClr val="lt1"/>
-          </a:fontRef>
-        </p:style>
-        <p:txBody>
-          <a:bodyPr rtlCol="0" anchor="ctr"/>
-          <a:lstStyle/>
-          <a:p>
-            <a:pPr algn="ctr"/>
-            <a:endParaRPr lang="en-US"/>
-          </a:p>
-        </p:txBody>
-      </p:sp>
-      <p:sp>
-        <p:nvSpPr>
-          <p:cNvPr id="81" name="Rectangle 80"/>
-          <p:cNvSpPr/>
-          <p:nvPr/>
-        </p:nvSpPr>
-        <p:spPr>
-          <a:xfrm>
-            <a:off x="8725711" y="2638697"/>
-            <a:ext cx="961293" cy="437717"/>
-          </a:xfrm>
-          <a:prstGeom prst="rect">
-            <a:avLst/>
-          </a:prstGeom>
-          <a:solidFill>
-            <a:schemeClr val="accent6"/>
-          </a:solidFill>
-          <a:ln>
-            <a:noFill/>
-          </a:ln>
-        </p:spPr>
-        <p:style>
-          <a:lnRef idx="2">
-            <a:schemeClr val="accent1">
-              <a:shade val="50000"/>
-            </a:schemeClr>
-          </a:lnRef>
-          <a:fillRef idx="1">
-            <a:schemeClr val="accent1"/>
-          </a:fillRef>
-          <a:effectRef idx="0">
-            <a:schemeClr val="accent1"/>
-          </a:effectRef>
-          <a:fontRef idx="minor">
-            <a:schemeClr val="lt1"/>
-          </a:fontRef>
-        </p:style>
-        <p:txBody>
-          <a:bodyPr rtlCol="0" anchor="ctr"/>
-          <a:lstStyle/>
-          <a:p>
-            <a:pPr algn="ctr"/>
-            <a:endParaRPr lang="en-US"/>
-          </a:p>
-        </p:txBody>
-      </p:sp>
-      <p:sp>
-        <p:nvSpPr>
-          <p:cNvPr id="82" name="Rectangle 81"/>
-          <p:cNvSpPr/>
-          <p:nvPr/>
-        </p:nvSpPr>
-        <p:spPr>
-          <a:xfrm>
-            <a:off x="9369006" y="1954436"/>
-            <a:ext cx="961293" cy="437717"/>
-          </a:xfrm>
-          <a:prstGeom prst="rect">
-            <a:avLst/>
-          </a:prstGeom>
-          <a:solidFill>
-            <a:schemeClr val="accent6"/>
-          </a:solidFill>
-          <a:ln>
-            <a:noFill/>
-          </a:ln>
-        </p:spPr>
-        <p:style>
-          <a:lnRef idx="2">
-            <a:schemeClr val="accent1">
-              <a:shade val="50000"/>
-            </a:schemeClr>
-          </a:lnRef>
-          <a:fillRef idx="1">
-            <a:schemeClr val="accent1"/>
-          </a:fillRef>
-          <a:effectRef idx="0">
-            <a:schemeClr val="accent1"/>
-          </a:effectRef>
-          <a:fontRef idx="minor">
-            <a:schemeClr val="lt1"/>
-          </a:fontRef>
-        </p:style>
-        <p:txBody>
-          <a:bodyPr rtlCol="0" anchor="ctr"/>
-          <a:lstStyle/>
-          <a:p>
-            <a:pPr algn="ctr"/>
-            <a:endParaRPr lang="en-US"/>
-          </a:p>
-        </p:txBody>
-      </p:sp>
-      <p:sp>
-        <p:nvSpPr>
-          <p:cNvPr id="83" name="Rectangle 82"/>
-          <p:cNvSpPr/>
-          <p:nvPr/>
-        </p:nvSpPr>
-        <p:spPr>
-          <a:xfrm>
-            <a:off x="10032852" y="2638697"/>
-            <a:ext cx="961293" cy="437717"/>
-          </a:xfrm>
-          <a:prstGeom prst="rect">
-            <a:avLst/>
-          </a:prstGeom>
-          <a:solidFill>
-            <a:schemeClr val="accent6"/>
-          </a:solidFill>
-          <a:ln>
-            <a:noFill/>
-          </a:ln>
-        </p:spPr>
-        <p:style>
-          <a:lnRef idx="2">
-            <a:schemeClr val="accent1">
-              <a:shade val="50000"/>
-            </a:schemeClr>
-          </a:lnRef>
-          <a:fillRef idx="1">
-            <a:schemeClr val="accent1"/>
-          </a:fillRef>
-          <a:effectRef idx="0">
-            <a:schemeClr val="accent1"/>
-          </a:effectRef>
-          <a:fontRef idx="minor">
-            <a:schemeClr val="lt1"/>
-          </a:fontRef>
-        </p:style>
-        <p:txBody>
-          <a:bodyPr rtlCol="0" anchor="ctr"/>
-          <a:lstStyle/>
-          <a:p>
-            <a:pPr algn="ctr"/>
-            <a:endParaRPr lang="en-US"/>
-          </a:p>
-        </p:txBody>
-      </p:sp>
-      <p:sp>
-        <p:nvSpPr>
-          <p:cNvPr id="84" name="Rectangle 83"/>
-          <p:cNvSpPr/>
-          <p:nvPr/>
-        </p:nvSpPr>
-        <p:spPr>
-          <a:xfrm>
-            <a:off x="9369007" y="4007219"/>
-            <a:ext cx="961293" cy="437717"/>
-          </a:xfrm>
-          <a:prstGeom prst="rect">
-            <a:avLst/>
-          </a:prstGeom>
-          <a:solidFill>
-            <a:schemeClr val="accent6"/>
-          </a:solidFill>
-          <a:ln>
-            <a:noFill/>
-          </a:ln>
-        </p:spPr>
-        <p:style>
-          <a:lnRef idx="2">
-            <a:schemeClr val="accent1">
-              <a:shade val="50000"/>
-            </a:schemeClr>
-          </a:lnRef>
-          <a:fillRef idx="1">
-            <a:schemeClr val="accent1"/>
-          </a:fillRef>
-          <a:effectRef idx="0">
-            <a:schemeClr val="accent1"/>
-          </a:effectRef>
-          <a:fontRef idx="minor">
-            <a:schemeClr val="lt1"/>
-          </a:fontRef>
-        </p:style>
-        <p:txBody>
-          <a:bodyPr rtlCol="0" anchor="ctr"/>
-          <a:lstStyle/>
-          <a:p>
-            <a:pPr algn="ctr"/>
-            <a:endParaRPr lang="en-US"/>
-          </a:p>
-        </p:txBody>
-      </p:sp>
       <p:cxnSp>
         <p:nvCxnSpPr>
-          <p:cNvPr id="85" name="Straight Connector 84"/>
-          <p:cNvCxnSpPr/>
+          <p:cNvPr id="20" name="Straight Arrow Connector 19"/>
+          <p:cNvCxnSpPr>
+            <a:stCxn id="12" idx="3"/>
+            <a:endCxn id="19" idx="1"/>
+          </p:cNvCxnSpPr>
           <p:nvPr/>
         </p:nvCxnSpPr>
         <p:spPr>
-          <a:xfrm flipH="1">
-            <a:off x="9206358" y="2403360"/>
-            <a:ext cx="643295" cy="224131"/>
-          </a:xfrm>
-          <a:prstGeom prst="line">
-            <a:avLst/>
-          </a:prstGeom>
-          <a:ln w="38100">
-            <a:solidFill>
-              <a:schemeClr val="bg1"/>
-            </a:solidFill>
+          <a:xfrm flipV="1">
+            <a:off x="8733182" y="3941592"/>
+            <a:ext cx="706104" cy="1"/>
+          </a:xfrm>
+          <a:prstGeom prst="straightConnector1">
+            <a:avLst/>
+          </a:prstGeom>
+          <a:ln w="76200">
+            <a:tailEnd type="triangle"/>
           </a:ln>
         </p:spPr>
         <p:style>
           <a:lnRef idx="1">
-            <a:schemeClr val="accent1"/>
+            <a:schemeClr val="accent3"/>
           </a:lnRef>
           <a:fillRef idx="0">
-            <a:schemeClr val="accent1"/>
-          </a:fillRef>
-          <a:effectRef idx="0">
-            <a:schemeClr val="accent1"/>
+            <a:schemeClr val="accent3"/>
+          </a:fillRef>
+          <a:effectRef idx="0">
+            <a:schemeClr val="accent3"/>
           </a:effectRef>
           <a:fontRef idx="minor">
             <a:schemeClr val="tx1"/>
           </a:fontRef>
         </p:style>
       </p:cxnSp>
-      <p:cxnSp>
-        <p:nvCxnSpPr>
-          <p:cNvPr id="86" name="Straight Connector 85"/>
-          <p:cNvCxnSpPr/>
-          <p:nvPr/>
-        </p:nvCxnSpPr>
-        <p:spPr>
-          <a:xfrm flipH="1" flipV="1">
-            <a:off x="9849653" y="2403360"/>
-            <a:ext cx="663846" cy="224131"/>
-          </a:xfrm>
-          <a:prstGeom prst="line">
-            <a:avLst/>
-          </a:prstGeom>
-          <a:ln w="38100">
-            <a:solidFill>
-              <a:schemeClr val="bg1"/>
-            </a:solidFill>
-          </a:ln>
-        </p:spPr>
-        <p:style>
-          <a:lnRef idx="1">
-            <a:schemeClr val="accent1"/>
-          </a:lnRef>
-          <a:fillRef idx="0">
-            <a:schemeClr val="accent1"/>
-          </a:fillRef>
-          <a:effectRef idx="0">
-            <a:schemeClr val="accent1"/>
-          </a:effectRef>
-          <a:fontRef idx="minor">
-            <a:schemeClr val="tx1"/>
-          </a:fontRef>
-        </p:style>
-      </p:cxnSp>
-      <p:cxnSp>
-        <p:nvCxnSpPr>
-          <p:cNvPr id="87" name="Straight Connector 86"/>
-          <p:cNvCxnSpPr/>
-          <p:nvPr/>
-        </p:nvCxnSpPr>
-        <p:spPr>
-          <a:xfrm flipV="1">
-            <a:off x="8550380" y="3087621"/>
-            <a:ext cx="655978" cy="224131"/>
-          </a:xfrm>
-          <a:prstGeom prst="line">
-            <a:avLst/>
-          </a:prstGeom>
-          <a:ln w="38100">
-            <a:solidFill>
-              <a:schemeClr val="bg1"/>
-            </a:solidFill>
-          </a:ln>
-        </p:spPr>
-        <p:style>
-          <a:lnRef idx="1">
-            <a:schemeClr val="accent1"/>
-          </a:lnRef>
-          <a:fillRef idx="0">
-            <a:schemeClr val="accent1"/>
-          </a:fillRef>
-          <a:effectRef idx="0">
-            <a:schemeClr val="accent1"/>
-          </a:effectRef>
-          <a:fontRef idx="minor">
-            <a:schemeClr val="tx1"/>
-          </a:fontRef>
-        </p:style>
-      </p:cxnSp>
-      <p:cxnSp>
-        <p:nvCxnSpPr>
-          <p:cNvPr id="88" name="Straight Connector 87"/>
-          <p:cNvCxnSpPr/>
-          <p:nvPr/>
-        </p:nvCxnSpPr>
-        <p:spPr>
-          <a:xfrm flipH="1" flipV="1">
-            <a:off x="9206358" y="3087621"/>
-            <a:ext cx="643297" cy="224131"/>
-          </a:xfrm>
-          <a:prstGeom prst="line">
-            <a:avLst/>
-          </a:prstGeom>
-          <a:ln w="38100">
-            <a:solidFill>
-              <a:schemeClr val="bg1"/>
-            </a:solidFill>
-          </a:ln>
-        </p:spPr>
-        <p:style>
-          <a:lnRef idx="1">
-            <a:schemeClr val="accent1"/>
-          </a:lnRef>
-          <a:fillRef idx="0">
-            <a:schemeClr val="accent1"/>
-          </a:fillRef>
-          <a:effectRef idx="0">
-            <a:schemeClr val="accent1"/>
-          </a:effectRef>
-          <a:fontRef idx="minor">
-            <a:schemeClr val="tx1"/>
-          </a:fontRef>
-        </p:style>
-      </p:cxnSp>
-      <p:cxnSp>
-        <p:nvCxnSpPr>
-          <p:cNvPr id="89" name="Straight Connector 88"/>
-          <p:cNvCxnSpPr/>
-          <p:nvPr/>
-        </p:nvCxnSpPr>
-        <p:spPr>
-          <a:xfrm flipH="1">
-            <a:off x="9849654" y="3771882"/>
-            <a:ext cx="1" cy="224131"/>
-          </a:xfrm>
-          <a:prstGeom prst="line">
-            <a:avLst/>
-          </a:prstGeom>
-          <a:ln w="38100">
-            <a:solidFill>
-              <a:schemeClr val="bg1"/>
-            </a:solidFill>
-          </a:ln>
-        </p:spPr>
-        <p:style>
-          <a:lnRef idx="1">
-            <a:schemeClr val="accent1"/>
-          </a:lnRef>
-          <a:fillRef idx="0">
-            <a:schemeClr val="accent1"/>
-          </a:fillRef>
-          <a:effectRef idx="0">
-            <a:schemeClr val="accent1"/>
-          </a:effectRef>
-          <a:fontRef idx="minor">
-            <a:schemeClr val="tx1"/>
-          </a:fontRef>
-        </p:style>
-      </p:cxnSp>
-      <p:sp>
-        <p:nvSpPr>
-          <p:cNvPr id="90" name="TextBox 89"/>
-          <p:cNvSpPr txBox="1"/>
-          <p:nvPr/>
-        </p:nvSpPr>
-        <p:spPr>
-          <a:xfrm>
-            <a:off x="8780504" y="4688320"/>
-            <a:ext cx="1938096" cy="461665"/>
-          </a:xfrm>
-          <a:prstGeom prst="rect">
-            <a:avLst/>
-          </a:prstGeom>
-          <a:noFill/>
-        </p:spPr>
-        <p:txBody>
-          <a:bodyPr wrap="none" rtlCol="0">
-            <a:spAutoFit/>
-          </a:bodyPr>
-          <a:lstStyle/>
-          <a:p>
-            <a:pPr algn="ctr"/>
-            <a:r>
-              <a:rPr lang="en-US" sz="2400" dirty="0" smtClean="0">
-                <a:solidFill>
-                  <a:schemeClr val="bg1"/>
-                </a:solidFill>
-              </a:rPr>
-              <a:t>Browser DOM</a:t>
-            </a:r>
-            <a:endParaRPr lang="en-US" sz="2400" dirty="0">
-              <a:solidFill>
-                <a:schemeClr val="bg1"/>
-              </a:solidFill>
-            </a:endParaRPr>
-          </a:p>
-        </p:txBody>
-      </p:sp>
     </p:spTree>
     <p:extLst>
       <p:ext uri="{BB962C8B-B14F-4D97-AF65-F5344CB8AC3E}">
-        <p14:creationId xmlns:p14="http://schemas.microsoft.com/office/powerpoint/2010/main" val="521624760"/>
+        <p14:creationId xmlns:p14="http://schemas.microsoft.com/office/powerpoint/2010/main" val="1964913867"/>
       </p:ext>
     </p:extLst>
   </p:cSld>
@@ -7397,7 +7972,7 @@
             <a:avLst/>
           </a:prstGeom>
           <a:solidFill>
-            <a:srgbClr val="FF0000"/>
+            <a:schemeClr val="accent4"/>
           </a:solidFill>
           <a:ln w="0">
             <a:noFill/>
@@ -8713,13 +9288,20 @@
     </p:spTree>
     <p:extLst>
       <p:ext uri="{BB962C8B-B14F-4D97-AF65-F5344CB8AC3E}">
-        <p14:creationId xmlns:p14="http://schemas.microsoft.com/office/powerpoint/2010/main" val="78529447"/>
+        <p14:creationId xmlns:p14="http://schemas.microsoft.com/office/powerpoint/2010/main" val="521624760"/>
       </p:ext>
     </p:extLst>
   </p:cSld>
   <p:clrMapOvr>
     <a:masterClrMapping/>
   </p:clrMapOvr>
+  <p:timing>
+    <p:tnLst>
+      <p:par>
+        <p:cTn id="1" dur="indefinite" restart="never" nodeType="tmRoot"/>
+      </p:par>
+    </p:tnLst>
+  </p:timing>
 </p:sld>
 </file>
 
@@ -9311,7 +9893,7 @@
             <a:avLst/>
           </a:prstGeom>
           <a:solidFill>
-            <a:srgbClr val="FF0000"/>
+            <a:schemeClr val="accent6"/>
           </a:solidFill>
           <a:ln>
             <a:noFill/>
@@ -9449,7 +10031,7 @@
             <a:avLst/>
           </a:prstGeom>
           <a:solidFill>
-            <a:srgbClr val="FF0000"/>
+            <a:schemeClr val="accent6"/>
           </a:solidFill>
           <a:ln>
             <a:noFill/>
@@ -10263,7 +10845,7 @@
     </p:spTree>
     <p:extLst>
       <p:ext uri="{BB962C8B-B14F-4D97-AF65-F5344CB8AC3E}">
-        <p14:creationId xmlns:p14="http://schemas.microsoft.com/office/powerpoint/2010/main" val="219543235"/>
+        <p14:creationId xmlns:p14="http://schemas.microsoft.com/office/powerpoint/2010/main" val="78529447"/>
       </p:ext>
     </p:extLst>
   </p:cSld>
@@ -11045,7 +11627,7 @@
             <a:avLst/>
           </a:prstGeom>
           <a:solidFill>
-            <a:srgbClr val="FF0000"/>
+            <a:schemeClr val="accent6"/>
           </a:solidFill>
           <a:ln>
             <a:noFill/>
@@ -11813,7 +12395,7 @@
     </p:spTree>
     <p:extLst>
       <p:ext uri="{BB962C8B-B14F-4D97-AF65-F5344CB8AC3E}">
-        <p14:creationId xmlns:p14="http://schemas.microsoft.com/office/powerpoint/2010/main" val="486245099"/>
+        <p14:creationId xmlns:p14="http://schemas.microsoft.com/office/powerpoint/2010/main" val="219543235"/>
       </p:ext>
     </p:extLst>
   </p:cSld>
@@ -12931,7 +13513,7 @@
             <a:avLst/>
           </a:prstGeom>
           <a:solidFill>
-            <a:srgbClr val="FF0000"/>
+            <a:schemeClr val="accent6"/>
           </a:solidFill>
           <a:ln>
             <a:noFill/>
@@ -13069,7 +13651,7 @@
             <a:avLst/>
           </a:prstGeom>
           <a:solidFill>
-            <a:srgbClr val="FF0000"/>
+            <a:schemeClr val="accent6"/>
           </a:solidFill>
           <a:ln>
             <a:noFill/>
@@ -13115,7 +13697,7 @@
             <a:avLst/>
           </a:prstGeom>
           <a:solidFill>
-            <a:srgbClr val="FF0000"/>
+            <a:schemeClr val="accent6"/>
           </a:solidFill>
           <a:ln>
             <a:noFill/>
@@ -13363,7 +13945,7 @@
     </p:spTree>
     <p:extLst>
       <p:ext uri="{BB962C8B-B14F-4D97-AF65-F5344CB8AC3E}">
-        <p14:creationId xmlns:p14="http://schemas.microsoft.com/office/powerpoint/2010/main" val="1146102058"/>
+        <p14:creationId xmlns:p14="http://schemas.microsoft.com/office/powerpoint/2010/main" val="486245099"/>
       </p:ext>
     </p:extLst>
   </p:cSld>

--- a/schemas.pptx
+++ b/schemas.pptx
@@ -238,7 +238,7 @@
           <a:p>
             <a:fld id="{5C429396-FDB1-F04C-9A46-BA26E46C0344}" type="datetimeFigureOut">
               <a:rPr lang="en-US" smtClean="0"/>
-              <a:t>10/4/17</a:t>
+              <a:t>10/6/17</a:t>
             </a:fld>
             <a:endParaRPr lang="en-US"/>
           </a:p>
@@ -637,7 +637,7 @@
           <a:p>
             <a:fld id="{78C3FB43-EF33-7B42-BD59-CFA98E055764}" type="datetimeFigureOut">
               <a:rPr lang="en-US" smtClean="0"/>
-              <a:t>10/4/17</a:t>
+              <a:t>10/6/17</a:t>
             </a:fld>
             <a:endParaRPr lang="en-US"/>
           </a:p>
@@ -807,7 +807,7 @@
           <a:p>
             <a:fld id="{78C3FB43-EF33-7B42-BD59-CFA98E055764}" type="datetimeFigureOut">
               <a:rPr lang="en-US" smtClean="0"/>
-              <a:t>10/4/17</a:t>
+              <a:t>10/6/17</a:t>
             </a:fld>
             <a:endParaRPr lang="en-US"/>
           </a:p>
@@ -987,7 +987,7 @@
           <a:p>
             <a:fld id="{78C3FB43-EF33-7B42-BD59-CFA98E055764}" type="datetimeFigureOut">
               <a:rPr lang="en-US" smtClean="0"/>
-              <a:t>10/4/17</a:t>
+              <a:t>10/6/17</a:t>
             </a:fld>
             <a:endParaRPr lang="en-US"/>
           </a:p>
@@ -1157,7 +1157,7 @@
           <a:p>
             <a:fld id="{78C3FB43-EF33-7B42-BD59-CFA98E055764}" type="datetimeFigureOut">
               <a:rPr lang="en-US" smtClean="0"/>
-              <a:t>10/4/17</a:t>
+              <a:t>10/6/17</a:t>
             </a:fld>
             <a:endParaRPr lang="en-US"/>
           </a:p>
@@ -1403,7 +1403,7 @@
           <a:p>
             <a:fld id="{78C3FB43-EF33-7B42-BD59-CFA98E055764}" type="datetimeFigureOut">
               <a:rPr lang="en-US" smtClean="0"/>
-              <a:t>10/4/17</a:t>
+              <a:t>10/6/17</a:t>
             </a:fld>
             <a:endParaRPr lang="en-US"/>
           </a:p>
@@ -1635,7 +1635,7 @@
           <a:p>
             <a:fld id="{78C3FB43-EF33-7B42-BD59-CFA98E055764}" type="datetimeFigureOut">
               <a:rPr lang="en-US" smtClean="0"/>
-              <a:t>10/4/17</a:t>
+              <a:t>10/6/17</a:t>
             </a:fld>
             <a:endParaRPr lang="en-US"/>
           </a:p>
@@ -2002,7 +2002,7 @@
           <a:p>
             <a:fld id="{78C3FB43-EF33-7B42-BD59-CFA98E055764}" type="datetimeFigureOut">
               <a:rPr lang="en-US" smtClean="0"/>
-              <a:t>10/4/17</a:t>
+              <a:t>10/6/17</a:t>
             </a:fld>
             <a:endParaRPr lang="en-US"/>
           </a:p>
@@ -2120,7 +2120,7 @@
           <a:p>
             <a:fld id="{78C3FB43-EF33-7B42-BD59-CFA98E055764}" type="datetimeFigureOut">
               <a:rPr lang="en-US" smtClean="0"/>
-              <a:t>10/4/17</a:t>
+              <a:t>10/6/17</a:t>
             </a:fld>
             <a:endParaRPr lang="en-US"/>
           </a:p>
@@ -2215,7 +2215,7 @@
           <a:p>
             <a:fld id="{78C3FB43-EF33-7B42-BD59-CFA98E055764}" type="datetimeFigureOut">
               <a:rPr lang="en-US" smtClean="0"/>
-              <a:t>10/4/17</a:t>
+              <a:t>10/6/17</a:t>
             </a:fld>
             <a:endParaRPr lang="en-US"/>
           </a:p>
@@ -2492,7 +2492,7 @@
           <a:p>
             <a:fld id="{78C3FB43-EF33-7B42-BD59-CFA98E055764}" type="datetimeFigureOut">
               <a:rPr lang="en-US" smtClean="0"/>
-              <a:t>10/4/17</a:t>
+              <a:t>10/6/17</a:t>
             </a:fld>
             <a:endParaRPr lang="en-US"/>
           </a:p>
@@ -2745,7 +2745,7 @@
           <a:p>
             <a:fld id="{78C3FB43-EF33-7B42-BD59-CFA98E055764}" type="datetimeFigureOut">
               <a:rPr lang="en-US" smtClean="0"/>
-              <a:t>10/4/17</a:t>
+              <a:t>10/6/17</a:t>
             </a:fld>
             <a:endParaRPr lang="en-US"/>
           </a:p>
@@ -2958,7 +2958,7 @@
           <a:p>
             <a:fld id="{78C3FB43-EF33-7B42-BD59-CFA98E055764}" type="datetimeFigureOut">
               <a:rPr lang="en-US" smtClean="0"/>
-              <a:t>10/4/17</a:t>
+              <a:t>10/6/17</a:t>
             </a:fld>
             <a:endParaRPr lang="en-US"/>
           </a:p>
@@ -11551,8 +11551,8 @@
           <a:p>
             <a:pPr algn="ctr"/>
             <a:r>
-              <a:rPr lang="en-US" sz="3200" smtClean="0"/>
-              <a:t>PropertyList</a:t>
+              <a:rPr lang="en-US" sz="3200" dirty="0" err="1" smtClean="0"/>
+              <a:t>HostelList</a:t>
             </a:r>
             <a:endParaRPr lang="en-US" sz="3200" dirty="0"/>
           </a:p>
@@ -11601,8 +11601,8 @@
           <a:p>
             <a:pPr algn="ctr"/>
             <a:r>
-              <a:rPr lang="en-US" sz="2000" dirty="0" err="1" smtClean="0"/>
-              <a:t>PropertyListItem</a:t>
+              <a:rPr lang="en-US" sz="2000" dirty="0" err="1"/>
+              <a:t>HostelListItem</a:t>
             </a:r>
             <a:endParaRPr lang="en-US" sz="2000" dirty="0"/>
           </a:p>
@@ -11652,7 +11652,7 @@
             <a:pPr algn="ctr"/>
             <a:r>
               <a:rPr lang="en-US" sz="2000" dirty="0" err="1"/>
-              <a:t>PropertyListItem</a:t>
+              <a:t>HostelListItem</a:t>
             </a:r>
             <a:endParaRPr lang="en-US" sz="2000" dirty="0"/>
           </a:p>
@@ -12510,7 +12510,6 @@
               <a:rPr lang="en-US" sz="1100" dirty="0"/>
               <a:t>()</a:t>
             </a:r>
-            <a:endParaRPr lang="en-US" sz="1100" dirty="0"/>
           </a:p>
         </p:txBody>
       </p:sp>
@@ -12943,7 +12942,6 @@
               <a:rPr lang="en-US" sz="1100" dirty="0"/>
               <a:t>()</a:t>
             </a:r>
-            <a:endParaRPr lang="en-US" sz="1100" dirty="0"/>
           </a:p>
         </p:txBody>
       </p:sp>
@@ -13556,7 +13554,6 @@
               <a:rPr lang="en-US" sz="1100" dirty="0"/>
               <a:t>()</a:t>
             </a:r>
-            <a:endParaRPr lang="en-US" sz="1100" dirty="0"/>
           </a:p>
         </p:txBody>
       </p:sp>
